--- a/English/7.Power BI Services/4.Configuring the Row Level Security.pptx
+++ b/English/7.Power BI Services/4.Configuring the Row Level Security.pptx
@@ -27,7 +27,7 @@
   <p:notesSz cx="6858000" cy="9144000"/>
   <p:defaultTextStyle>
     <a:defPPr>
-      <a:defRPr lang="en-US"/>
+      <a:defRPr lang="en"/>
     </a:defPPr>
     <a:lvl1pPr marL="0" algn="l" defTabSz="914400" rtl="0" eaLnBrk="1" latinLnBrk="0" hangingPunct="1">
       <a:defRPr sz="1800" kern="1200">
@@ -3365,9 +3365,9 @@
           </a:bodyPr>
           <a:lstStyle/>
           <a:p>
-            <a:pPr algn="ctr"/>
-            <a:r>
-              <a:rPr lang="fr-FR" sz="7200" b="1" dirty="0" err="1" smtClean="0">
+            <a:pPr xmlns:a="http://schemas.openxmlformats.org/drawingml/2006/main" algn="ctr"/>
+            <a:r xmlns:a="http://schemas.openxmlformats.org/drawingml/2006/main">
+              <a:rPr lang="en" sz="7200" b="1" dirty="0" err="1" smtClean="0">
                 <a:solidFill>
                   <a:srgbClr val="7030A0"/>
                 </a:solidFill>
@@ -3375,10 +3375,10 @@
                 <a:ea typeface="Verdana" panose="020B0604030504040204" pitchFamily="34" charset="0"/>
                 <a:cs typeface="Segoe UI" panose="020B0502040204020203" pitchFamily="34" charset="0"/>
               </a:rPr>
-              <a:t>Configuring</a:t>
-            </a:r>
-            <a:r>
-              <a:rPr lang="fr-FR" sz="7200" b="1" dirty="0" smtClean="0">
+              <a:t>Configuration</a:t>
+            </a:r>
+            <a:r xmlns:a="http://schemas.openxmlformats.org/drawingml/2006/main">
+              <a:rPr lang="en" sz="7200" b="1" dirty="0" smtClean="0">
                 <a:solidFill>
                   <a:srgbClr val="7030A0"/>
                 </a:solidFill>
@@ -3388,8 +3388,8 @@
               </a:rPr>
               <a:t> </a:t>
             </a:r>
-            <a:r>
-              <a:rPr lang="fr-FR" sz="7200" b="1" dirty="0" err="1" smtClean="0">
+            <a:r xmlns:a="http://schemas.openxmlformats.org/drawingml/2006/main">
+              <a:rPr lang="en" sz="7200" b="1" dirty="0" err="1" smtClean="0">
                 <a:solidFill>
                   <a:srgbClr val="7030A0"/>
                 </a:solidFill>
@@ -3399,8 +3399,8 @@
               </a:rPr>
               <a:t>Row</a:t>
             </a:r>
-            <a:r>
-              <a:rPr lang="fr-FR" sz="7200" b="1" dirty="0" smtClean="0">
+            <a:r xmlns:a="http://schemas.openxmlformats.org/drawingml/2006/main">
+              <a:rPr lang="en" sz="7200" b="1" dirty="0" smtClean="0">
                 <a:solidFill>
                   <a:srgbClr val="7030A0"/>
                 </a:solidFill>
@@ -3410,8 +3410,8 @@
               </a:rPr>
               <a:t> </a:t>
             </a:r>
-            <a:r>
-              <a:rPr lang="fr-FR" sz="7200" b="1" dirty="0" err="1" smtClean="0">
+            <a:r xmlns:a="http://schemas.openxmlformats.org/drawingml/2006/main">
+              <a:rPr lang="en" sz="7200" b="1" dirty="0" err="1" smtClean="0">
                 <a:solidFill>
                   <a:srgbClr val="7030A0"/>
                 </a:solidFill>
@@ -3419,10 +3419,10 @@
                 <a:ea typeface="Verdana" panose="020B0604030504040204" pitchFamily="34" charset="0"/>
                 <a:cs typeface="Segoe UI" panose="020B0502040204020203" pitchFamily="34" charset="0"/>
               </a:rPr>
-              <a:t>Level</a:t>
-            </a:r>
-            <a:r>
-              <a:rPr lang="fr-FR" sz="7200" b="1" dirty="0" smtClean="0">
+              <a:t>Level </a:t>
+            </a:r>
+            <a:r xmlns:a="http://schemas.openxmlformats.org/drawingml/2006/main">
+              <a:rPr lang="en" sz="7200" b="1" dirty="0" smtClean="0">
                 <a:solidFill>
                   <a:srgbClr val="7030A0"/>
                 </a:solidFill>
@@ -3430,9 +3430,9 @@
                 <a:ea typeface="Verdana" panose="020B0604030504040204" pitchFamily="34" charset="0"/>
                 <a:cs typeface="Segoe UI" panose="020B0502040204020203" pitchFamily="34" charset="0"/>
               </a:rPr>
-              <a:t> Security</a:t>
-            </a:r>
-            <a:endParaRPr lang="en-US" sz="7200" b="1" dirty="0">
+              <a:t>Security</a:t>
+            </a:r>
+            <a:endParaRPr xmlns:a="http://schemas.openxmlformats.org/drawingml/2006/main" lang="en-US" sz="7200" b="1" dirty="0">
               <a:solidFill>
                 <a:srgbClr val="7030A0"/>
               </a:solidFill>
@@ -3465,9 +3465,9 @@
           </a:bodyPr>
           <a:lstStyle/>
           <a:p>
-            <a:pPr algn="ctr"/>
-            <a:r>
-              <a:rPr lang="fr-FR" sz="7200" b="1" dirty="0" err="1" smtClean="0">
+            <a:pPr xmlns:a="http://schemas.openxmlformats.org/drawingml/2006/main" algn="ctr"/>
+            <a:r xmlns:a="http://schemas.openxmlformats.org/drawingml/2006/main">
+              <a:rPr lang="en" sz="7200" b="1" dirty="0" err="1" smtClean="0">
                 <a:solidFill>
                   <a:schemeClr val="bg1"/>
                 </a:solidFill>
@@ -3475,10 +3475,10 @@
                 <a:ea typeface="Verdana" panose="020B0604030504040204" pitchFamily="34" charset="0"/>
                 <a:cs typeface="Segoe UI" panose="020B0502040204020203" pitchFamily="34" charset="0"/>
               </a:rPr>
-              <a:t>Configuring</a:t>
-            </a:r>
-            <a:r>
-              <a:rPr lang="fr-FR" sz="7200" b="1" dirty="0" smtClean="0">
+              <a:t>Configuration</a:t>
+            </a:r>
+            <a:r xmlns:a="http://schemas.openxmlformats.org/drawingml/2006/main">
+              <a:rPr lang="en" sz="7200" b="1" dirty="0" smtClean="0">
                 <a:solidFill>
                   <a:schemeClr val="bg1"/>
                 </a:solidFill>
@@ -3488,8 +3488,8 @@
               </a:rPr>
               <a:t> </a:t>
             </a:r>
-            <a:r>
-              <a:rPr lang="fr-FR" sz="7200" b="1" dirty="0" err="1" smtClean="0">
+            <a:r xmlns:a="http://schemas.openxmlformats.org/drawingml/2006/main">
+              <a:rPr lang="en" sz="7200" b="1" dirty="0" err="1" smtClean="0">
                 <a:solidFill>
                   <a:schemeClr val="bg1"/>
                 </a:solidFill>
@@ -3499,8 +3499,8 @@
               </a:rPr>
               <a:t>Row</a:t>
             </a:r>
-            <a:r>
-              <a:rPr lang="fr-FR" sz="7200" b="1" dirty="0" smtClean="0">
+            <a:r xmlns:a="http://schemas.openxmlformats.org/drawingml/2006/main">
+              <a:rPr lang="en" sz="7200" b="1" dirty="0" smtClean="0">
                 <a:solidFill>
                   <a:schemeClr val="bg1"/>
                 </a:solidFill>
@@ -3510,8 +3510,8 @@
               </a:rPr>
               <a:t> </a:t>
             </a:r>
-            <a:r>
-              <a:rPr lang="fr-FR" sz="7200" b="1" dirty="0" err="1" smtClean="0">
+            <a:r xmlns:a="http://schemas.openxmlformats.org/drawingml/2006/main">
+              <a:rPr lang="en" sz="7200" b="1" dirty="0" err="1" smtClean="0">
                 <a:solidFill>
                   <a:schemeClr val="bg1"/>
                 </a:solidFill>
@@ -3519,10 +3519,10 @@
                 <a:ea typeface="Verdana" panose="020B0604030504040204" pitchFamily="34" charset="0"/>
                 <a:cs typeface="Segoe UI" panose="020B0502040204020203" pitchFamily="34" charset="0"/>
               </a:rPr>
-              <a:t>Level</a:t>
-            </a:r>
-            <a:r>
-              <a:rPr lang="fr-FR" sz="7200" b="1" dirty="0" smtClean="0">
+              <a:t>Level </a:t>
+            </a:r>
+            <a:r xmlns:a="http://schemas.openxmlformats.org/drawingml/2006/main">
+              <a:rPr lang="en" sz="7200" b="1" dirty="0" smtClean="0">
                 <a:solidFill>
                   <a:schemeClr val="bg1"/>
                 </a:solidFill>
@@ -3530,9 +3530,9 @@
                 <a:ea typeface="Verdana" panose="020B0604030504040204" pitchFamily="34" charset="0"/>
                 <a:cs typeface="Segoe UI" panose="020B0502040204020203" pitchFamily="34" charset="0"/>
               </a:rPr>
-              <a:t> Security</a:t>
-            </a:r>
-            <a:endParaRPr lang="en-US" sz="7200" b="1" dirty="0">
+              <a:t>Security</a:t>
+            </a:r>
+            <a:endParaRPr xmlns:a="http://schemas.openxmlformats.org/drawingml/2006/main" lang="en-US" sz="7200" b="1" dirty="0">
               <a:solidFill>
                 <a:schemeClr val="bg1"/>
               </a:solidFill>
@@ -3595,14 +3595,14 @@
           </a:bodyPr>
           <a:lstStyle/>
           <a:p>
-            <a:r>
-              <a:rPr lang="en-US" sz="2400" dirty="0" smtClean="0">
+            <a:r xmlns:a="http://schemas.openxmlformats.org/drawingml/2006/main">
+              <a:rPr lang="en" sz="2400" dirty="0" smtClean="0">
                 <a:latin typeface="Segoe UI" panose="020B0502040204020203" pitchFamily="34" charset="0"/>
                 <a:cs typeface="Segoe UI" panose="020B0502040204020203" pitchFamily="34" charset="0"/>
               </a:rPr>
               <a:t>Configuring the Row Level Security</a:t>
             </a:r>
-            <a:endParaRPr lang="en-US" sz="2400" dirty="0">
+            <a:endParaRPr xmlns:a="http://schemas.openxmlformats.org/drawingml/2006/main" lang="en-US" sz="2400" dirty="0">
               <a:latin typeface="Segoe UI" panose="020B0502040204020203" pitchFamily="34" charset="0"/>
               <a:cs typeface="Segoe UI" panose="020B0502040204020203" pitchFamily="34" charset="0"/>
             </a:endParaRPr>
@@ -3630,7 +3630,7 @@
           </a:bodyPr>
           <a:lstStyle/>
           <a:p>
-            <a:pPr lvl="0">
+            <a:pPr xmlns:a="http://schemas.openxmlformats.org/drawingml/2006/main" lvl="0">
               <a:lnSpc>
                 <a:spcPct val="107000"/>
               </a:lnSpc>
@@ -3638,111 +3638,111 @@
                 <a:spcPts val="800"/>
               </a:spcAft>
             </a:pPr>
-            <a:r>
-              <a:rPr lang="fr-FR" dirty="0">
+            <a:r xmlns:a="http://schemas.openxmlformats.org/drawingml/2006/main">
+              <a:rPr lang="en" dirty="0">
                 <a:latin typeface="Segoe UI" panose="020B0502040204020203" pitchFamily="34" charset="0"/>
                 <a:ea typeface="Calibri" panose="020F0502020204030204" pitchFamily="34" charset="0"/>
                 <a:cs typeface="Times New Roman" panose="02020603050405020304" pitchFamily="18" charset="0"/>
               </a:rPr>
               <a:t>Restart report publication </a:t>
             </a:r>
-            <a:r>
-              <a:rPr lang="fr-FR" dirty="0" err="1">
+            <a:r xmlns:a="http://schemas.openxmlformats.org/drawingml/2006/main">
+              <a:rPr lang="en" dirty="0" err="1">
                 <a:latin typeface="Segoe UI" panose="020B0502040204020203" pitchFamily="34" charset="0"/>
                 <a:ea typeface="Calibri" panose="020F0502020204030204" pitchFamily="34" charset="0"/>
                 <a:cs typeface="Times New Roman" panose="02020603050405020304" pitchFamily="18" charset="0"/>
               </a:rPr>
               <a:t>with</a:t>
             </a:r>
-            <a:r>
-              <a:rPr lang="fr-FR" dirty="0">
+            <a:r xmlns:a="http://schemas.openxmlformats.org/drawingml/2006/main">
+              <a:rPr lang="en" dirty="0">
                 <a:latin typeface="Segoe UI" panose="020B0502040204020203" pitchFamily="34" charset="0"/>
                 <a:ea typeface="Calibri" panose="020F0502020204030204" pitchFamily="34" charset="0"/>
                 <a:cs typeface="Times New Roman" panose="02020603050405020304" pitchFamily="18" charset="0"/>
               </a:rPr>
               <a:t> </a:t>
             </a:r>
-            <a:r>
-              <a:rPr lang="fr-FR" b="1" dirty="0" err="1">
+            <a:r xmlns:a="http://schemas.openxmlformats.org/drawingml/2006/main">
+              <a:rPr lang="en" b="1" dirty="0" err="1">
                 <a:latin typeface="Segoe UI" panose="020B0502040204020203" pitchFamily="34" charset="0"/>
                 <a:ea typeface="Calibri" panose="020F0502020204030204" pitchFamily="34" charset="0"/>
                 <a:cs typeface="Times New Roman" panose="02020603050405020304" pitchFamily="18" charset="0"/>
               </a:rPr>
               <a:t>Swiss</a:t>
             </a:r>
-            <a:r>
-              <a:rPr lang="fr-FR" b="1" dirty="0">
+            <a:r xmlns:a="http://schemas.openxmlformats.org/drawingml/2006/main">
+              <a:rPr lang="en" b="1" dirty="0">
                 <a:latin typeface="Segoe UI" panose="020B0502040204020203" pitchFamily="34" charset="0"/>
                 <a:ea typeface="Calibri" panose="020F0502020204030204" pitchFamily="34" charset="0"/>
                 <a:cs typeface="Times New Roman" panose="02020603050405020304" pitchFamily="18" charset="0"/>
               </a:rPr>
               <a:t> </a:t>
             </a:r>
-            <a:r>
-              <a:rPr lang="fr-FR" b="1" dirty="0" err="1">
+            <a:r xmlns:a="http://schemas.openxmlformats.org/drawingml/2006/main">
+              <a:rPr lang="en" b="1" dirty="0" err="1">
                 <a:latin typeface="Segoe UI" panose="020B0502040204020203" pitchFamily="34" charset="0"/>
                 <a:ea typeface="Calibri" panose="020F0502020204030204" pitchFamily="34" charset="0"/>
                 <a:cs typeface="Times New Roman" panose="02020603050405020304" pitchFamily="18" charset="0"/>
               </a:rPr>
               <a:t>role</a:t>
             </a:r>
-            <a:r>
-              <a:rPr lang="fr-FR" b="1" dirty="0">
+            <a:r xmlns:a="http://schemas.openxmlformats.org/drawingml/2006/main">
+              <a:rPr lang="en" b="1" dirty="0">
                 <a:latin typeface="Segoe UI" panose="020B0502040204020203" pitchFamily="34" charset="0"/>
                 <a:ea typeface="Calibri" panose="020F0502020204030204" pitchFamily="34" charset="0"/>
                 <a:cs typeface="Times New Roman" panose="02020603050405020304" pitchFamily="18" charset="0"/>
               </a:rPr>
               <a:t> </a:t>
             </a:r>
-            <a:r>
-              <a:rPr lang="fr-FR" dirty="0" err="1">
+            <a:r xmlns:a="http://schemas.openxmlformats.org/drawingml/2006/main">
+              <a:rPr lang="en" dirty="0" err="1">
                 <a:latin typeface="Segoe UI" panose="020B0502040204020203" pitchFamily="34" charset="0"/>
                 <a:ea typeface="Calibri" panose="020F0502020204030204" pitchFamily="34" charset="0"/>
                 <a:cs typeface="Times New Roman" panose="02020603050405020304" pitchFamily="18" charset="0"/>
               </a:rPr>
-              <a:t>configured</a:t>
-            </a:r>
-            <a:r>
-              <a:rPr lang="fr-FR" dirty="0">
+              <a:t>configured </a:t>
+            </a:r>
+            <a:r xmlns:a="http://schemas.openxmlformats.org/drawingml/2006/main">
+              <a:rPr lang="en" dirty="0">
                 <a:latin typeface="Segoe UI" panose="020B0502040204020203" pitchFamily="34" charset="0"/>
                 <a:ea typeface="Calibri" panose="020F0502020204030204" pitchFamily="34" charset="0"/>
                 <a:cs typeface="Times New Roman" panose="02020603050405020304" pitchFamily="18" charset="0"/>
               </a:rPr>
               <a:t>, replace </a:t>
             </a:r>
-            <a:r>
-              <a:rPr lang="fr-FR" b="1" dirty="0" err="1">
+            <a:r xmlns:a="http://schemas.openxmlformats.org/drawingml/2006/main">
+              <a:rPr lang="en" b="1" dirty="0" err="1">
                 <a:latin typeface="Segoe UI" panose="020B0502040204020203" pitchFamily="34" charset="0"/>
                 <a:ea typeface="Calibri" panose="020F0502020204030204" pitchFamily="34" charset="0"/>
                 <a:cs typeface="Times New Roman" panose="02020603050405020304" pitchFamily="18" charset="0"/>
               </a:rPr>
               <a:t>DataSet</a:t>
             </a:r>
-            <a:r>
-              <a:rPr lang="fr-FR" b="1" dirty="0">
+            <a:r xmlns:a="http://schemas.openxmlformats.org/drawingml/2006/main">
+              <a:rPr lang="en" b="1" dirty="0">
                 <a:latin typeface="Segoe UI" panose="020B0502040204020203" pitchFamily="34" charset="0"/>
                 <a:ea typeface="Calibri" panose="020F0502020204030204" pitchFamily="34" charset="0"/>
                 <a:cs typeface="Times New Roman" panose="02020603050405020304" pitchFamily="18" charset="0"/>
               </a:rPr>
               <a:t> </a:t>
             </a:r>
-            <a:r>
-              <a:rPr lang="fr-FR" dirty="0" err="1">
+            <a:r xmlns:a="http://schemas.openxmlformats.org/drawingml/2006/main">
+              <a:rPr lang="en" dirty="0" err="1">
                 <a:latin typeface="Segoe UI" panose="020B0502040204020203" pitchFamily="34" charset="0"/>
                 <a:ea typeface="Calibri" panose="020F0502020204030204" pitchFamily="34" charset="0"/>
                 <a:cs typeface="Times New Roman" panose="02020603050405020304" pitchFamily="18" charset="0"/>
               </a:rPr>
-              <a:t>during</a:t>
-            </a:r>
-            <a:r>
-              <a:rPr lang="fr-FR" dirty="0">
+              <a:t>during </a:t>
+            </a:r>
+            <a:r xmlns:a="http://schemas.openxmlformats.org/drawingml/2006/main">
+              <a:rPr lang="en" dirty="0">
                 <a:latin typeface="Segoe UI" panose="020B0502040204020203" pitchFamily="34" charset="0"/>
                 <a:ea typeface="Calibri" panose="020F0502020204030204" pitchFamily="34" charset="0"/>
                 <a:cs typeface="Times New Roman" panose="02020603050405020304" pitchFamily="18" charset="0"/>
               </a:rPr>
-              <a:t> publication</a:t>
-            </a:r>
-            <a:endParaRPr lang="en-US" dirty="0">
+              <a:t>publication</a:t>
+            </a:r>
+            <a:endParaRPr xmlns:a="http://schemas.openxmlformats.org/drawingml/2006/main" lang="en-US" dirty="0">
               <a:latin typeface="Calibri" panose="020F0502020204030204" pitchFamily="34" charset="0"/>
               <a:ea typeface="Calibri" panose="020F0502020204030204" pitchFamily="34" charset="0"/>
               <a:cs typeface="Times New Roman" panose="02020603050405020304" pitchFamily="18" charset="0"/>
@@ -3844,14 +3844,14 @@
           </a:bodyPr>
           <a:lstStyle/>
           <a:p>
-            <a:r>
-              <a:rPr lang="en-US" sz="2400" dirty="0" smtClean="0">
+            <a:r xmlns:a="http://schemas.openxmlformats.org/drawingml/2006/main">
+              <a:rPr lang="en" sz="2400" dirty="0" smtClean="0">
                 <a:latin typeface="Segoe UI" panose="020B0502040204020203" pitchFamily="34" charset="0"/>
                 <a:cs typeface="Segoe UI" panose="020B0502040204020203" pitchFamily="34" charset="0"/>
               </a:rPr>
               <a:t>Configuring the Row Level Security</a:t>
             </a:r>
-            <a:endParaRPr lang="en-US" sz="2400" dirty="0">
+            <a:endParaRPr xmlns:a="http://schemas.openxmlformats.org/drawingml/2006/main" lang="en-US" sz="2400" dirty="0">
               <a:latin typeface="Segoe UI" panose="020B0502040204020203" pitchFamily="34" charset="0"/>
               <a:cs typeface="Segoe UI" panose="020B0502040204020203" pitchFamily="34" charset="0"/>
             </a:endParaRPr>
@@ -3879,7 +3879,7 @@
           </a:bodyPr>
           <a:lstStyle/>
           <a:p>
-            <a:pPr>
+            <a:pPr xmlns:a="http://schemas.openxmlformats.org/drawingml/2006/main">
               <a:lnSpc>
                 <a:spcPct val="107000"/>
               </a:lnSpc>
@@ -3887,79 +3887,79 @@
                 <a:spcPts val="800"/>
               </a:spcAft>
             </a:pPr>
-            <a:r>
-              <a:rPr lang="en-US" dirty="0">
+            <a:r xmlns:a="http://schemas.openxmlformats.org/drawingml/2006/main">
+              <a:rPr lang="en" dirty="0">
                 <a:latin typeface="Segoe UI" panose="020B0502040204020203" pitchFamily="34" charset="0"/>
                 <a:ea typeface="Calibri" panose="020F0502020204030204" pitchFamily="34" charset="0"/>
                 <a:cs typeface="Times New Roman" panose="02020603050405020304" pitchFamily="18" charset="0"/>
               </a:rPr>
               <a:t>Click the three dots next to the </a:t>
             </a:r>
-            <a:r>
-              <a:rPr lang="en-US" dirty="0" err="1">
+            <a:r xmlns:a="http://schemas.openxmlformats.org/drawingml/2006/main">
+              <a:rPr lang="en" dirty="0" err="1">
                 <a:latin typeface="Segoe UI" panose="020B0502040204020203" pitchFamily="34" charset="0"/>
                 <a:ea typeface="Calibri" panose="020F0502020204030204" pitchFamily="34" charset="0"/>
                 <a:cs typeface="Times New Roman" panose="02020603050405020304" pitchFamily="18" charset="0"/>
               </a:rPr>
-              <a:t>DataSet</a:t>
-            </a:r>
-            <a:r>
-              <a:rPr lang="en-US" dirty="0">
+              <a:t>DataSet </a:t>
+            </a:r>
+            <a:r xmlns:a="http://schemas.openxmlformats.org/drawingml/2006/main">
+              <a:rPr lang="en" dirty="0">
                 <a:latin typeface="Segoe UI" panose="020B0502040204020203" pitchFamily="34" charset="0"/>
                 <a:ea typeface="Calibri" panose="020F0502020204030204" pitchFamily="34" charset="0"/>
                 <a:cs typeface="Times New Roman" panose="02020603050405020304" pitchFamily="18" charset="0"/>
               </a:rPr>
-              <a:t> item in the workspace under </a:t>
-            </a:r>
-            <a:r>
-              <a:rPr lang="en-US" b="1" dirty="0">
+              <a:t>item in the workspace under </a:t>
+            </a:r>
+            <a:r xmlns:a="http://schemas.openxmlformats.org/drawingml/2006/main">
+              <a:rPr lang="en" b="1" dirty="0">
                 <a:latin typeface="Segoe UI" panose="020B0502040204020203" pitchFamily="34" charset="0"/>
                 <a:ea typeface="Calibri" panose="020F0502020204030204" pitchFamily="34" charset="0"/>
                 <a:cs typeface="Times New Roman" panose="02020603050405020304" pitchFamily="18" charset="0"/>
               </a:rPr>
               <a:t>Power BI </a:t>
             </a:r>
-            <a:r>
-              <a:rPr lang="en-US" b="1" dirty="0" smtClean="0">
+            <a:r xmlns:a="http://schemas.openxmlformats.org/drawingml/2006/main">
+              <a:rPr lang="en" b="1" dirty="0" smtClean="0">
                 <a:latin typeface="Segoe UI" panose="020B0502040204020203" pitchFamily="34" charset="0"/>
                 <a:ea typeface="Calibri" panose="020F0502020204030204" pitchFamily="34" charset="0"/>
                 <a:cs typeface="Times New Roman" panose="02020603050405020304" pitchFamily="18" charset="0"/>
               </a:rPr>
               <a:t>Services </a:t>
             </a:r>
-            <a:r>
-              <a:rPr lang="fr-FR" dirty="0" smtClean="0">
+            <a:r xmlns:a="http://schemas.openxmlformats.org/drawingml/2006/main">
+              <a:rPr lang="en" dirty="0" smtClean="0">
                 <a:latin typeface="Segoe UI" panose="020B0502040204020203" pitchFamily="34" charset="0"/>
                 <a:ea typeface="Calibri" panose="020F0502020204030204" pitchFamily="34" charset="0"/>
                 <a:cs typeface="Times New Roman" panose="02020603050405020304" pitchFamily="18" charset="0"/>
               </a:rPr>
               <a:t>and </a:t>
             </a:r>
-            <a:r>
-              <a:rPr lang="fr-FR" dirty="0">
+            <a:r xmlns:a="http://schemas.openxmlformats.org/drawingml/2006/main">
+              <a:rPr lang="en" dirty="0">
                 <a:latin typeface="Segoe UI" panose="020B0502040204020203" pitchFamily="34" charset="0"/>
                 <a:ea typeface="Calibri" panose="020F0502020204030204" pitchFamily="34" charset="0"/>
                 <a:cs typeface="Times New Roman" panose="02020603050405020304" pitchFamily="18" charset="0"/>
               </a:rPr>
               <a:t>select </a:t>
             </a:r>
-            <a:r>
-              <a:rPr lang="fr-FR" b="1" dirty="0">
+            <a:r xmlns:a="http://schemas.openxmlformats.org/drawingml/2006/main">
+              <a:rPr lang="en" b="1" dirty="0">
                 <a:latin typeface="Segoe UI" panose="020B0502040204020203" pitchFamily="34" charset="0"/>
                 <a:ea typeface="Calibri" panose="020F0502020204030204" pitchFamily="34" charset="0"/>
                 <a:cs typeface="Times New Roman" panose="02020603050405020304" pitchFamily="18" charset="0"/>
               </a:rPr>
               <a:t>Security</a:t>
             </a:r>
-            <a:r>
-              <a:rPr lang="fr-FR" dirty="0">
+            <a:r xmlns:a="http://schemas.openxmlformats.org/drawingml/2006/main">
+              <a:rPr lang="en" dirty="0">
                 <a:latin typeface="Segoe UI" panose="020B0502040204020203" pitchFamily="34" charset="0"/>
                 <a:ea typeface="Calibri" panose="020F0502020204030204" pitchFamily="34" charset="0"/>
                 <a:cs typeface="Times New Roman" panose="02020603050405020304" pitchFamily="18" charset="0"/>
               </a:rPr>
               <a:t> </a:t>
             </a:r>
-            <a:endParaRPr lang="en-US" dirty="0">
+            <a:endParaRPr xmlns:a="http://schemas.openxmlformats.org/drawingml/2006/main" lang="en-US" dirty="0">
               <a:latin typeface="Calibri" panose="020F0502020204030204" pitchFamily="34" charset="0"/>
               <a:ea typeface="Calibri" panose="020F0502020204030204" pitchFamily="34" charset="0"/>
               <a:cs typeface="Times New Roman" panose="02020603050405020304" pitchFamily="18" charset="0"/>
@@ -4116,14 +4116,14 @@
           </a:bodyPr>
           <a:lstStyle/>
           <a:p>
-            <a:r>
-              <a:rPr lang="en-US" sz="2400" dirty="0" smtClean="0">
+            <a:r xmlns:a="http://schemas.openxmlformats.org/drawingml/2006/main">
+              <a:rPr lang="en" sz="2400" dirty="0" smtClean="0">
                 <a:latin typeface="Segoe UI" panose="020B0502040204020203" pitchFamily="34" charset="0"/>
                 <a:cs typeface="Segoe UI" panose="020B0502040204020203" pitchFamily="34" charset="0"/>
               </a:rPr>
               <a:t>Configuring the Row Level Security</a:t>
             </a:r>
-            <a:endParaRPr lang="en-US" sz="2400" dirty="0">
+            <a:endParaRPr xmlns:a="http://schemas.openxmlformats.org/drawingml/2006/main" lang="en-US" sz="2400" dirty="0">
               <a:latin typeface="Segoe UI" panose="020B0502040204020203" pitchFamily="34" charset="0"/>
               <a:cs typeface="Segoe UI" panose="020B0502040204020203" pitchFamily="34" charset="0"/>
             </a:endParaRPr>
@@ -4151,7 +4151,7 @@
           </a:bodyPr>
           <a:lstStyle/>
           <a:p>
-            <a:pPr lvl="0">
+            <a:pPr xmlns:a="http://schemas.openxmlformats.org/drawingml/2006/main" lvl="0">
               <a:lnSpc>
                 <a:spcPct val="107000"/>
               </a:lnSpc>
@@ -4159,15 +4159,15 @@
                 <a:spcPts val="800"/>
               </a:spcAft>
             </a:pPr>
-            <a:r>
-              <a:rPr lang="en-US" dirty="0">
+            <a:r xmlns:a="http://schemas.openxmlformats.org/drawingml/2006/main">
+              <a:rPr lang="en" dirty="0">
                 <a:latin typeface="Segoe UI" panose="020B0502040204020203" pitchFamily="34" charset="0"/>
                 <a:ea typeface="Calibri" panose="020F0502020204030204" pitchFamily="34" charset="0"/>
                 <a:cs typeface="Times New Roman" panose="02020603050405020304" pitchFamily="18" charset="0"/>
               </a:rPr>
               <a:t>Note that in case no RLS configuration is made the interface is</a:t>
             </a:r>
-            <a:endParaRPr lang="en-US" dirty="0">
+            <a:endParaRPr xmlns:a="http://schemas.openxmlformats.org/drawingml/2006/main" lang="en-US" dirty="0">
               <a:latin typeface="Calibri" panose="020F0502020204030204" pitchFamily="34" charset="0"/>
               <a:ea typeface="Calibri" panose="020F0502020204030204" pitchFamily="34" charset="0"/>
               <a:cs typeface="Times New Roman" panose="02020603050405020304" pitchFamily="18" charset="0"/>
@@ -4235,7 +4235,7 @@
           </a:bodyPr>
           <a:lstStyle/>
           <a:p>
-            <a:pPr>
+            <a:pPr xmlns:a="http://schemas.openxmlformats.org/drawingml/2006/main">
               <a:lnSpc>
                 <a:spcPct val="107000"/>
               </a:lnSpc>
@@ -4243,45 +4243,45 @@
                 <a:spcPts val="800"/>
               </a:spcAft>
             </a:pPr>
-            <a:r>
-              <a:rPr lang="en-US" dirty="0">
+            <a:r xmlns:a="http://schemas.openxmlformats.org/drawingml/2006/main">
+              <a:rPr lang="en" dirty="0">
                 <a:latin typeface="Segoe UI" panose="020B0502040204020203" pitchFamily="34" charset="0"/>
                 <a:ea typeface="Calibri" panose="020F0502020204030204" pitchFamily="34" charset="0"/>
                 <a:cs typeface="Segoe UI" panose="020B0502040204020203" pitchFamily="34" charset="0"/>
               </a:rPr>
               <a:t>Note that after RLS configuration the interface </a:t>
             </a:r>
-            <a:r>
-              <a:rPr lang="en-US" dirty="0" smtClean="0">
+            <a:r xmlns:a="http://schemas.openxmlformats.org/drawingml/2006/main">
+              <a:rPr lang="en" dirty="0" smtClean="0">
                 <a:latin typeface="Segoe UI" panose="020B0502040204020203" pitchFamily="34" charset="0"/>
                 <a:ea typeface="Calibri" panose="020F0502020204030204" pitchFamily="34" charset="0"/>
                 <a:cs typeface="Segoe UI" panose="020B0502040204020203" pitchFamily="34" charset="0"/>
               </a:rPr>
               <a:t>changes, </a:t>
             </a:r>
-            <a:r>
-              <a:rPr lang="en-US" dirty="0" smtClean="0">
+            <a:r xmlns:a="http://schemas.openxmlformats.org/drawingml/2006/main">
+              <a:rPr lang="en" dirty="0" smtClean="0">
                 <a:latin typeface="Segoe UI" panose="020B0502040204020203" pitchFamily="34" charset="0"/>
                 <a:cs typeface="Segoe UI" panose="020B0502040204020203" pitchFamily="34" charset="0"/>
               </a:rPr>
               <a:t>map </a:t>
             </a:r>
-            <a:r>
-              <a:rPr lang="en-US" dirty="0">
+            <a:r xmlns:a="http://schemas.openxmlformats.org/drawingml/2006/main">
+              <a:rPr lang="en" dirty="0">
                 <a:latin typeface="Segoe UI" panose="020B0502040204020203" pitchFamily="34" charset="0"/>
                 <a:cs typeface="Segoe UI" panose="020B0502040204020203" pitchFamily="34" charset="0"/>
               </a:rPr>
               <a:t>the </a:t>
             </a:r>
-            <a:r>
-              <a:rPr lang="en-US" b="1" dirty="0">
+            <a:r xmlns:a="http://schemas.openxmlformats.org/drawingml/2006/main">
+              <a:rPr lang="en" b="1" dirty="0">
                 <a:latin typeface="Segoe UI" panose="020B0502040204020203" pitchFamily="34" charset="0"/>
                 <a:cs typeface="Segoe UI" panose="020B0502040204020203" pitchFamily="34" charset="0"/>
               </a:rPr>
               <a:t>Swiss role </a:t>
             </a:r>
-            <a:r>
-              <a:rPr lang="en-US" dirty="0">
+            <a:r xmlns:a="http://schemas.openxmlformats.org/drawingml/2006/main">
+              <a:rPr lang="en" dirty="0">
                 <a:latin typeface="Segoe UI" panose="020B0502040204020203" pitchFamily="34" charset="0"/>
                 <a:cs typeface="Segoe UI" panose="020B0502040204020203" pitchFamily="34" charset="0"/>
               </a:rPr>
@@ -4381,14 +4381,14 @@
           </a:bodyPr>
           <a:lstStyle/>
           <a:p>
-            <a:r>
-              <a:rPr lang="en-US" sz="2400" dirty="0" smtClean="0">
+            <a:r xmlns:a="http://schemas.openxmlformats.org/drawingml/2006/main">
+              <a:rPr lang="en" sz="2400" dirty="0" smtClean="0">
                 <a:latin typeface="Segoe UI" panose="020B0502040204020203" pitchFamily="34" charset="0"/>
                 <a:cs typeface="Segoe UI" panose="020B0502040204020203" pitchFamily="34" charset="0"/>
               </a:rPr>
               <a:t>Configuring the Row Level Security</a:t>
             </a:r>
-            <a:endParaRPr lang="en-US" sz="2400" dirty="0">
+            <a:endParaRPr xmlns:a="http://schemas.openxmlformats.org/drawingml/2006/main" lang="en-US" sz="2400" dirty="0">
               <a:latin typeface="Segoe UI" panose="020B0502040204020203" pitchFamily="34" charset="0"/>
               <a:cs typeface="Segoe UI" panose="020B0502040204020203" pitchFamily="34" charset="0"/>
             </a:endParaRPr>
@@ -4416,7 +4416,7 @@
           </a:bodyPr>
           <a:lstStyle/>
           <a:p>
-            <a:pPr>
+            <a:pPr xmlns:a="http://schemas.openxmlformats.org/drawingml/2006/main">
               <a:lnSpc>
                 <a:spcPct val="107000"/>
               </a:lnSpc>
@@ -4424,50 +4424,50 @@
                 <a:spcPts val="800"/>
               </a:spcAft>
             </a:pPr>
-            <a:r>
-              <a:rPr lang="en-US" dirty="0">
+            <a:r xmlns:a="http://schemas.openxmlformats.org/drawingml/2006/main">
+              <a:rPr lang="en" dirty="0">
                 <a:latin typeface="Segoe UI" panose="020B0502040204020203" pitchFamily="34" charset="0"/>
                 <a:ea typeface="Calibri" panose="020F0502020204030204" pitchFamily="34" charset="0"/>
                 <a:cs typeface="Segoe UI" panose="020B0502040204020203" pitchFamily="34" charset="0"/>
               </a:rPr>
               <a:t>Share the report with </a:t>
             </a:r>
-            <a:r>
-              <a:rPr lang="en-US" dirty="0" smtClean="0">
+            <a:r xmlns:a="http://schemas.openxmlformats.org/drawingml/2006/main">
+              <a:rPr lang="en" dirty="0" smtClean="0">
                 <a:latin typeface="Segoe UI" panose="020B0502040204020203" pitchFamily="34" charset="0"/>
                 <a:ea typeface="Calibri" panose="020F0502020204030204" pitchFamily="34" charset="0"/>
                 <a:cs typeface="Segoe UI" panose="020B0502040204020203" pitchFamily="34" charset="0"/>
               </a:rPr>
               <a:t>that user then </a:t>
             </a:r>
-            <a:r>
-              <a:rPr lang="en-US" dirty="0">
+            <a:r xmlns:a="http://schemas.openxmlformats.org/drawingml/2006/main">
+              <a:rPr lang="en" dirty="0">
                 <a:latin typeface="Segoe UI" panose="020B0502040204020203" pitchFamily="34" charset="0"/>
                 <a:cs typeface="Segoe UI" panose="020B0502040204020203" pitchFamily="34" charset="0"/>
               </a:rPr>
-              <a:t>l</a:t>
-            </a:r>
-            <a:r>
-              <a:rPr lang="en-US" dirty="0" smtClean="0">
+              <a:t>log </a:t>
+            </a:r>
+            <a:r xmlns:a="http://schemas.openxmlformats.org/drawingml/2006/main">
+              <a:rPr lang="en" dirty="0" smtClean="0">
                 <a:latin typeface="Segoe UI" panose="020B0502040204020203" pitchFamily="34" charset="0"/>
                 <a:cs typeface="Segoe UI" panose="020B0502040204020203" pitchFamily="34" charset="0"/>
               </a:rPr>
-              <a:t>og </a:t>
-            </a:r>
-            <a:r>
-              <a:rPr lang="en-US" dirty="0">
+              <a:t>in </a:t>
+            </a:r>
+            <a:r xmlns:a="http://schemas.openxmlformats.org/drawingml/2006/main">
+              <a:rPr lang="en" dirty="0">
                 <a:latin typeface="Segoe UI" panose="020B0502040204020203" pitchFamily="34" charset="0"/>
                 <a:cs typeface="Segoe UI" panose="020B0502040204020203" pitchFamily="34" charset="0"/>
               </a:rPr>
-              <a:t>in with the user in question in a browser in private mode to test </a:t>
-            </a:r>
-            <a:endParaRPr lang="en-US" dirty="0" smtClean="0">
+              <a:t>with the user in question in a browser in private mode to test</a:t>
+            </a:r>
+            <a:endParaRPr xmlns:a="http://schemas.openxmlformats.org/drawingml/2006/main" lang="en-US" dirty="0" smtClean="0">
               <a:latin typeface="Segoe UI" panose="020B0502040204020203" pitchFamily="34" charset="0"/>
               <a:cs typeface="Segoe UI" panose="020B0502040204020203" pitchFamily="34" charset="0"/>
             </a:endParaRPr>
           </a:p>
           <a:p>
-            <a:pPr>
+            <a:pPr xmlns:a="http://schemas.openxmlformats.org/drawingml/2006/main">
               <a:lnSpc>
                 <a:spcPct val="107000"/>
               </a:lnSpc>
@@ -4475,15 +4475,15 @@
                 <a:spcPts val="800"/>
               </a:spcAft>
             </a:pPr>
-            <a:r>
-              <a:rPr lang="en-US" dirty="0" smtClean="0">
+            <a:r xmlns:a="http://schemas.openxmlformats.org/drawingml/2006/main">
+              <a:rPr lang="en" dirty="0" smtClean="0">
                 <a:latin typeface="Segoe UI" panose="020B0502040204020203" pitchFamily="34" charset="0"/>
                 <a:cs typeface="Segoe UI" panose="020B0502040204020203" pitchFamily="34" charset="0"/>
               </a:rPr>
               <a:t>the </a:t>
             </a:r>
-            <a:r>
-              <a:rPr lang="en-US" dirty="0">
+            <a:r xmlns:a="http://schemas.openxmlformats.org/drawingml/2006/main">
+              <a:rPr lang="en" dirty="0">
                 <a:latin typeface="Segoe UI" panose="020B0502040204020203" pitchFamily="34" charset="0"/>
                 <a:cs typeface="Segoe UI" panose="020B0502040204020203" pitchFamily="34" charset="0"/>
               </a:rPr>
@@ -4645,8 +4645,8 @@
           </a:bodyPr>
           <a:lstStyle/>
           <a:p>
-            <a:r>
-              <a:rPr lang="en-US" sz="9600" b="1" dirty="0" smtClean="0">
+            <a:r xmlns:a="http://schemas.openxmlformats.org/drawingml/2006/main">
+              <a:rPr lang="en" sz="9600" b="1" dirty="0" smtClean="0">
                 <a:solidFill>
                   <a:srgbClr val="7030A0"/>
                 </a:solidFill>
@@ -4656,7 +4656,7 @@
               </a:rPr>
               <a:t>Thank you</a:t>
             </a:r>
-            <a:endParaRPr lang="en-US" sz="9600" b="1" dirty="0">
+            <a:endParaRPr xmlns:a="http://schemas.openxmlformats.org/drawingml/2006/main" lang="en-US" sz="9600" b="1" dirty="0">
               <a:solidFill>
                 <a:srgbClr val="7030A0"/>
               </a:solidFill>
@@ -4689,8 +4689,8 @@
           </a:bodyPr>
           <a:lstStyle/>
           <a:p>
-            <a:r>
-              <a:rPr lang="en-US" sz="9600" b="1" dirty="0" smtClean="0">
+            <a:r xmlns:a="http://schemas.openxmlformats.org/drawingml/2006/main">
+              <a:rPr lang="en" sz="9600" b="1" dirty="0" smtClean="0">
                 <a:solidFill>
                   <a:schemeClr val="bg1"/>
                 </a:solidFill>
@@ -4700,7 +4700,7 @@
               </a:rPr>
               <a:t>Thank you</a:t>
             </a:r>
-            <a:endParaRPr lang="en-US" sz="9600" b="1" dirty="0">
+            <a:endParaRPr xmlns:a="http://schemas.openxmlformats.org/drawingml/2006/main" lang="en-US" sz="9600" b="1" dirty="0">
               <a:solidFill>
                 <a:schemeClr val="bg1"/>
               </a:solidFill>
@@ -4763,14 +4763,14 @@
           </a:bodyPr>
           <a:lstStyle/>
           <a:p>
-            <a:r>
-              <a:rPr lang="en-US" sz="2400" dirty="0" smtClean="0">
+            <a:r xmlns:a="http://schemas.openxmlformats.org/drawingml/2006/main">
+              <a:rPr lang="en" sz="2400" dirty="0" smtClean="0">
                 <a:latin typeface="Segoe UI" panose="020B0502040204020203" pitchFamily="34" charset="0"/>
                 <a:cs typeface="Segoe UI" panose="020B0502040204020203" pitchFamily="34" charset="0"/>
               </a:rPr>
               <a:t>Configuring the Row Level Security</a:t>
             </a:r>
-            <a:endParaRPr lang="en-US" sz="2400" dirty="0">
+            <a:endParaRPr xmlns:a="http://schemas.openxmlformats.org/drawingml/2006/main" lang="en-US" sz="2400" dirty="0">
               <a:latin typeface="Segoe UI" panose="020B0502040204020203" pitchFamily="34" charset="0"/>
               <a:cs typeface="Segoe UI" panose="020B0502040204020203" pitchFamily="34" charset="0"/>
             </a:endParaRPr>
@@ -4798,7 +4798,7 @@
           </a:bodyPr>
           <a:lstStyle/>
           <a:p>
-            <a:pPr>
+            <a:pPr xmlns:a="http://schemas.openxmlformats.org/drawingml/2006/main">
               <a:lnSpc>
                 <a:spcPct val="107000"/>
               </a:lnSpc>
@@ -4809,79 +4809,79 @@
                 <a:spcPts val="0"/>
               </a:spcAft>
             </a:pPr>
-            <a:r>
-              <a:rPr lang="en-US" b="1" kern="0" dirty="0" smtClean="0">
+            <a:r xmlns:a="http://schemas.openxmlformats.org/drawingml/2006/main">
+              <a:rPr lang="en" b="1" kern="0" dirty="0" smtClean="0">
                 <a:latin typeface="Segoe UI" panose="020B0502040204020203" pitchFamily="34" charset="0"/>
                 <a:ea typeface="Times New Roman" panose="02020603050405020304" pitchFamily="18" charset="0"/>
                 <a:cs typeface="Segoe UI" panose="020B0502040204020203" pitchFamily="34" charset="0"/>
               </a:rPr>
               <a:t>Note: </a:t>
             </a:r>
-            <a:r>
-              <a:rPr lang="en-US" kern="0" dirty="0" smtClean="0">
+            <a:r xmlns:a="http://schemas.openxmlformats.org/drawingml/2006/main">
+              <a:rPr lang="en" kern="0" dirty="0" smtClean="0">
                 <a:latin typeface="Segoe UI" panose="020B0502040204020203" pitchFamily="34" charset="0"/>
                 <a:ea typeface="Times New Roman" panose="02020603050405020304" pitchFamily="18" charset="0"/>
                 <a:cs typeface="Segoe UI" panose="020B0502040204020203" pitchFamily="34" charset="0"/>
               </a:rPr>
               <a:t>This lab requires a </a:t>
             </a:r>
-            <a:r>
-              <a:rPr lang="en-US" b="1" kern="0" dirty="0" smtClean="0">
+            <a:r xmlns:a="http://schemas.openxmlformats.org/drawingml/2006/main">
+              <a:rPr lang="en" b="1" kern="0" dirty="0" smtClean="0">
                 <a:latin typeface="Segoe UI" panose="020B0502040204020203" pitchFamily="34" charset="0"/>
                 <a:ea typeface="Times New Roman" panose="02020603050405020304" pitchFamily="18" charset="0"/>
                 <a:cs typeface="Segoe UI" panose="020B0502040204020203" pitchFamily="34" charset="0"/>
               </a:rPr>
               <a:t>Power BI Services account </a:t>
             </a:r>
-            <a:r>
-              <a:rPr lang="en-US" u="sng" kern="0" dirty="0" smtClean="0">
+            <a:r xmlns:a="http://schemas.openxmlformats.org/drawingml/2006/main">
+              <a:rPr lang="en" u="sng" kern="0" dirty="0" smtClean="0">
                 <a:latin typeface="Segoe UI" panose="020B0502040204020203" pitchFamily="34" charset="0"/>
                 <a:ea typeface="Times New Roman" panose="02020603050405020304" pitchFamily="18" charset="0"/>
                 <a:cs typeface="Segoe UI" panose="020B0502040204020203" pitchFamily="34" charset="0"/>
               </a:rPr>
               <a:t>with administrator privileges </a:t>
             </a:r>
-            <a:r>
-              <a:rPr lang="en-US" kern="0" dirty="0" smtClean="0">
+            <a:r xmlns:a="http://schemas.openxmlformats.org/drawingml/2006/main">
+              <a:rPr lang="en" kern="0" dirty="0" smtClean="0">
                 <a:latin typeface="Segoe UI" panose="020B0502040204020203" pitchFamily="34" charset="0"/>
                 <a:ea typeface="Times New Roman" panose="02020603050405020304" pitchFamily="18" charset="0"/>
                 <a:cs typeface="Segoe UI" panose="020B0502040204020203" pitchFamily="34" charset="0"/>
               </a:rPr>
               <a:t>and the file </a:t>
             </a:r>
-            <a:r>
-              <a:rPr lang="en-US" b="1" kern="0" dirty="0" smtClean="0">
+            <a:r xmlns:a="http://schemas.openxmlformats.org/drawingml/2006/main">
+              <a:rPr lang="en" b="1" kern="0" dirty="0" smtClean="0">
                 <a:latin typeface="Segoe UI" panose="020B0502040204020203" pitchFamily="34" charset="0"/>
                 <a:ea typeface="Times New Roman" panose="02020603050405020304" pitchFamily="18" charset="0"/>
                 <a:cs typeface="Segoe UI" panose="020B0502040204020203" pitchFamily="34" charset="0"/>
               </a:rPr>
               <a:t>VenteParPaysEu.xlsx </a:t>
             </a:r>
-            <a:r>
-              <a:rPr lang="en-US" kern="0" dirty="0" smtClean="0">
+            <a:r xmlns:a="http://schemas.openxmlformats.org/drawingml/2006/main">
+              <a:rPr lang="en" kern="0" dirty="0" smtClean="0">
                 <a:latin typeface="Segoe UI" panose="020B0502040204020203" pitchFamily="34" charset="0"/>
                 <a:ea typeface="Times New Roman" panose="02020603050405020304" pitchFamily="18" charset="0"/>
                 <a:cs typeface="Segoe UI" panose="020B0502040204020203" pitchFamily="34" charset="0"/>
               </a:rPr>
               <a:t>in the </a:t>
             </a:r>
-            <a:r>
-              <a:rPr lang="en-US" b="1" kern="0" dirty="0" smtClean="0">
+            <a:r xmlns:a="http://schemas.openxmlformats.org/drawingml/2006/main">
+              <a:rPr lang="en" b="1" kern="0" dirty="0" smtClean="0">
                 <a:latin typeface="Segoe UI" panose="020B0502040204020203" pitchFamily="34" charset="0"/>
                 <a:ea typeface="Times New Roman" panose="02020603050405020304" pitchFamily="18" charset="0"/>
                 <a:cs typeface="Segoe UI" panose="020B0502040204020203" pitchFamily="34" charset="0"/>
               </a:rPr>
               <a:t>Excel Files </a:t>
             </a:r>
-            <a:r>
-              <a:rPr lang="en-US" kern="0" dirty="0" smtClean="0">
+            <a:r xmlns:a="http://schemas.openxmlformats.org/drawingml/2006/main">
+              <a:rPr lang="en" kern="0" dirty="0" smtClean="0">
                 <a:latin typeface="Segoe UI" panose="020B0502040204020203" pitchFamily="34" charset="0"/>
                 <a:ea typeface="Times New Roman" panose="02020603050405020304" pitchFamily="18" charset="0"/>
                 <a:cs typeface="Segoe UI" panose="020B0502040204020203" pitchFamily="34" charset="0"/>
               </a:rPr>
               <a:t>Folder</a:t>
             </a:r>
-            <a:endParaRPr lang="en-US" sz="2800" b="1" kern="0" dirty="0">
+            <a:endParaRPr xmlns:a="http://schemas.openxmlformats.org/drawingml/2006/main" lang="en-US" sz="2800" b="1" kern="0" dirty="0">
               <a:effectLst/>
               <a:latin typeface="Segoe UI" panose="020B0502040204020203" pitchFamily="34" charset="0"/>
               <a:ea typeface="Times New Roman" panose="02020603050405020304" pitchFamily="18" charset="0"/>
@@ -4911,7 +4911,7 @@
           </a:bodyPr>
           <a:lstStyle/>
           <a:p>
-            <a:pPr lvl="0">
+            <a:pPr xmlns:a="http://schemas.openxmlformats.org/drawingml/2006/main" lvl="0">
               <a:lnSpc>
                 <a:spcPct val="107000"/>
               </a:lnSpc>
@@ -4919,31 +4919,31 @@
                 <a:spcPts val="800"/>
               </a:spcAft>
             </a:pPr>
-            <a:r>
-              <a:rPr lang="en-US" dirty="0" smtClean="0">
+            <a:r xmlns:a="http://schemas.openxmlformats.org/drawingml/2006/main">
+              <a:rPr lang="en" dirty="0" smtClean="0">
                 <a:latin typeface="Segoe UI" panose="020B0502040204020203" pitchFamily="34" charset="0"/>
                 <a:ea typeface="Calibri" panose="020F0502020204030204" pitchFamily="34" charset="0"/>
                 <a:cs typeface="Times New Roman" panose="02020603050405020304" pitchFamily="18" charset="0"/>
               </a:rPr>
               <a:t>Start by loading the </a:t>
             </a:r>
-            <a:r>
-              <a:rPr lang="en-US" b="1" dirty="0" err="1" smtClean="0">
+            <a:r xmlns:a="http://schemas.openxmlformats.org/drawingml/2006/main">
+              <a:rPr lang="en" b="1" dirty="0" err="1" smtClean="0">
                 <a:latin typeface="Segoe UI" panose="020B0502040204020203" pitchFamily="34" charset="0"/>
                 <a:ea typeface="Calibri" panose="020F0502020204030204" pitchFamily="34" charset="0"/>
                 <a:cs typeface="Times New Roman" panose="02020603050405020304" pitchFamily="18" charset="0"/>
               </a:rPr>
-              <a:t>Ventes</a:t>
-            </a:r>
-            <a:r>
-              <a:rPr lang="en-US" dirty="0" smtClean="0">
+              <a:t>Sales </a:t>
+            </a:r>
+            <a:r xmlns:a="http://schemas.openxmlformats.org/drawingml/2006/main">
+              <a:rPr lang="en" dirty="0" smtClean="0">
                 <a:latin typeface="Segoe UI" panose="020B0502040204020203" pitchFamily="34" charset="0"/>
                 <a:ea typeface="Calibri" panose="020F0502020204030204" pitchFamily="34" charset="0"/>
                 <a:cs typeface="Times New Roman" panose="02020603050405020304" pitchFamily="18" charset="0"/>
               </a:rPr>
-              <a:t> table</a:t>
-            </a:r>
-            <a:endParaRPr lang="en-US" dirty="0">
+              <a:t>table</a:t>
+            </a:r>
+            <a:endParaRPr xmlns:a="http://schemas.openxmlformats.org/drawingml/2006/main" lang="en-US" dirty="0">
               <a:latin typeface="Calibri" panose="020F0502020204030204" pitchFamily="34" charset="0"/>
               <a:ea typeface="Calibri" panose="020F0502020204030204" pitchFamily="34" charset="0"/>
               <a:cs typeface="Times New Roman" panose="02020603050405020304" pitchFamily="18" charset="0"/>
@@ -5037,14 +5037,14 @@
           </a:bodyPr>
           <a:lstStyle/>
           <a:p>
-            <a:r>
-              <a:rPr lang="en-US" sz="2400" dirty="0" smtClean="0">
+            <a:r xmlns:a="http://schemas.openxmlformats.org/drawingml/2006/main">
+              <a:rPr lang="en" sz="2400" dirty="0" smtClean="0">
                 <a:latin typeface="Segoe UI" panose="020B0502040204020203" pitchFamily="34" charset="0"/>
                 <a:cs typeface="Segoe UI" panose="020B0502040204020203" pitchFamily="34" charset="0"/>
               </a:rPr>
               <a:t>Configuring the Row Level Security</a:t>
             </a:r>
-            <a:endParaRPr lang="en-US" sz="2400" dirty="0">
+            <a:endParaRPr xmlns:a="http://schemas.openxmlformats.org/drawingml/2006/main" lang="en-US" sz="2400" dirty="0">
               <a:latin typeface="Segoe UI" panose="020B0502040204020203" pitchFamily="34" charset="0"/>
               <a:cs typeface="Segoe UI" panose="020B0502040204020203" pitchFamily="34" charset="0"/>
             </a:endParaRPr>
@@ -5072,7 +5072,7 @@
           </a:bodyPr>
           <a:lstStyle/>
           <a:p>
-            <a:pPr lvl="0">
+            <a:pPr xmlns:a="http://schemas.openxmlformats.org/drawingml/2006/main" lvl="0">
               <a:lnSpc>
                 <a:spcPct val="107000"/>
               </a:lnSpc>
@@ -5080,15 +5080,15 @@
                 <a:spcPts val="800"/>
               </a:spcAft>
             </a:pPr>
-            <a:r>
-              <a:rPr lang="en-US" dirty="0" smtClean="0">
+            <a:r xmlns:a="http://schemas.openxmlformats.org/drawingml/2006/main">
+              <a:rPr lang="en" dirty="0" smtClean="0">
                 <a:latin typeface="Segoe UI" panose="020B0502040204020203" pitchFamily="34" charset="0"/>
                 <a:ea typeface="Calibri" panose="020F0502020204030204" pitchFamily="34" charset="0"/>
                 <a:cs typeface="Times New Roman" panose="02020603050405020304" pitchFamily="18" charset="0"/>
               </a:rPr>
               <a:t>Add visuals at the report level and create simple report</a:t>
             </a:r>
-            <a:endParaRPr lang="en-US" dirty="0">
+            <a:endParaRPr xmlns:a="http://schemas.openxmlformats.org/drawingml/2006/main" lang="en-US" dirty="0">
               <a:latin typeface="Calibri" panose="020F0502020204030204" pitchFamily="34" charset="0"/>
               <a:ea typeface="Calibri" panose="020F0502020204030204" pitchFamily="34" charset="0"/>
               <a:cs typeface="Times New Roman" panose="02020603050405020304" pitchFamily="18" charset="0"/>
@@ -5226,14 +5226,14 @@
           </a:bodyPr>
           <a:lstStyle/>
           <a:p>
-            <a:r>
-              <a:rPr lang="en-US" sz="2400" dirty="0" smtClean="0">
+            <a:r xmlns:a="http://schemas.openxmlformats.org/drawingml/2006/main">
+              <a:rPr lang="en" sz="2400" dirty="0" smtClean="0">
                 <a:latin typeface="Segoe UI" panose="020B0502040204020203" pitchFamily="34" charset="0"/>
                 <a:cs typeface="Segoe UI" panose="020B0502040204020203" pitchFamily="34" charset="0"/>
               </a:rPr>
               <a:t>Configuring the Row Level Security</a:t>
             </a:r>
-            <a:endParaRPr lang="en-US" sz="2400" dirty="0">
+            <a:endParaRPr xmlns:a="http://schemas.openxmlformats.org/drawingml/2006/main" lang="en-US" sz="2400" dirty="0">
               <a:latin typeface="Segoe UI" panose="020B0502040204020203" pitchFamily="34" charset="0"/>
               <a:cs typeface="Segoe UI" panose="020B0502040204020203" pitchFamily="34" charset="0"/>
             </a:endParaRPr>
@@ -5449,7 +5449,7 @@
           </a:bodyPr>
           <a:lstStyle/>
           <a:p>
-            <a:pPr marL="0" marR="0" lvl="0" indent="0" algn="l" defTabSz="914400" rtl="0" eaLnBrk="0" fontAlgn="base" latinLnBrk="0" hangingPunct="0">
+            <a:pPr xmlns:a="http://schemas.openxmlformats.org/drawingml/2006/main" marL="0" marR="0" lvl="0" indent="0" algn="l" defTabSz="914400" rtl="0" eaLnBrk="0" fontAlgn="base" latinLnBrk="0" hangingPunct="0">
               <a:lnSpc>
                 <a:spcPct val="100000"/>
               </a:lnSpc>
@@ -5465,8 +5465,8 @@
               <a:buNone/>
               <a:tabLst/>
             </a:pPr>
-            <a:r>
-              <a:rPr kumimoji="0" lang="fr-FR" altLang="en-US" b="0" i="0" u="none" strike="noStrike" cap="none" normalizeH="0" baseline="0" dirty="0" err="1" smtClean="0">
+            <a:r xmlns:a="http://schemas.openxmlformats.org/drawingml/2006/main">
+              <a:rPr kumimoji="0" lang="en" altLang="en-US" b="0" i="0" u="none" strike="noStrike" cap="none" normalizeH="0" baseline="0" dirty="0" err="1" smtClean="0">
                 <a:ln>
                   <a:noFill/>
                 </a:ln>
@@ -5478,10 +5478,10 @@
                 <a:ea typeface="Calibri" panose="020F0502020204030204" pitchFamily="34" charset="0"/>
                 <a:cs typeface="Segoe UI" panose="020B0502040204020203" pitchFamily="34" charset="0"/>
               </a:rPr>
-              <a:t>Publish</a:t>
-            </a:r>
-            <a:r>
-              <a:rPr kumimoji="0" lang="fr-FR" altLang="en-US" b="0" i="0" u="none" strike="noStrike" cap="none" normalizeH="0" baseline="0" dirty="0" smtClean="0">
+              <a:t>Publish </a:t>
+            </a:r>
+            <a:r xmlns:a="http://schemas.openxmlformats.org/drawingml/2006/main">
+              <a:rPr kumimoji="0" lang="en" altLang="en-US" b="0" i="0" u="none" strike="noStrike" cap="none" normalizeH="0" baseline="0" dirty="0" smtClean="0">
                 <a:ln>
                   <a:noFill/>
                 </a:ln>
@@ -5493,10 +5493,10 @@
                 <a:ea typeface="Calibri" panose="020F0502020204030204" pitchFamily="34" charset="0"/>
                 <a:cs typeface="Segoe UI" panose="020B0502040204020203" pitchFamily="34" charset="0"/>
               </a:rPr>
-              <a:t> the report to Power BI Service by </a:t>
-            </a:r>
-            <a:r>
-              <a:rPr kumimoji="0" lang="fr-FR" altLang="en-US" b="0" i="0" u="none" strike="noStrike" cap="none" normalizeH="0" baseline="0" dirty="0" err="1" smtClean="0">
+              <a:t>the report to Power BI Service by </a:t>
+            </a:r>
+            <a:r xmlns:a="http://schemas.openxmlformats.org/drawingml/2006/main">
+              <a:rPr kumimoji="0" lang="en" altLang="en-US" b="0" i="0" u="none" strike="noStrike" cap="none" normalizeH="0" baseline="0" dirty="0" err="1" smtClean="0">
                 <a:ln>
                   <a:noFill/>
                 </a:ln>
@@ -5510,8 +5510,8 @@
               </a:rPr>
               <a:t>clicking</a:t>
             </a:r>
-            <a:r>
-              <a:rPr kumimoji="0" lang="fr-FR" altLang="en-US" b="0" i="0" u="none" strike="noStrike" cap="none" normalizeH="0" baseline="0" dirty="0" smtClean="0">
+            <a:r xmlns:a="http://schemas.openxmlformats.org/drawingml/2006/main">
+              <a:rPr kumimoji="0" lang="en" altLang="en-US" b="0" i="0" u="none" strike="noStrike" cap="none" normalizeH="0" baseline="0" dirty="0" smtClean="0">
                 <a:ln>
                   <a:noFill/>
                 </a:ln>
@@ -5525,8 +5525,8 @@
               </a:rPr>
               <a:t> </a:t>
             </a:r>
-            <a:r>
-              <a:rPr kumimoji="0" lang="fr-FR" altLang="en-US" b="1" i="0" u="none" strike="noStrike" cap="none" normalizeH="0" baseline="0" dirty="0" err="1" smtClean="0">
+            <a:r xmlns:a="http://schemas.openxmlformats.org/drawingml/2006/main">
+              <a:rPr kumimoji="0" lang="en" altLang="en-US" b="1" i="0" u="none" strike="noStrike" cap="none" normalizeH="0" baseline="0" dirty="0" err="1" smtClean="0">
                 <a:ln>
                   <a:noFill/>
                 </a:ln>
@@ -5540,8 +5540,8 @@
               </a:rPr>
               <a:t>Publish</a:t>
             </a:r>
-            <a:r>
-              <a:rPr kumimoji="0" lang="fr-FR" altLang="en-US" b="1" i="0" u="none" strike="noStrike" cap="none" normalizeH="0" baseline="0" dirty="0" smtClean="0">
+            <a:r xmlns:a="http://schemas.openxmlformats.org/drawingml/2006/main">
+              <a:rPr kumimoji="0" lang="en" altLang="en-US" b="1" i="0" u="none" strike="noStrike" cap="none" normalizeH="0" baseline="0" dirty="0" smtClean="0">
                 <a:ln>
                   <a:noFill/>
                 </a:ln>
@@ -5555,8 +5555,8 @@
               </a:rPr>
               <a:t> </a:t>
             </a:r>
-            <a:r>
-              <a:rPr kumimoji="0" lang="fr-FR" altLang="en-US" b="0" i="0" u="none" strike="noStrike" cap="none" normalizeH="0" baseline="0" dirty="0" smtClean="0">
+            <a:r xmlns:a="http://schemas.openxmlformats.org/drawingml/2006/main">
+              <a:rPr kumimoji="0" lang="en" altLang="en-US" b="0" i="0" u="none" strike="noStrike" cap="none" normalizeH="0" baseline="0" dirty="0" smtClean="0">
                 <a:ln>
                   <a:noFill/>
                 </a:ln>
@@ -5570,7 +5570,7 @@
               </a:rPr>
               <a:t>at the top right</a:t>
             </a:r>
-            <a:endParaRPr kumimoji="0" lang="fr-FR" altLang="en-US" b="0" i="0" u="none" strike="noStrike" cap="none" normalizeH="0" baseline="0" dirty="0" smtClean="0">
+            <a:endParaRPr xmlns:a="http://schemas.openxmlformats.org/drawingml/2006/main" kumimoji="0" lang="fr-FR" altLang="en-US" b="0" i="0" u="none" strike="noStrike" cap="none" normalizeH="0" baseline="0" dirty="0" smtClean="0">
               <a:ln>
                 <a:noFill/>
               </a:ln>
@@ -5643,7 +5643,7 @@
           </a:bodyPr>
           <a:lstStyle/>
           <a:p>
-            <a:pPr marL="0" marR="0" lvl="0" indent="0" algn="l" defTabSz="914400" rtl="0" eaLnBrk="0" fontAlgn="base" latinLnBrk="0" hangingPunct="0">
+            <a:pPr xmlns:a="http://schemas.openxmlformats.org/drawingml/2006/main" marL="0" marR="0" lvl="0" indent="0" algn="l" defTabSz="914400" rtl="0" eaLnBrk="0" fontAlgn="base" latinLnBrk="0" hangingPunct="0">
               <a:lnSpc>
                 <a:spcPct val="100000"/>
               </a:lnSpc>
@@ -5659,8 +5659,8 @@
               <a:buNone/>
               <a:tabLst/>
             </a:pPr>
-            <a:r>
-              <a:rPr kumimoji="0" lang="fr-FR" altLang="en-US" b="0" i="0" u="none" strike="noStrike" cap="none" normalizeH="0" baseline="0" dirty="0" err="1" smtClean="0">
+            <a:r xmlns:a="http://schemas.openxmlformats.org/drawingml/2006/main">
+              <a:rPr kumimoji="0" lang="en" altLang="en-US" b="0" i="0" u="none" strike="noStrike" cap="none" normalizeH="0" baseline="0" dirty="0" err="1" smtClean="0">
                 <a:ln>
                   <a:noFill/>
                 </a:ln>
@@ -5672,10 +5672,10 @@
                 <a:ea typeface="Calibri" panose="020F0502020204030204" pitchFamily="34" charset="0"/>
                 <a:cs typeface="Segoe UI" panose="020B0502040204020203" pitchFamily="34" charset="0"/>
               </a:rPr>
-              <a:t>Publish</a:t>
-            </a:r>
-            <a:r>
-              <a:rPr kumimoji="0" lang="fr-FR" altLang="en-US" b="0" i="0" u="none" strike="noStrike" cap="none" normalizeH="0" baseline="0" dirty="0" smtClean="0">
+              <a:t>Publish </a:t>
+            </a:r>
+            <a:r xmlns:a="http://schemas.openxmlformats.org/drawingml/2006/main">
+              <a:rPr kumimoji="0" lang="en" altLang="en-US" b="0" i="0" u="none" strike="noStrike" cap="none" normalizeH="0" baseline="0" dirty="0" smtClean="0">
                 <a:ln>
                   <a:noFill/>
                 </a:ln>
@@ -5687,10 +5687,10 @@
                 <a:ea typeface="Calibri" panose="020F0502020204030204" pitchFamily="34" charset="0"/>
                 <a:cs typeface="Segoe UI" panose="020B0502040204020203" pitchFamily="34" charset="0"/>
               </a:rPr>
-              <a:t> the report to Power BI Service</a:t>
-            </a:r>
-            <a:r>
-              <a:rPr kumimoji="0" lang="fr-FR" altLang="en-US" b="0" i="0" u="none" strike="noStrike" cap="none" normalizeH="0" dirty="0" smtClean="0">
+              <a:t>the report to Power BI Service </a:t>
+            </a:r>
+            <a:r xmlns:a="http://schemas.openxmlformats.org/drawingml/2006/main">
+              <a:rPr kumimoji="0" lang="en" altLang="en-US" b="0" i="0" u="none" strike="noStrike" cap="none" normalizeH="0" dirty="0" smtClean="0">
                 <a:ln>
                   <a:noFill/>
                 </a:ln>
@@ -5702,9 +5702,9 @@
                 <a:ea typeface="Calibri" panose="020F0502020204030204" pitchFamily="34" charset="0"/>
                 <a:cs typeface="Segoe UI" panose="020B0502040204020203" pitchFamily="34" charset="0"/>
               </a:rPr>
-              <a:t> to one of the reports</a:t>
-            </a:r>
-            <a:endParaRPr kumimoji="0" lang="fr-FR" altLang="en-US" b="0" i="0" u="none" strike="noStrike" cap="none" normalizeH="0" baseline="0" dirty="0" smtClean="0">
+              <a:t>to one of the reports</a:t>
+            </a:r>
+            <a:endParaRPr xmlns:a="http://schemas.openxmlformats.org/drawingml/2006/main" kumimoji="0" lang="fr-FR" altLang="en-US" b="0" i="0" u="none" strike="noStrike" cap="none" normalizeH="0" baseline="0" dirty="0" smtClean="0">
               <a:ln>
                 <a:noFill/>
               </a:ln>
@@ -5804,14 +5804,14 @@
           </a:bodyPr>
           <a:lstStyle/>
           <a:p>
-            <a:r>
-              <a:rPr lang="en-US" sz="2400" dirty="0" smtClean="0">
+            <a:r xmlns:a="http://schemas.openxmlformats.org/drawingml/2006/main">
+              <a:rPr lang="en" sz="2400" dirty="0" smtClean="0">
                 <a:latin typeface="Segoe UI" panose="020B0502040204020203" pitchFamily="34" charset="0"/>
                 <a:cs typeface="Segoe UI" panose="020B0502040204020203" pitchFamily="34" charset="0"/>
               </a:rPr>
               <a:t>Configuring the Row Level Security</a:t>
             </a:r>
-            <a:endParaRPr lang="en-US" sz="2400" dirty="0">
+            <a:endParaRPr xmlns:a="http://schemas.openxmlformats.org/drawingml/2006/main" lang="en-US" sz="2400" dirty="0">
               <a:latin typeface="Segoe UI" panose="020B0502040204020203" pitchFamily="34" charset="0"/>
               <a:cs typeface="Segoe UI" panose="020B0502040204020203" pitchFamily="34" charset="0"/>
             </a:endParaRPr>
@@ -5927,7 +5927,7 @@
           </a:bodyPr>
           <a:lstStyle/>
           <a:p>
-            <a:pPr>
+            <a:pPr xmlns:a="http://schemas.openxmlformats.org/drawingml/2006/main">
               <a:lnSpc>
                 <a:spcPct val="107000"/>
               </a:lnSpc>
@@ -5935,191 +5935,191 @@
                 <a:spcPts val="800"/>
               </a:spcAft>
             </a:pPr>
-            <a:r>
-              <a:rPr lang="fr-FR" dirty="0" err="1" smtClean="0">
+            <a:r xmlns:a="http://schemas.openxmlformats.org/drawingml/2006/main">
+              <a:rPr lang="en" dirty="0" err="1" smtClean="0">
                 <a:latin typeface="Segoe UI" panose="020B0502040204020203" pitchFamily="34" charset="0"/>
                 <a:ea typeface="Calibri" panose="020F0502020204030204" pitchFamily="34" charset="0"/>
                 <a:cs typeface="Times New Roman" panose="02020603050405020304" pitchFamily="18" charset="0"/>
               </a:rPr>
               <a:t>Verify</a:t>
             </a:r>
-            <a:r>
-              <a:rPr lang="fr-FR" dirty="0" smtClean="0">
+            <a:r xmlns:a="http://schemas.openxmlformats.org/drawingml/2006/main">
+              <a:rPr lang="en" dirty="0" smtClean="0">
                 <a:latin typeface="Segoe UI" panose="020B0502040204020203" pitchFamily="34" charset="0"/>
                 <a:ea typeface="Calibri" panose="020F0502020204030204" pitchFamily="34" charset="0"/>
                 <a:cs typeface="Times New Roman" panose="02020603050405020304" pitchFamily="18" charset="0"/>
               </a:rPr>
               <a:t> </a:t>
             </a:r>
-            <a:r>
-              <a:rPr lang="fr-FR" dirty="0" err="1">
+            <a:r xmlns:a="http://schemas.openxmlformats.org/drawingml/2006/main">
+              <a:rPr lang="en" dirty="0" err="1">
                 <a:latin typeface="Segoe UI" panose="020B0502040204020203" pitchFamily="34" charset="0"/>
                 <a:ea typeface="Calibri" panose="020F0502020204030204" pitchFamily="34" charset="0"/>
                 <a:cs typeface="Times New Roman" panose="02020603050405020304" pitchFamily="18" charset="0"/>
               </a:rPr>
-              <a:t>that</a:t>
-            </a:r>
-            <a:r>
-              <a:rPr lang="fr-FR" dirty="0">
+              <a:t>that </a:t>
+            </a:r>
+            <a:r xmlns:a="http://schemas.openxmlformats.org/drawingml/2006/main">
+              <a:rPr lang="en" dirty="0">
                 <a:latin typeface="Segoe UI" panose="020B0502040204020203" pitchFamily="34" charset="0"/>
                 <a:ea typeface="Calibri" panose="020F0502020204030204" pitchFamily="34" charset="0"/>
                 <a:cs typeface="Times New Roman" panose="02020603050405020304" pitchFamily="18" charset="0"/>
               </a:rPr>
-              <a:t> the data </a:t>
-            </a:r>
-            <a:r>
-              <a:rPr lang="fr-FR" dirty="0" err="1">
+              <a:t>the data </a:t>
+            </a:r>
+            <a:r xmlns:a="http://schemas.openxmlformats.org/drawingml/2006/main">
+              <a:rPr lang="en" dirty="0" err="1">
                 <a:latin typeface="Segoe UI" panose="020B0502040204020203" pitchFamily="34" charset="0"/>
                 <a:ea typeface="Calibri" panose="020F0502020204030204" pitchFamily="34" charset="0"/>
                 <a:cs typeface="Times New Roman" panose="02020603050405020304" pitchFamily="18" charset="0"/>
               </a:rPr>
               <a:t>is</a:t>
             </a:r>
-            <a:r>
-              <a:rPr lang="fr-FR" dirty="0">
+            <a:r xmlns:a="http://schemas.openxmlformats.org/drawingml/2006/main">
+              <a:rPr lang="en" dirty="0">
                 <a:latin typeface="Segoe UI" panose="020B0502040204020203" pitchFamily="34" charset="0"/>
                 <a:ea typeface="Calibri" panose="020F0502020204030204" pitchFamily="34" charset="0"/>
                 <a:cs typeface="Times New Roman" panose="02020603050405020304" pitchFamily="18" charset="0"/>
               </a:rPr>
               <a:t> </a:t>
             </a:r>
-            <a:r>
-              <a:rPr lang="fr-FR" dirty="0" err="1">
+            <a:r xmlns:a="http://schemas.openxmlformats.org/drawingml/2006/main">
+              <a:rPr lang="en" dirty="0" err="1">
                 <a:latin typeface="Segoe UI" panose="020B0502040204020203" pitchFamily="34" charset="0"/>
                 <a:ea typeface="Calibri" panose="020F0502020204030204" pitchFamily="34" charset="0"/>
                 <a:cs typeface="Times New Roman" panose="02020603050405020304" pitchFamily="18" charset="0"/>
               </a:rPr>
               <a:t>fully</a:t>
             </a:r>
-            <a:r>
-              <a:rPr lang="fr-FR" dirty="0">
+            <a:r xmlns:a="http://schemas.openxmlformats.org/drawingml/2006/main">
+              <a:rPr lang="en" dirty="0">
                 <a:latin typeface="Segoe UI" panose="020B0502040204020203" pitchFamily="34" charset="0"/>
                 <a:ea typeface="Calibri" panose="020F0502020204030204" pitchFamily="34" charset="0"/>
                 <a:cs typeface="Times New Roman" panose="02020603050405020304" pitchFamily="18" charset="0"/>
               </a:rPr>
               <a:t> </a:t>
             </a:r>
-            <a:r>
-              <a:rPr lang="fr-FR" dirty="0" err="1">
+            <a:r xmlns:a="http://schemas.openxmlformats.org/drawingml/2006/main">
+              <a:rPr lang="en" dirty="0" err="1">
                 <a:latin typeface="Segoe UI" panose="020B0502040204020203" pitchFamily="34" charset="0"/>
                 <a:ea typeface="Calibri" panose="020F0502020204030204" pitchFamily="34" charset="0"/>
                 <a:cs typeface="Times New Roman" panose="02020603050405020304" pitchFamily="18" charset="0"/>
               </a:rPr>
               <a:t>visualized</a:t>
             </a:r>
-            <a:r>
-              <a:rPr lang="fr-FR" dirty="0">
+            <a:r xmlns:a="http://schemas.openxmlformats.org/drawingml/2006/main">
+              <a:rPr lang="en" dirty="0">
                 <a:latin typeface="Segoe UI" panose="020B0502040204020203" pitchFamily="34" charset="0"/>
                 <a:ea typeface="Calibri" panose="020F0502020204030204" pitchFamily="34" charset="0"/>
                 <a:cs typeface="Times New Roman" panose="02020603050405020304" pitchFamily="18" charset="0"/>
               </a:rPr>
               <a:t> </a:t>
             </a:r>
-            <a:r>
-              <a:rPr lang="fr-FR" dirty="0" err="1">
+            <a:r xmlns:a="http://schemas.openxmlformats.org/drawingml/2006/main">
+              <a:rPr lang="en" dirty="0" err="1">
                 <a:latin typeface="Segoe UI" panose="020B0502040204020203" pitchFamily="34" charset="0"/>
                 <a:ea typeface="Calibri" panose="020F0502020204030204" pitchFamily="34" charset="0"/>
                 <a:cs typeface="Times New Roman" panose="02020603050405020304" pitchFamily="18" charset="0"/>
               </a:rPr>
               <a:t>without</a:t>
             </a:r>
-            <a:r>
-              <a:rPr lang="fr-FR" dirty="0">
+            <a:r xmlns:a="http://schemas.openxmlformats.org/drawingml/2006/main">
+              <a:rPr lang="en" dirty="0">
                 <a:latin typeface="Segoe UI" panose="020B0502040204020203" pitchFamily="34" charset="0"/>
                 <a:ea typeface="Calibri" panose="020F0502020204030204" pitchFamily="34" charset="0"/>
                 <a:cs typeface="Times New Roman" panose="02020603050405020304" pitchFamily="18" charset="0"/>
               </a:rPr>
               <a:t> </a:t>
             </a:r>
-            <a:r>
-              <a:rPr lang="fr-FR" dirty="0" smtClean="0">
+            <a:r xmlns:a="http://schemas.openxmlformats.org/drawingml/2006/main">
+              <a:rPr lang="en" dirty="0" smtClean="0">
                 <a:latin typeface="Segoe UI" panose="020B0502040204020203" pitchFamily="34" charset="0"/>
                 <a:ea typeface="Calibri" panose="020F0502020204030204" pitchFamily="34" charset="0"/>
                 <a:cs typeface="Times New Roman" panose="02020603050405020304" pitchFamily="18" charset="0"/>
               </a:rPr>
-              <a:t>exception</a:t>
-            </a:r>
-            <a:r>
-              <a:rPr lang="en-US" dirty="0" smtClean="0">
+              <a:t>exception </a:t>
+            </a:r>
+            <a:r xmlns:a="http://schemas.openxmlformats.org/drawingml/2006/main">
+              <a:rPr lang="en" dirty="0" smtClean="0">
                 <a:latin typeface="Calibri" panose="020F0502020204030204" pitchFamily="34" charset="0"/>
                 <a:ea typeface="Calibri" panose="020F0502020204030204" pitchFamily="34" charset="0"/>
                 <a:cs typeface="Times New Roman" panose="02020603050405020304" pitchFamily="18" charset="0"/>
               </a:rPr>
-              <a:t> at </a:t>
-            </a:r>
-            <a:r>
-              <a:rPr lang="fr-FR" b="1" dirty="0" smtClean="0">
+              <a:t>at </a:t>
+            </a:r>
+            <a:r xmlns:a="http://schemas.openxmlformats.org/drawingml/2006/main">
+              <a:rPr lang="en" b="1" dirty="0" smtClean="0">
                 <a:latin typeface="Segoe UI" panose="020B0502040204020203" pitchFamily="34" charset="0"/>
                 <a:ea typeface="Calibri" panose="020F0502020204030204" pitchFamily="34" charset="0"/>
                 <a:cs typeface="Times New Roman" panose="02020603050405020304" pitchFamily="18" charset="0"/>
               </a:rPr>
               <a:t>Power </a:t>
             </a:r>
-            <a:r>
-              <a:rPr lang="fr-FR" b="1" dirty="0">
+            <a:r xmlns:a="http://schemas.openxmlformats.org/drawingml/2006/main">
+              <a:rPr lang="en" b="1" dirty="0">
                 <a:latin typeface="Segoe UI" panose="020B0502040204020203" pitchFamily="34" charset="0"/>
                 <a:ea typeface="Calibri" panose="020F0502020204030204" pitchFamily="34" charset="0"/>
                 <a:cs typeface="Times New Roman" panose="02020603050405020304" pitchFamily="18" charset="0"/>
               </a:rPr>
               <a:t>BI Service </a:t>
             </a:r>
-            <a:r>
-              <a:rPr lang="fr-FR" dirty="0" err="1" smtClean="0">
+            <a:r xmlns:a="http://schemas.openxmlformats.org/drawingml/2006/main">
+              <a:rPr lang="en" dirty="0" err="1" smtClean="0">
                 <a:latin typeface="Segoe UI" panose="020B0502040204020203" pitchFamily="34" charset="0"/>
                 <a:ea typeface="Calibri" panose="020F0502020204030204" pitchFamily="34" charset="0"/>
                 <a:cs typeface="Times New Roman" panose="02020603050405020304" pitchFamily="18" charset="0"/>
               </a:rPr>
               <a:t>level</a:t>
             </a:r>
-            <a:r>
-              <a:rPr lang="fr-FR" dirty="0" smtClean="0">
+            <a:r xmlns:a="http://schemas.openxmlformats.org/drawingml/2006/main">
+              <a:rPr lang="en" dirty="0" smtClean="0">
                 <a:latin typeface="Segoe UI" panose="020B0502040204020203" pitchFamily="34" charset="0"/>
                 <a:ea typeface="Calibri" panose="020F0502020204030204" pitchFamily="34" charset="0"/>
                 <a:cs typeface="Times New Roman" panose="02020603050405020304" pitchFamily="18" charset="0"/>
               </a:rPr>
               <a:t> </a:t>
             </a:r>
-            <a:r>
-              <a:rPr lang="fr-FR" dirty="0" err="1" smtClean="0">
+            <a:r xmlns:a="http://schemas.openxmlformats.org/drawingml/2006/main">
+              <a:rPr lang="en" dirty="0" err="1" smtClean="0">
                 <a:latin typeface="Segoe UI" panose="020B0502040204020203" pitchFamily="34" charset="0"/>
                 <a:ea typeface="Calibri" panose="020F0502020204030204" pitchFamily="34" charset="0"/>
                 <a:cs typeface="Times New Roman" panose="02020603050405020304" pitchFamily="18" charset="0"/>
               </a:rPr>
-              <a:t>byclicking</a:t>
-            </a:r>
-            <a:r>
-              <a:rPr lang="fr-FR" dirty="0" smtClean="0">
+              <a:t>by clicking</a:t>
+            </a:r>
+            <a:r xmlns:a="http://schemas.openxmlformats.org/drawingml/2006/main">
+              <a:rPr lang="en" dirty="0" smtClean="0">
                 <a:latin typeface="Segoe UI" panose="020B0502040204020203" pitchFamily="34" charset="0"/>
                 <a:ea typeface="Calibri" panose="020F0502020204030204" pitchFamily="34" charset="0"/>
                 <a:cs typeface="Times New Roman" panose="02020603050405020304" pitchFamily="18" charset="0"/>
               </a:rPr>
               <a:t> </a:t>
             </a:r>
-            <a:r>
-              <a:rPr lang="fr-FR" b="1" dirty="0" smtClean="0">
+            <a:r xmlns:a="http://schemas.openxmlformats.org/drawingml/2006/main">
+              <a:rPr lang="en" b="1" dirty="0" smtClean="0">
                 <a:latin typeface="Segoe UI" panose="020B0502040204020203" pitchFamily="34" charset="0"/>
                 <a:ea typeface="Calibri" panose="020F0502020204030204" pitchFamily="34" charset="0"/>
                 <a:cs typeface="Times New Roman" panose="02020603050405020304" pitchFamily="18" charset="0"/>
               </a:rPr>
               <a:t>Sales</a:t>
             </a:r>
-            <a:r>
-              <a:rPr lang="fr-FR" dirty="0" smtClean="0">
+            <a:r xmlns:a="http://schemas.openxmlformats.org/drawingml/2006/main">
+              <a:rPr lang="en" dirty="0" smtClean="0">
                 <a:latin typeface="Segoe UI" panose="020B0502040204020203" pitchFamily="34" charset="0"/>
                 <a:ea typeface="Calibri" panose="020F0502020204030204" pitchFamily="34" charset="0"/>
                 <a:cs typeface="Times New Roman" panose="02020603050405020304" pitchFamily="18" charset="0"/>
               </a:rPr>
               <a:t> </a:t>
             </a:r>
-            <a:r>
-              <a:rPr lang="fr-FR" dirty="0" err="1" smtClean="0">
+            <a:r xmlns:a="http://schemas.openxmlformats.org/drawingml/2006/main">
+              <a:rPr lang="en" dirty="0" err="1" smtClean="0">
                 <a:latin typeface="Segoe UI" panose="020B0502040204020203" pitchFamily="34" charset="0"/>
                 <a:ea typeface="Calibri" panose="020F0502020204030204" pitchFamily="34" charset="0"/>
                 <a:cs typeface="Times New Roman" panose="02020603050405020304" pitchFamily="18" charset="0"/>
               </a:rPr>
               <a:t>link</a:t>
             </a:r>
-            <a:endParaRPr lang="en-US" dirty="0">
+            <a:endParaRPr xmlns:a="http://schemas.openxmlformats.org/drawingml/2006/main" lang="en-US" dirty="0">
               <a:latin typeface="Calibri" panose="020F0502020204030204" pitchFamily="34" charset="0"/>
               <a:ea typeface="Calibri" panose="020F0502020204030204" pitchFamily="34" charset="0"/>
               <a:cs typeface="Times New Roman" panose="02020603050405020304" pitchFamily="18" charset="0"/>
@@ -6251,14 +6251,14 @@
           </a:bodyPr>
           <a:lstStyle/>
           <a:p>
-            <a:r>
-              <a:rPr lang="en-US" sz="2400" dirty="0" smtClean="0">
+            <a:r xmlns:a="http://schemas.openxmlformats.org/drawingml/2006/main">
+              <a:rPr lang="en" sz="2400" dirty="0" smtClean="0">
                 <a:latin typeface="Segoe UI" panose="020B0502040204020203" pitchFamily="34" charset="0"/>
                 <a:cs typeface="Segoe UI" panose="020B0502040204020203" pitchFamily="34" charset="0"/>
               </a:rPr>
               <a:t>Configuring the Row Level Security</a:t>
             </a:r>
-            <a:endParaRPr lang="en-US" sz="2400" dirty="0">
+            <a:endParaRPr xmlns:a="http://schemas.openxmlformats.org/drawingml/2006/main" lang="en-US" sz="2400" dirty="0">
               <a:latin typeface="Segoe UI" panose="020B0502040204020203" pitchFamily="34" charset="0"/>
               <a:cs typeface="Segoe UI" panose="020B0502040204020203" pitchFamily="34" charset="0"/>
             </a:endParaRPr>
@@ -6374,7 +6374,7 @@
           </a:bodyPr>
           <a:lstStyle/>
           <a:p>
-            <a:pPr lvl="0">
+            <a:pPr xmlns:a="http://schemas.openxmlformats.org/drawingml/2006/main" lvl="0">
               <a:lnSpc>
                 <a:spcPct val="107000"/>
               </a:lnSpc>
@@ -6382,95 +6382,95 @@
                 <a:spcPts val="800"/>
               </a:spcAft>
             </a:pPr>
-            <a:r>
-              <a:rPr lang="fr-FR" dirty="0">
+            <a:r xmlns:a="http://schemas.openxmlformats.org/drawingml/2006/main">
+              <a:rPr lang="en" dirty="0">
                 <a:latin typeface="Segoe UI" panose="020B0502040204020203" pitchFamily="34" charset="0"/>
                 <a:ea typeface="Calibri" panose="020F0502020204030204" pitchFamily="34" charset="0"/>
                 <a:cs typeface="Times New Roman" panose="02020603050405020304" pitchFamily="18" charset="0"/>
               </a:rPr>
               <a:t>Go back to </a:t>
             </a:r>
-            <a:r>
-              <a:rPr lang="fr-FR" b="1" dirty="0">
+            <a:r xmlns:a="http://schemas.openxmlformats.org/drawingml/2006/main">
+              <a:rPr lang="en" b="1" dirty="0">
                 <a:latin typeface="Segoe UI" panose="020B0502040204020203" pitchFamily="34" charset="0"/>
                 <a:ea typeface="Calibri" panose="020F0502020204030204" pitchFamily="34" charset="0"/>
                 <a:cs typeface="Times New Roman" panose="02020603050405020304" pitchFamily="18" charset="0"/>
               </a:rPr>
               <a:t>Power BI Desktop </a:t>
             </a:r>
-            <a:r>
-              <a:rPr lang="fr-FR" dirty="0">
+            <a:r xmlns:a="http://schemas.openxmlformats.org/drawingml/2006/main">
+              <a:rPr lang="en" dirty="0">
                 <a:latin typeface="Segoe UI" panose="020B0502040204020203" pitchFamily="34" charset="0"/>
                 <a:ea typeface="Calibri" panose="020F0502020204030204" pitchFamily="34" charset="0"/>
                 <a:cs typeface="Times New Roman" panose="02020603050405020304" pitchFamily="18" charset="0"/>
               </a:rPr>
               <a:t>and click </a:t>
             </a:r>
-            <a:r>
-              <a:rPr lang="fr-FR" b="1" dirty="0" err="1">
+            <a:r xmlns:a="http://schemas.openxmlformats.org/drawingml/2006/main">
+              <a:rPr lang="en" b="1" dirty="0" err="1">
                 <a:latin typeface="Segoe UI" panose="020B0502040204020203" pitchFamily="34" charset="0"/>
                 <a:ea typeface="Calibri" panose="020F0502020204030204" pitchFamily="34" charset="0"/>
                 <a:cs typeface="Times New Roman" panose="02020603050405020304" pitchFamily="18" charset="0"/>
               </a:rPr>
-              <a:t>View</a:t>
-            </a:r>
-            <a:r>
-              <a:rPr lang="fr-FR" b="1" dirty="0">
+              <a:t>View </a:t>
+            </a:r>
+            <a:r xmlns:a="http://schemas.openxmlformats.org/drawingml/2006/main">
+              <a:rPr lang="en" b="1" dirty="0">
                 <a:latin typeface="Segoe UI" panose="020B0502040204020203" pitchFamily="34" charset="0"/>
                 <a:ea typeface="Calibri" panose="020F0502020204030204" pitchFamily="34" charset="0"/>
                 <a:cs typeface="Times New Roman" panose="02020603050405020304" pitchFamily="18" charset="0"/>
               </a:rPr>
-              <a:t> as </a:t>
-            </a:r>
-            <a:r>
-              <a:rPr lang="fr-FR" b="1" dirty="0" err="1">
+              <a:t>as </a:t>
+            </a:r>
+            <a:r xmlns:a="http://schemas.openxmlformats.org/drawingml/2006/main">
+              <a:rPr lang="en" b="1" dirty="0" err="1">
                 <a:latin typeface="Segoe UI" panose="020B0502040204020203" pitchFamily="34" charset="0"/>
                 <a:ea typeface="Calibri" panose="020F0502020204030204" pitchFamily="34" charset="0"/>
                 <a:cs typeface="Times New Roman" panose="02020603050405020304" pitchFamily="18" charset="0"/>
               </a:rPr>
               <a:t>Roles</a:t>
             </a:r>
-            <a:r>
-              <a:rPr lang="fr-FR" b="1" dirty="0">
+            <a:r xmlns:a="http://schemas.openxmlformats.org/drawingml/2006/main">
+              <a:rPr lang="en" b="1" dirty="0">
                 <a:latin typeface="Segoe UI" panose="020B0502040204020203" pitchFamily="34" charset="0"/>
                 <a:ea typeface="Calibri" panose="020F0502020204030204" pitchFamily="34" charset="0"/>
                 <a:cs typeface="Times New Roman" panose="02020603050405020304" pitchFamily="18" charset="0"/>
               </a:rPr>
               <a:t> </a:t>
             </a:r>
-            <a:r>
-              <a:rPr lang="fr-FR" dirty="0">
+            <a:r xmlns:a="http://schemas.openxmlformats.org/drawingml/2006/main">
+              <a:rPr lang="en" dirty="0">
                 <a:latin typeface="Segoe UI" panose="020B0502040204020203" pitchFamily="34" charset="0"/>
                 <a:ea typeface="Calibri" panose="020F0502020204030204" pitchFamily="34" charset="0"/>
                 <a:cs typeface="Times New Roman" panose="02020603050405020304" pitchFamily="18" charset="0"/>
               </a:rPr>
               <a:t>on the </a:t>
             </a:r>
-            <a:r>
-              <a:rPr lang="fr-FR" b="1" dirty="0" err="1">
+            <a:r xmlns:a="http://schemas.openxmlformats.org/drawingml/2006/main">
+              <a:rPr lang="en" b="1" dirty="0" err="1">
                 <a:latin typeface="Segoe UI" panose="020B0502040204020203" pitchFamily="34" charset="0"/>
                 <a:ea typeface="Calibri" panose="020F0502020204030204" pitchFamily="34" charset="0"/>
                 <a:cs typeface="Times New Roman" panose="02020603050405020304" pitchFamily="18" charset="0"/>
               </a:rPr>
-              <a:t>Modeling</a:t>
-            </a:r>
-            <a:r>
-              <a:rPr lang="fr-FR" b="1" dirty="0">
+              <a:t>Modeling </a:t>
+            </a:r>
+            <a:r xmlns:a="http://schemas.openxmlformats.org/drawingml/2006/main">
+              <a:rPr lang="en" b="1" dirty="0">
                 <a:latin typeface="Segoe UI" panose="020B0502040204020203" pitchFamily="34" charset="0"/>
                 <a:ea typeface="Calibri" panose="020F0502020204030204" pitchFamily="34" charset="0"/>
                 <a:cs typeface="Times New Roman" panose="02020603050405020304" pitchFamily="18" charset="0"/>
               </a:rPr>
-              <a:t> tab</a:t>
-            </a:r>
-            <a:r>
-              <a:rPr lang="fr-FR" dirty="0">
+              <a:t>tab</a:t>
+            </a:r>
+            <a:r xmlns:a="http://schemas.openxmlformats.org/drawingml/2006/main">
+              <a:rPr lang="en" dirty="0">
                 <a:latin typeface="Segoe UI" panose="020B0502040204020203" pitchFamily="34" charset="0"/>
                 <a:ea typeface="Calibri" panose="020F0502020204030204" pitchFamily="34" charset="0"/>
                 <a:cs typeface="Times New Roman" panose="02020603050405020304" pitchFamily="18" charset="0"/>
               </a:rPr>
               <a:t> </a:t>
             </a:r>
-            <a:endParaRPr lang="en-US" dirty="0">
+            <a:endParaRPr xmlns:a="http://schemas.openxmlformats.org/drawingml/2006/main" lang="en-US" dirty="0">
               <a:latin typeface="Calibri" panose="020F0502020204030204" pitchFamily="34" charset="0"/>
               <a:ea typeface="Calibri" panose="020F0502020204030204" pitchFamily="34" charset="0"/>
               <a:cs typeface="Times New Roman" panose="02020603050405020304" pitchFamily="18" charset="0"/>
@@ -6630,7 +6630,7 @@
           </a:bodyPr>
           <a:lstStyle/>
           <a:p>
-            <a:pPr lvl="0">
+            <a:pPr xmlns:a="http://schemas.openxmlformats.org/drawingml/2006/main" lvl="0">
               <a:lnSpc>
                 <a:spcPct val="107000"/>
               </a:lnSpc>
@@ -6638,15 +6638,15 @@
                 <a:spcPts val="800"/>
               </a:spcAft>
             </a:pPr>
-            <a:r>
-              <a:rPr lang="en-US" dirty="0" smtClean="0">
+            <a:r xmlns:a="http://schemas.openxmlformats.org/drawingml/2006/main">
+              <a:rPr lang="en" dirty="0" smtClean="0">
                 <a:latin typeface="Segoe UI" panose="020B0502040204020203" pitchFamily="34" charset="0"/>
                 <a:ea typeface="Calibri" panose="020F0502020204030204" pitchFamily="34" charset="0"/>
                 <a:cs typeface="Times New Roman" panose="02020603050405020304" pitchFamily="18" charset="0"/>
               </a:rPr>
               <a:t>Check that no roles are configured now</a:t>
             </a:r>
-            <a:endParaRPr lang="en-US" dirty="0">
+            <a:endParaRPr xmlns:a="http://schemas.openxmlformats.org/drawingml/2006/main" lang="en-US" dirty="0">
               <a:latin typeface="Calibri" panose="020F0502020204030204" pitchFamily="34" charset="0"/>
               <a:ea typeface="Calibri" panose="020F0502020204030204" pitchFamily="34" charset="0"/>
               <a:cs typeface="Times New Roman" panose="02020603050405020304" pitchFamily="18" charset="0"/>
@@ -6748,14 +6748,14 @@
           </a:bodyPr>
           <a:lstStyle/>
           <a:p>
-            <a:r>
-              <a:rPr lang="en-US" sz="2400" dirty="0" smtClean="0">
+            <a:r xmlns:a="http://schemas.openxmlformats.org/drawingml/2006/main">
+              <a:rPr lang="en" sz="2400" dirty="0" smtClean="0">
                 <a:latin typeface="Segoe UI" panose="020B0502040204020203" pitchFamily="34" charset="0"/>
                 <a:cs typeface="Segoe UI" panose="020B0502040204020203" pitchFamily="34" charset="0"/>
               </a:rPr>
               <a:t>Configuring the Row Level Security</a:t>
             </a:r>
-            <a:endParaRPr lang="en-US" sz="2400" dirty="0">
+            <a:endParaRPr xmlns:a="http://schemas.openxmlformats.org/drawingml/2006/main" lang="en-US" sz="2400" dirty="0">
               <a:latin typeface="Segoe UI" panose="020B0502040204020203" pitchFamily="34" charset="0"/>
               <a:cs typeface="Segoe UI" panose="020B0502040204020203" pitchFamily="34" charset="0"/>
             </a:endParaRPr>
@@ -6783,7 +6783,7 @@
           </a:bodyPr>
           <a:lstStyle/>
           <a:p>
-            <a:pPr lvl="0">
+            <a:pPr xmlns:a="http://schemas.openxmlformats.org/drawingml/2006/main" lvl="0">
               <a:lnSpc>
                 <a:spcPct val="107000"/>
               </a:lnSpc>
@@ -6791,47 +6791,47 @@
                 <a:spcPts val="800"/>
               </a:spcAft>
             </a:pPr>
-            <a:r>
-              <a:rPr lang="en-US" dirty="0" smtClean="0">
+            <a:r xmlns:a="http://schemas.openxmlformats.org/drawingml/2006/main">
+              <a:rPr lang="en" dirty="0" smtClean="0">
                 <a:latin typeface="Segoe UI" panose="020B0502040204020203" pitchFamily="34" charset="0"/>
                 <a:ea typeface="Calibri" panose="020F0502020204030204" pitchFamily="34" charset="0"/>
                 <a:cs typeface="Times New Roman" panose="02020603050405020304" pitchFamily="18" charset="0"/>
               </a:rPr>
               <a:t>Select </a:t>
             </a:r>
-            <a:r>
-              <a:rPr lang="en-US" b="1" dirty="0" smtClean="0">
+            <a:r xmlns:a="http://schemas.openxmlformats.org/drawingml/2006/main">
+              <a:rPr lang="en" b="1" dirty="0" smtClean="0">
                 <a:latin typeface="Segoe UI" panose="020B0502040204020203" pitchFamily="34" charset="0"/>
                 <a:ea typeface="Calibri" panose="020F0502020204030204" pitchFamily="34" charset="0"/>
                 <a:cs typeface="Times New Roman" panose="02020603050405020304" pitchFamily="18" charset="0"/>
               </a:rPr>
-              <a:t>Manage roles </a:t>
-            </a:r>
-            <a:r>
-              <a:rPr lang="en-US" dirty="0" smtClean="0">
+              <a:t>Management roles </a:t>
+            </a:r>
+            <a:r xmlns:a="http://schemas.openxmlformats.org/drawingml/2006/main">
+              <a:rPr lang="en" dirty="0" smtClean="0">
                 <a:latin typeface="Segoe UI" panose="020B0502040204020203" pitchFamily="34" charset="0"/>
                 <a:ea typeface="Calibri" panose="020F0502020204030204" pitchFamily="34" charset="0"/>
                 <a:cs typeface="Times New Roman" panose="02020603050405020304" pitchFamily="18" charset="0"/>
               </a:rPr>
               <a:t>under </a:t>
             </a:r>
-            <a:r>
-              <a:rPr lang="en-US" b="1" dirty="0" smtClean="0">
+            <a:r xmlns:a="http://schemas.openxmlformats.org/drawingml/2006/main">
+              <a:rPr lang="en" b="1" dirty="0" smtClean="0">
                 <a:latin typeface="Segoe UI" panose="020B0502040204020203" pitchFamily="34" charset="0"/>
                 <a:ea typeface="Calibri" panose="020F0502020204030204" pitchFamily="34" charset="0"/>
                 <a:cs typeface="Times New Roman" panose="02020603050405020304" pitchFamily="18" charset="0"/>
               </a:rPr>
               <a:t>Modeling </a:t>
             </a:r>
-            <a:r>
-              <a:rPr lang="en-US" dirty="0" smtClean="0">
+            <a:r xmlns:a="http://schemas.openxmlformats.org/drawingml/2006/main">
+              <a:rPr lang="en" dirty="0" smtClean="0">
                 <a:latin typeface="Segoe UI" panose="020B0502040204020203" pitchFamily="34" charset="0"/>
                 <a:ea typeface="Calibri" panose="020F0502020204030204" pitchFamily="34" charset="0"/>
                 <a:cs typeface="Times New Roman" panose="02020603050405020304" pitchFamily="18" charset="0"/>
               </a:rPr>
-              <a:t>tab </a:t>
-            </a:r>
-            <a:endParaRPr lang="en-US" dirty="0">
+              <a:t>tab</a:t>
+            </a:r>
+            <a:endParaRPr xmlns:a="http://schemas.openxmlformats.org/drawingml/2006/main" lang="en-US" dirty="0">
               <a:latin typeface="Calibri" panose="020F0502020204030204" pitchFamily="34" charset="0"/>
               <a:ea typeface="Calibri" panose="020F0502020204030204" pitchFamily="34" charset="0"/>
               <a:cs typeface="Times New Roman" panose="02020603050405020304" pitchFamily="18" charset="0"/>
@@ -7020,7 +7020,7 @@
           </a:bodyPr>
           <a:lstStyle/>
           <a:p>
-            <a:pPr lvl="0">
+            <a:pPr xmlns:a="http://schemas.openxmlformats.org/drawingml/2006/main" lvl="0">
               <a:lnSpc>
                 <a:spcPct val="107000"/>
               </a:lnSpc>
@@ -7028,47 +7028,47 @@
                 <a:spcPts val="800"/>
               </a:spcAft>
             </a:pPr>
-            <a:r>
-              <a:rPr lang="en-US" dirty="0" smtClean="0">
+            <a:r xmlns:a="http://schemas.openxmlformats.org/drawingml/2006/main">
+              <a:rPr lang="en" dirty="0" smtClean="0">
                 <a:latin typeface="Segoe UI" panose="020B0502040204020203" pitchFamily="34" charset="0"/>
                 <a:ea typeface="Calibri" panose="020F0502020204030204" pitchFamily="34" charset="0"/>
                 <a:cs typeface="Times New Roman" panose="02020603050405020304" pitchFamily="18" charset="0"/>
               </a:rPr>
               <a:t>Configure a </a:t>
             </a:r>
-            <a:r>
-              <a:rPr lang="en-US" b="1" dirty="0" smtClean="0">
+            <a:r xmlns:a="http://schemas.openxmlformats.org/drawingml/2006/main">
+              <a:rPr lang="en" b="1" dirty="0" smtClean="0">
                 <a:latin typeface="Segoe UI" panose="020B0502040204020203" pitchFamily="34" charset="0"/>
                 <a:ea typeface="Calibri" panose="020F0502020204030204" pitchFamily="34" charset="0"/>
                 <a:cs typeface="Times New Roman" panose="02020603050405020304" pitchFamily="18" charset="0"/>
               </a:rPr>
               <a:t>Swiss role </a:t>
             </a:r>
-            <a:r>
-              <a:rPr lang="en-US" dirty="0" smtClean="0">
+            <a:r xmlns:a="http://schemas.openxmlformats.org/drawingml/2006/main">
+              <a:rPr lang="en" dirty="0" smtClean="0">
                 <a:latin typeface="Segoe UI" panose="020B0502040204020203" pitchFamily="34" charset="0"/>
                 <a:ea typeface="Calibri" panose="020F0502020204030204" pitchFamily="34" charset="0"/>
                 <a:cs typeface="Times New Roman" panose="02020603050405020304" pitchFamily="18" charset="0"/>
               </a:rPr>
               <a:t>on the table to see only data related to the </a:t>
             </a:r>
-            <a:r>
-              <a:rPr lang="en-US" b="1" dirty="0" err="1" smtClean="0">
+            <a:r xmlns:a="http://schemas.openxmlformats.org/drawingml/2006/main">
+              <a:rPr lang="en" b="1" dirty="0" err="1" smtClean="0">
                 <a:latin typeface="Segoe UI" panose="020B0502040204020203" pitchFamily="34" charset="0"/>
                 <a:ea typeface="Calibri" panose="020F0502020204030204" pitchFamily="34" charset="0"/>
                 <a:cs typeface="Times New Roman" panose="02020603050405020304" pitchFamily="18" charset="0"/>
               </a:rPr>
-              <a:t>Swisse</a:t>
-            </a:r>
-            <a:r>
-              <a:rPr lang="en-US" dirty="0" smtClean="0">
+              <a:t>Swiss </a:t>
+            </a:r>
+            <a:r xmlns:a="http://schemas.openxmlformats.org/drawingml/2006/main">
+              <a:rPr lang="en" dirty="0" smtClean="0">
                 <a:latin typeface="Segoe UI" panose="020B0502040204020203" pitchFamily="34" charset="0"/>
                 <a:ea typeface="Calibri" panose="020F0502020204030204" pitchFamily="34" charset="0"/>
                 <a:cs typeface="Times New Roman" panose="02020603050405020304" pitchFamily="18" charset="0"/>
               </a:rPr>
-              <a:t> country</a:t>
-            </a:r>
-            <a:endParaRPr lang="en-US" dirty="0">
+              <a:t>country</a:t>
+            </a:r>
+            <a:endParaRPr xmlns:a="http://schemas.openxmlformats.org/drawingml/2006/main" lang="en-US" dirty="0">
               <a:latin typeface="Calibri" panose="020F0502020204030204" pitchFamily="34" charset="0"/>
               <a:ea typeface="Calibri" panose="020F0502020204030204" pitchFamily="34" charset="0"/>
               <a:cs typeface="Times New Roman" panose="02020603050405020304" pitchFamily="18" charset="0"/>
@@ -7117,12 +7117,12 @@
           <a:bodyPr rtlCol="0" anchor="ctr"/>
           <a:lstStyle/>
           <a:p>
-            <a:pPr algn="ctr"/>
-            <a:r>
-              <a:rPr lang="fr-FR" b="1" dirty="0" smtClean="0"/>
+            <a:pPr xmlns:a="http://schemas.openxmlformats.org/drawingml/2006/main" algn="ctr"/>
+            <a:r xmlns:a="http://schemas.openxmlformats.org/drawingml/2006/main">
+              <a:rPr lang="en" b="1" dirty="0" smtClean="0"/>
               <a:t>1</a:t>
             </a:r>
-            <a:endParaRPr lang="en-US" b="1" dirty="0"/>
+            <a:endParaRPr xmlns:a="http://schemas.openxmlformats.org/drawingml/2006/main" lang="en-US" b="1" dirty="0"/>
           </a:p>
         </p:txBody>
       </p:sp>
@@ -7167,12 +7167,12 @@
           <a:bodyPr rtlCol="0" anchor="ctr"/>
           <a:lstStyle/>
           <a:p>
-            <a:pPr algn="ctr"/>
-            <a:r>
-              <a:rPr lang="fr-FR" b="1" dirty="0" smtClean="0"/>
+            <a:pPr xmlns:a="http://schemas.openxmlformats.org/drawingml/2006/main" algn="ctr"/>
+            <a:r xmlns:a="http://schemas.openxmlformats.org/drawingml/2006/main">
+              <a:rPr lang="en" b="1" dirty="0" smtClean="0"/>
               <a:t>2</a:t>
             </a:r>
-            <a:endParaRPr lang="en-US" b="1" dirty="0"/>
+            <a:endParaRPr xmlns:a="http://schemas.openxmlformats.org/drawingml/2006/main" lang="en-US" b="1" dirty="0"/>
           </a:p>
         </p:txBody>
       </p:sp>
@@ -7217,12 +7217,12 @@
           <a:bodyPr rtlCol="0" anchor="ctr"/>
           <a:lstStyle/>
           <a:p>
-            <a:pPr algn="ctr"/>
-            <a:r>
-              <a:rPr lang="fr-FR" b="1" dirty="0" smtClean="0"/>
+            <a:pPr xmlns:a="http://schemas.openxmlformats.org/drawingml/2006/main" algn="ctr"/>
+            <a:r xmlns:a="http://schemas.openxmlformats.org/drawingml/2006/main">
+              <a:rPr lang="en" b="1" dirty="0" smtClean="0"/>
               <a:t>3</a:t>
             </a:r>
-            <a:endParaRPr lang="en-US" b="1" dirty="0"/>
+            <a:endParaRPr xmlns:a="http://schemas.openxmlformats.org/drawingml/2006/main" lang="en-US" b="1" dirty="0"/>
           </a:p>
         </p:txBody>
       </p:sp>
@@ -7278,14 +7278,14 @@
           </a:bodyPr>
           <a:lstStyle/>
           <a:p>
-            <a:r>
-              <a:rPr lang="en-US" sz="2400" dirty="0" smtClean="0">
+            <a:r xmlns:a="http://schemas.openxmlformats.org/drawingml/2006/main">
+              <a:rPr lang="en" sz="2400" dirty="0" smtClean="0">
                 <a:latin typeface="Segoe UI" panose="020B0502040204020203" pitchFamily="34" charset="0"/>
                 <a:cs typeface="Segoe UI" panose="020B0502040204020203" pitchFamily="34" charset="0"/>
               </a:rPr>
               <a:t>Configuring the Row Level Security</a:t>
             </a:r>
-            <a:endParaRPr lang="en-US" sz="2400" dirty="0">
+            <a:endParaRPr xmlns:a="http://schemas.openxmlformats.org/drawingml/2006/main" lang="en-US" sz="2400" dirty="0">
               <a:latin typeface="Segoe UI" panose="020B0502040204020203" pitchFamily="34" charset="0"/>
               <a:cs typeface="Segoe UI" panose="020B0502040204020203" pitchFamily="34" charset="0"/>
             </a:endParaRPr>
@@ -7313,7 +7313,7 @@
           </a:bodyPr>
           <a:lstStyle/>
           <a:p>
-            <a:pPr lvl="0">
+            <a:pPr xmlns:a="http://schemas.openxmlformats.org/drawingml/2006/main" lvl="0">
               <a:lnSpc>
                 <a:spcPct val="107000"/>
               </a:lnSpc>
@@ -7321,47 +7321,47 @@
                 <a:spcPts val="800"/>
               </a:spcAft>
             </a:pPr>
-            <a:r>
-              <a:rPr lang="en-US" dirty="0" smtClean="0">
+            <a:r xmlns:a="http://schemas.openxmlformats.org/drawingml/2006/main">
+              <a:rPr lang="en" dirty="0" smtClean="0">
                 <a:latin typeface="Segoe UI" panose="020B0502040204020203" pitchFamily="34" charset="0"/>
                 <a:ea typeface="Calibri" panose="020F0502020204030204" pitchFamily="34" charset="0"/>
                 <a:cs typeface="Times New Roman" panose="02020603050405020304" pitchFamily="18" charset="0"/>
               </a:rPr>
               <a:t>Return to menu </a:t>
             </a:r>
-            <a:r>
-              <a:rPr lang="en-US" b="1" dirty="0" smtClean="0">
+            <a:r xmlns:a="http://schemas.openxmlformats.org/drawingml/2006/main">
+              <a:rPr lang="en" b="1" dirty="0" smtClean="0">
                 <a:latin typeface="Segoe UI" panose="020B0502040204020203" pitchFamily="34" charset="0"/>
                 <a:ea typeface="Calibri" panose="020F0502020204030204" pitchFamily="34" charset="0"/>
                 <a:cs typeface="Times New Roman" panose="02020603050405020304" pitchFamily="18" charset="0"/>
               </a:rPr>
               <a:t>View as roles </a:t>
             </a:r>
-            <a:r>
-              <a:rPr lang="en-US" dirty="0" smtClean="0">
+            <a:r xmlns:a="http://schemas.openxmlformats.org/drawingml/2006/main">
+              <a:rPr lang="en" dirty="0" smtClean="0">
                 <a:latin typeface="Segoe UI" panose="020B0502040204020203" pitchFamily="34" charset="0"/>
                 <a:ea typeface="Calibri" panose="020F0502020204030204" pitchFamily="34" charset="0"/>
                 <a:cs typeface="Times New Roman" panose="02020603050405020304" pitchFamily="18" charset="0"/>
               </a:rPr>
               <a:t>and notice that the new role has just been added, select the new role and then click </a:t>
             </a:r>
-            <a:r>
-              <a:rPr lang="en-US" b="1" dirty="0" smtClean="0">
+            <a:r xmlns:a="http://schemas.openxmlformats.org/drawingml/2006/main">
+              <a:rPr lang="en" b="1" dirty="0" smtClean="0">
                 <a:latin typeface="Segoe UI" panose="020B0502040204020203" pitchFamily="34" charset="0"/>
                 <a:ea typeface="Calibri" panose="020F0502020204030204" pitchFamily="34" charset="0"/>
                 <a:cs typeface="Times New Roman" panose="02020603050405020304" pitchFamily="18" charset="0"/>
               </a:rPr>
               <a:t>OK</a:t>
             </a:r>
-            <a:r>
-              <a:rPr lang="en-US" dirty="0" smtClean="0">
+            <a:r xmlns:a="http://schemas.openxmlformats.org/drawingml/2006/main">
+              <a:rPr lang="en" dirty="0" smtClean="0">
                 <a:latin typeface="Segoe UI" panose="020B0502040204020203" pitchFamily="34" charset="0"/>
                 <a:ea typeface="Calibri" panose="020F0502020204030204" pitchFamily="34" charset="0"/>
                 <a:cs typeface="Times New Roman" panose="02020603050405020304" pitchFamily="18" charset="0"/>
               </a:rPr>
               <a:t> </a:t>
             </a:r>
-            <a:endParaRPr lang="en-US" dirty="0">
+            <a:endParaRPr xmlns:a="http://schemas.openxmlformats.org/drawingml/2006/main" lang="en-US" dirty="0">
               <a:latin typeface="Calibri" panose="020F0502020204030204" pitchFamily="34" charset="0"/>
               <a:ea typeface="Calibri" panose="020F0502020204030204" pitchFamily="34" charset="0"/>
               <a:cs typeface="Times New Roman" panose="02020603050405020304" pitchFamily="18" charset="0"/>
@@ -7547,14 +7547,14 @@
           </a:bodyPr>
           <a:lstStyle/>
           <a:p>
-            <a:r>
-              <a:rPr lang="en-US" sz="2400" dirty="0" smtClean="0">
+            <a:r xmlns:a="http://schemas.openxmlformats.org/drawingml/2006/main">
+              <a:rPr lang="en" sz="2400" dirty="0" smtClean="0">
                 <a:latin typeface="Segoe UI" panose="020B0502040204020203" pitchFamily="34" charset="0"/>
                 <a:cs typeface="Segoe UI" panose="020B0502040204020203" pitchFamily="34" charset="0"/>
               </a:rPr>
               <a:t>Configuring the Row Level Security</a:t>
             </a:r>
-            <a:endParaRPr lang="en-US" sz="2400" dirty="0">
+            <a:endParaRPr xmlns:a="http://schemas.openxmlformats.org/drawingml/2006/main" lang="en-US" sz="2400" dirty="0">
               <a:latin typeface="Segoe UI" panose="020B0502040204020203" pitchFamily="34" charset="0"/>
               <a:cs typeface="Segoe UI" panose="020B0502040204020203" pitchFamily="34" charset="0"/>
             </a:endParaRPr>
@@ -7582,7 +7582,7 @@
           </a:bodyPr>
           <a:lstStyle/>
           <a:p>
-            <a:pPr lvl="0">
+            <a:pPr xmlns:a="http://schemas.openxmlformats.org/drawingml/2006/main" lvl="0">
               <a:lnSpc>
                 <a:spcPct val="107000"/>
               </a:lnSpc>
@@ -7590,31 +7590,31 @@
                 <a:spcPts val="800"/>
               </a:spcAft>
             </a:pPr>
-            <a:r>
-              <a:rPr lang="en-US" dirty="0" smtClean="0">
+            <a:r xmlns:a="http://schemas.openxmlformats.org/drawingml/2006/main">
+              <a:rPr lang="en" dirty="0" smtClean="0">
                 <a:latin typeface="Segoe UI" panose="020B0502040204020203" pitchFamily="34" charset="0"/>
                 <a:ea typeface="Calibri" panose="020F0502020204030204" pitchFamily="34" charset="0"/>
                 <a:cs typeface="Times New Roman" panose="02020603050405020304" pitchFamily="18" charset="0"/>
               </a:rPr>
               <a:t>Note that only data related to </a:t>
             </a:r>
-            <a:r>
-              <a:rPr lang="en-US" dirty="0" err="1" smtClean="0">
+            <a:r xmlns:a="http://schemas.openxmlformats.org/drawingml/2006/main">
+              <a:rPr lang="en" dirty="0" err="1" smtClean="0">
                 <a:latin typeface="Segoe UI" panose="020B0502040204020203" pitchFamily="34" charset="0"/>
                 <a:ea typeface="Calibri" panose="020F0502020204030204" pitchFamily="34" charset="0"/>
                 <a:cs typeface="Times New Roman" panose="02020603050405020304" pitchFamily="18" charset="0"/>
               </a:rPr>
-              <a:t>Swisse</a:t>
-            </a:r>
-            <a:r>
-              <a:rPr lang="en-US" dirty="0" smtClean="0">
+              <a:t>Swisse </a:t>
+            </a:r>
+            <a:r xmlns:a="http://schemas.openxmlformats.org/drawingml/2006/main">
+              <a:rPr lang="en" dirty="0" smtClean="0">
                 <a:latin typeface="Segoe UI" panose="020B0502040204020203" pitchFamily="34" charset="0"/>
                 <a:ea typeface="Calibri" panose="020F0502020204030204" pitchFamily="34" charset="0"/>
                 <a:cs typeface="Times New Roman" panose="02020603050405020304" pitchFamily="18" charset="0"/>
               </a:rPr>
-              <a:t> is shown in the report</a:t>
-            </a:r>
-            <a:endParaRPr lang="en-US" dirty="0">
+              <a:t>is shown in the report</a:t>
+            </a:r>
+            <a:endParaRPr xmlns:a="http://schemas.openxmlformats.org/drawingml/2006/main" lang="en-US" dirty="0">
               <a:latin typeface="Calibri" panose="020F0502020204030204" pitchFamily="34" charset="0"/>
               <a:ea typeface="Calibri" panose="020F0502020204030204" pitchFamily="34" charset="0"/>
               <a:cs typeface="Times New Roman" panose="02020603050405020304" pitchFamily="18" charset="0"/>

--- a/English/7.Power BI Services/4.Configuring the Row Level Security.pptx
+++ b/English/7.Power BI Services/4.Configuring the Row Level Security.pptx
@@ -210,7 +210,7 @@
           <a:p>
             <a:fld id="{056BA3B8-9F76-4D81-B71D-76CB85363062}" type="datetimeFigureOut">
               <a:rPr lang="en-US" smtClean="0"/>
-              <a:t>1/6/2025</a:t>
+              <a:t>4/3/2025</a:t>
             </a:fld>
             <a:endParaRPr lang="en-US"/>
           </a:p>
@@ -609,7 +609,7 @@
           <a:p>
             <a:fld id="{6F01DA4D-20EA-48D2-973C-0311EC3005D6}" type="datetimeFigureOut">
               <a:rPr lang="en-US" smtClean="0"/>
-              <a:t>1/6/2025</a:t>
+              <a:t>4/3/2025</a:t>
             </a:fld>
             <a:endParaRPr lang="en-US"/>
           </a:p>
@@ -779,7 +779,7 @@
           <a:p>
             <a:fld id="{6F01DA4D-20EA-48D2-973C-0311EC3005D6}" type="datetimeFigureOut">
               <a:rPr lang="en-US" smtClean="0"/>
-              <a:t>1/6/2025</a:t>
+              <a:t>4/3/2025</a:t>
             </a:fld>
             <a:endParaRPr lang="en-US"/>
           </a:p>
@@ -959,7 +959,7 @@
           <a:p>
             <a:fld id="{6F01DA4D-20EA-48D2-973C-0311EC3005D6}" type="datetimeFigureOut">
               <a:rPr lang="en-US" smtClean="0"/>
-              <a:t>1/6/2025</a:t>
+              <a:t>4/3/2025</a:t>
             </a:fld>
             <a:endParaRPr lang="en-US"/>
           </a:p>
@@ -1129,7 +1129,7 @@
           <a:p>
             <a:fld id="{6F01DA4D-20EA-48D2-973C-0311EC3005D6}" type="datetimeFigureOut">
               <a:rPr lang="en-US" smtClean="0"/>
-              <a:t>1/6/2025</a:t>
+              <a:t>4/3/2025</a:t>
             </a:fld>
             <a:endParaRPr lang="en-US"/>
           </a:p>
@@ -1375,7 +1375,7 @@
           <a:p>
             <a:fld id="{6F01DA4D-20EA-48D2-973C-0311EC3005D6}" type="datetimeFigureOut">
               <a:rPr lang="en-US" smtClean="0"/>
-              <a:t>1/6/2025</a:t>
+              <a:t>4/3/2025</a:t>
             </a:fld>
             <a:endParaRPr lang="en-US"/>
           </a:p>
@@ -1607,7 +1607,7 @@
           <a:p>
             <a:fld id="{6F01DA4D-20EA-48D2-973C-0311EC3005D6}" type="datetimeFigureOut">
               <a:rPr lang="en-US" smtClean="0"/>
-              <a:t>1/6/2025</a:t>
+              <a:t>4/3/2025</a:t>
             </a:fld>
             <a:endParaRPr lang="en-US"/>
           </a:p>
@@ -1974,7 +1974,7 @@
           <a:p>
             <a:fld id="{6F01DA4D-20EA-48D2-973C-0311EC3005D6}" type="datetimeFigureOut">
               <a:rPr lang="en-US" smtClean="0"/>
-              <a:t>1/6/2025</a:t>
+              <a:t>4/3/2025</a:t>
             </a:fld>
             <a:endParaRPr lang="en-US"/>
           </a:p>
@@ -2092,7 +2092,7 @@
           <a:p>
             <a:fld id="{6F01DA4D-20EA-48D2-973C-0311EC3005D6}" type="datetimeFigureOut">
               <a:rPr lang="en-US" smtClean="0"/>
-              <a:t>1/6/2025</a:t>
+              <a:t>4/3/2025</a:t>
             </a:fld>
             <a:endParaRPr lang="en-US"/>
           </a:p>
@@ -2187,7 +2187,7 @@
           <a:p>
             <a:fld id="{6F01DA4D-20EA-48D2-973C-0311EC3005D6}" type="datetimeFigureOut">
               <a:rPr lang="en-US" smtClean="0"/>
-              <a:t>1/6/2025</a:t>
+              <a:t>4/3/2025</a:t>
             </a:fld>
             <a:endParaRPr lang="en-US"/>
           </a:p>
@@ -2464,7 +2464,7 @@
           <a:p>
             <a:fld id="{6F01DA4D-20EA-48D2-973C-0311EC3005D6}" type="datetimeFigureOut">
               <a:rPr lang="en-US" smtClean="0"/>
-              <a:t>1/6/2025</a:t>
+              <a:t>4/3/2025</a:t>
             </a:fld>
             <a:endParaRPr lang="en-US"/>
           </a:p>
@@ -2717,7 +2717,7 @@
           <a:p>
             <a:fld id="{6F01DA4D-20EA-48D2-973C-0311EC3005D6}" type="datetimeFigureOut">
               <a:rPr lang="en-US" smtClean="0"/>
-              <a:t>1/6/2025</a:t>
+              <a:t>4/3/2025</a:t>
             </a:fld>
             <a:endParaRPr lang="en-US"/>
           </a:p>
@@ -2930,7 +2930,7 @@
           <a:p>
             <a:fld id="{6F01DA4D-20EA-48D2-973C-0311EC3005D6}" type="datetimeFigureOut">
               <a:rPr lang="en-US" smtClean="0"/>
-              <a:t>1/6/2025</a:t>
+              <a:t>4/3/2025</a:t>
             </a:fld>
             <a:endParaRPr lang="en-US"/>
           </a:p>
@@ -3351,7 +3351,7 @@
         </p:nvSpPr>
         <p:spPr>
           <a:xfrm>
-            <a:off x="2679722" y="1418026"/>
+            <a:off x="2668434" y="1367227"/>
             <a:ext cx="6515375" cy="3416320"/>
           </a:xfrm>
           <a:prstGeom prst="rect">
@@ -3365,19 +3365,8 @@
           </a:bodyPr>
           <a:lstStyle/>
           <a:p>
-            <a:pPr xmlns:a="http://schemas.openxmlformats.org/drawingml/2006/main" algn="ctr"/>
-            <a:r xmlns:a="http://schemas.openxmlformats.org/drawingml/2006/main">
-              <a:rPr lang="en" sz="7200" b="1" dirty="0" err="1" smtClean="0">
-                <a:solidFill>
-                  <a:srgbClr val="7030A0"/>
-                </a:solidFill>
-                <a:latin typeface="Segoe UI" panose="020B0502040204020203" pitchFamily="34" charset="0"/>
-                <a:ea typeface="Verdana" panose="020B0604030504040204" pitchFamily="34" charset="0"/>
-                <a:cs typeface="Segoe UI" panose="020B0502040204020203" pitchFamily="34" charset="0"/>
-              </a:rPr>
-              <a:t>Configuration</a:t>
-            </a:r>
-            <a:r xmlns:a="http://schemas.openxmlformats.org/drawingml/2006/main">
+            <a:pPr algn="ctr"/>
+            <a:r>
               <a:rPr lang="en" sz="7200" b="1" dirty="0" smtClean="0">
                 <a:solidFill>
                   <a:srgbClr val="7030A0"/>
@@ -3386,20 +3375,9 @@
                 <a:ea typeface="Verdana" panose="020B0604030504040204" pitchFamily="34" charset="0"/>
                 <a:cs typeface="Segoe UI" panose="020B0502040204020203" pitchFamily="34" charset="0"/>
               </a:rPr>
-              <a:t> </a:t>
-            </a:r>
-            <a:r xmlns:a="http://schemas.openxmlformats.org/drawingml/2006/main">
-              <a:rPr lang="en" sz="7200" b="1" dirty="0" err="1" smtClean="0">
-                <a:solidFill>
-                  <a:srgbClr val="7030A0"/>
-                </a:solidFill>
-                <a:latin typeface="Segoe UI" panose="020B0502040204020203" pitchFamily="34" charset="0"/>
-                <a:ea typeface="Verdana" panose="020B0604030504040204" pitchFamily="34" charset="0"/>
-                <a:cs typeface="Segoe UI" panose="020B0502040204020203" pitchFamily="34" charset="0"/>
-              </a:rPr>
-              <a:t>Row</a:t>
-            </a:r>
-            <a:r xmlns:a="http://schemas.openxmlformats.org/drawingml/2006/main">
+              <a:t>Row </a:t>
+            </a:r>
+            <a:r>
               <a:rPr lang="en" sz="7200" b="1" dirty="0" smtClean="0">
                 <a:solidFill>
                   <a:srgbClr val="7030A0"/>
@@ -3408,20 +3386,9 @@
                 <a:ea typeface="Verdana" panose="020B0604030504040204" pitchFamily="34" charset="0"/>
                 <a:cs typeface="Segoe UI" panose="020B0502040204020203" pitchFamily="34" charset="0"/>
               </a:rPr>
-              <a:t> </a:t>
-            </a:r>
-            <a:r xmlns:a="http://schemas.openxmlformats.org/drawingml/2006/main">
-              <a:rPr lang="en" sz="7200" b="1" dirty="0" err="1" smtClean="0">
-                <a:solidFill>
-                  <a:srgbClr val="7030A0"/>
-                </a:solidFill>
-                <a:latin typeface="Segoe UI" panose="020B0502040204020203" pitchFamily="34" charset="0"/>
-                <a:ea typeface="Verdana" panose="020B0604030504040204" pitchFamily="34" charset="0"/>
-                <a:cs typeface="Segoe UI" panose="020B0502040204020203" pitchFamily="34" charset="0"/>
-              </a:rPr>
               <a:t>Level </a:t>
             </a:r>
-            <a:r xmlns:a="http://schemas.openxmlformats.org/drawingml/2006/main">
+            <a:r>
               <a:rPr lang="en" sz="7200" b="1" dirty="0" smtClean="0">
                 <a:solidFill>
                   <a:srgbClr val="7030A0"/>
@@ -3432,7 +3399,21 @@
               </a:rPr>
               <a:t>Security</a:t>
             </a:r>
-            <a:endParaRPr xmlns:a="http://schemas.openxmlformats.org/drawingml/2006/main" lang="en-US" sz="7200" b="1" dirty="0">
+          </a:p>
+          <a:p>
+            <a:pPr algn="ctr"/>
+            <a:r>
+              <a:rPr lang="en" sz="7200" b="1" dirty="0">
+                <a:solidFill>
+                  <a:srgbClr val="7030A0"/>
+                </a:solidFill>
+                <a:latin typeface="Segoe UI" panose="020B0502040204020203" pitchFamily="34" charset="0"/>
+                <a:ea typeface="Verdana" panose="020B0604030504040204" pitchFamily="34" charset="0"/>
+                <a:cs typeface="Segoe UI" panose="020B0502040204020203" pitchFamily="34" charset="0"/>
+              </a:rPr>
+              <a:t>configuration</a:t>
+            </a:r>
+            <a:endParaRPr lang="en-US" sz="7200" b="1" dirty="0">
               <a:solidFill>
                 <a:srgbClr val="7030A0"/>
               </a:solidFill>
@@ -3451,7 +3432,7 @@
         </p:nvSpPr>
         <p:spPr>
           <a:xfrm>
-            <a:off x="2679721" y="1361581"/>
+            <a:off x="2623277" y="1367227"/>
             <a:ext cx="6515375" cy="3416320"/>
           </a:xfrm>
           <a:prstGeom prst="rect">
@@ -3465,19 +3446,8 @@
           </a:bodyPr>
           <a:lstStyle/>
           <a:p>
-            <a:pPr xmlns:a="http://schemas.openxmlformats.org/drawingml/2006/main" algn="ctr"/>
-            <a:r xmlns:a="http://schemas.openxmlformats.org/drawingml/2006/main">
-              <a:rPr lang="en" sz="7200" b="1" dirty="0" err="1" smtClean="0">
-                <a:solidFill>
-                  <a:schemeClr val="bg1"/>
-                </a:solidFill>
-                <a:latin typeface="Segoe UI" panose="020B0502040204020203" pitchFamily="34" charset="0"/>
-                <a:ea typeface="Verdana" panose="020B0604030504040204" pitchFamily="34" charset="0"/>
-                <a:cs typeface="Segoe UI" panose="020B0502040204020203" pitchFamily="34" charset="0"/>
-              </a:rPr>
-              <a:t>Configuration</a:t>
-            </a:r>
-            <a:r xmlns:a="http://schemas.openxmlformats.org/drawingml/2006/main">
+            <a:pPr algn="ctr"/>
+            <a:r>
               <a:rPr lang="en" sz="7200" b="1" dirty="0" smtClean="0">
                 <a:solidFill>
                   <a:schemeClr val="bg1"/>
@@ -3486,20 +3456,9 @@
                 <a:ea typeface="Verdana" panose="020B0604030504040204" pitchFamily="34" charset="0"/>
                 <a:cs typeface="Segoe UI" panose="020B0502040204020203" pitchFamily="34" charset="0"/>
               </a:rPr>
-              <a:t> </a:t>
-            </a:r>
-            <a:r xmlns:a="http://schemas.openxmlformats.org/drawingml/2006/main">
-              <a:rPr lang="en" sz="7200" b="1" dirty="0" err="1" smtClean="0">
-                <a:solidFill>
-                  <a:schemeClr val="bg1"/>
-                </a:solidFill>
-                <a:latin typeface="Segoe UI" panose="020B0502040204020203" pitchFamily="34" charset="0"/>
-                <a:ea typeface="Verdana" panose="020B0604030504040204" pitchFamily="34" charset="0"/>
-                <a:cs typeface="Segoe UI" panose="020B0502040204020203" pitchFamily="34" charset="0"/>
-              </a:rPr>
-              <a:t>Row</a:t>
-            </a:r>
-            <a:r xmlns:a="http://schemas.openxmlformats.org/drawingml/2006/main">
+              <a:t>Row </a:t>
+            </a:r>
+            <a:r>
               <a:rPr lang="en" sz="7200" b="1" dirty="0" smtClean="0">
                 <a:solidFill>
                   <a:schemeClr val="bg1"/>
@@ -3508,20 +3467,9 @@
                 <a:ea typeface="Verdana" panose="020B0604030504040204" pitchFamily="34" charset="0"/>
                 <a:cs typeface="Segoe UI" panose="020B0502040204020203" pitchFamily="34" charset="0"/>
               </a:rPr>
-              <a:t> </a:t>
-            </a:r>
-            <a:r xmlns:a="http://schemas.openxmlformats.org/drawingml/2006/main">
-              <a:rPr lang="en" sz="7200" b="1" dirty="0" err="1" smtClean="0">
-                <a:solidFill>
-                  <a:schemeClr val="bg1"/>
-                </a:solidFill>
-                <a:latin typeface="Segoe UI" panose="020B0502040204020203" pitchFamily="34" charset="0"/>
-                <a:ea typeface="Verdana" panose="020B0604030504040204" pitchFamily="34" charset="0"/>
-                <a:cs typeface="Segoe UI" panose="020B0502040204020203" pitchFamily="34" charset="0"/>
-              </a:rPr>
               <a:t>Level </a:t>
             </a:r>
-            <a:r xmlns:a="http://schemas.openxmlformats.org/drawingml/2006/main">
+            <a:r>
               <a:rPr lang="en" sz="7200" b="1" dirty="0" smtClean="0">
                 <a:solidFill>
                   <a:schemeClr val="bg1"/>
@@ -3532,7 +3480,21 @@
               </a:rPr>
               <a:t>Security</a:t>
             </a:r>
-            <a:endParaRPr xmlns:a="http://schemas.openxmlformats.org/drawingml/2006/main" lang="en-US" sz="7200" b="1" dirty="0">
+          </a:p>
+          <a:p>
+            <a:pPr algn="ctr"/>
+            <a:r>
+              <a:rPr lang="en" sz="7200" b="1" dirty="0" smtClean="0">
+                <a:solidFill>
+                  <a:schemeClr val="bg1"/>
+                </a:solidFill>
+                <a:latin typeface="Segoe UI" panose="020B0502040204020203" pitchFamily="34" charset="0"/>
+                <a:ea typeface="Verdana" panose="020B0604030504040204" pitchFamily="34" charset="0"/>
+                <a:cs typeface="Segoe UI" panose="020B0502040204020203" pitchFamily="34" charset="0"/>
+              </a:rPr>
+              <a:t>configuration</a:t>
+            </a:r>
+            <a:endParaRPr lang="en-US" sz="7200" b="1" dirty="0">
               <a:solidFill>
                 <a:schemeClr val="bg1"/>
               </a:solidFill>
@@ -3595,14 +3557,14 @@
           </a:bodyPr>
           <a:lstStyle/>
           <a:p>
-            <a:r xmlns:a="http://schemas.openxmlformats.org/drawingml/2006/main">
+            <a:r>
               <a:rPr lang="en" sz="2400" dirty="0" smtClean="0">
                 <a:latin typeface="Segoe UI" panose="020B0502040204020203" pitchFamily="34" charset="0"/>
                 <a:cs typeface="Segoe UI" panose="020B0502040204020203" pitchFamily="34" charset="0"/>
               </a:rPr>
               <a:t>Configuring the Row Level Security</a:t>
             </a:r>
-            <a:endParaRPr xmlns:a="http://schemas.openxmlformats.org/drawingml/2006/main" lang="en-US" sz="2400" dirty="0">
+            <a:endParaRPr lang="en-US" sz="2400" dirty="0">
               <a:latin typeface="Segoe UI" panose="020B0502040204020203" pitchFamily="34" charset="0"/>
               <a:cs typeface="Segoe UI" panose="020B0502040204020203" pitchFamily="34" charset="0"/>
             </a:endParaRPr>
@@ -3630,7 +3592,7 @@
           </a:bodyPr>
           <a:lstStyle/>
           <a:p>
-            <a:pPr xmlns:a="http://schemas.openxmlformats.org/drawingml/2006/main" lvl="0">
+            <a:pPr lvl="0">
               <a:lnSpc>
                 <a:spcPct val="107000"/>
               </a:lnSpc>
@@ -3638,7 +3600,7 @@
                 <a:spcPts val="800"/>
               </a:spcAft>
             </a:pPr>
-            <a:r xmlns:a="http://schemas.openxmlformats.org/drawingml/2006/main">
+            <a:r>
               <a:rPr lang="en" dirty="0">
                 <a:latin typeface="Segoe UI" panose="020B0502040204020203" pitchFamily="34" charset="0"/>
                 <a:ea typeface="Calibri" panose="020F0502020204030204" pitchFamily="34" charset="0"/>
@@ -3646,7 +3608,7 @@
               </a:rPr>
               <a:t>Restart report publication </a:t>
             </a:r>
-            <a:r xmlns:a="http://schemas.openxmlformats.org/drawingml/2006/main">
+            <a:r>
               <a:rPr lang="en" dirty="0" err="1">
                 <a:latin typeface="Segoe UI" panose="020B0502040204020203" pitchFamily="34" charset="0"/>
                 <a:ea typeface="Calibri" panose="020F0502020204030204" pitchFamily="34" charset="0"/>
@@ -3654,7 +3616,7 @@
               </a:rPr>
               <a:t>with</a:t>
             </a:r>
-            <a:r xmlns:a="http://schemas.openxmlformats.org/drawingml/2006/main">
+            <a:r>
               <a:rPr lang="en" dirty="0">
                 <a:latin typeface="Segoe UI" panose="020B0502040204020203" pitchFamily="34" charset="0"/>
                 <a:ea typeface="Calibri" panose="020F0502020204030204" pitchFamily="34" charset="0"/>
@@ -3662,7 +3624,7 @@
               </a:rPr>
               <a:t> </a:t>
             </a:r>
-            <a:r xmlns:a="http://schemas.openxmlformats.org/drawingml/2006/main">
+            <a:r>
               <a:rPr lang="en" b="1" dirty="0" err="1">
                 <a:latin typeface="Segoe UI" panose="020B0502040204020203" pitchFamily="34" charset="0"/>
                 <a:ea typeface="Calibri" panose="020F0502020204030204" pitchFamily="34" charset="0"/>
@@ -3670,7 +3632,7 @@
               </a:rPr>
               <a:t>Swiss</a:t>
             </a:r>
-            <a:r xmlns:a="http://schemas.openxmlformats.org/drawingml/2006/main">
+            <a:r>
               <a:rPr lang="en" b="1" dirty="0">
                 <a:latin typeface="Segoe UI" panose="020B0502040204020203" pitchFamily="34" charset="0"/>
                 <a:ea typeface="Calibri" panose="020F0502020204030204" pitchFamily="34" charset="0"/>
@@ -3678,7 +3640,7 @@
               </a:rPr>
               <a:t> </a:t>
             </a:r>
-            <a:r xmlns:a="http://schemas.openxmlformats.org/drawingml/2006/main">
+            <a:r>
               <a:rPr lang="en" b="1" dirty="0" err="1">
                 <a:latin typeface="Segoe UI" panose="020B0502040204020203" pitchFamily="34" charset="0"/>
                 <a:ea typeface="Calibri" panose="020F0502020204030204" pitchFamily="34" charset="0"/>
@@ -3686,7 +3648,7 @@
               </a:rPr>
               <a:t>role</a:t>
             </a:r>
-            <a:r xmlns:a="http://schemas.openxmlformats.org/drawingml/2006/main">
+            <a:r>
               <a:rPr lang="en" b="1" dirty="0">
                 <a:latin typeface="Segoe UI" panose="020B0502040204020203" pitchFamily="34" charset="0"/>
                 <a:ea typeface="Calibri" panose="020F0502020204030204" pitchFamily="34" charset="0"/>
@@ -3694,7 +3656,7 @@
               </a:rPr>
               <a:t> </a:t>
             </a:r>
-            <a:r xmlns:a="http://schemas.openxmlformats.org/drawingml/2006/main">
+            <a:r>
               <a:rPr lang="en" dirty="0" err="1">
                 <a:latin typeface="Segoe UI" panose="020B0502040204020203" pitchFamily="34" charset="0"/>
                 <a:ea typeface="Calibri" panose="020F0502020204030204" pitchFamily="34" charset="0"/>
@@ -3702,7 +3664,7 @@
               </a:rPr>
               <a:t>configured </a:t>
             </a:r>
-            <a:r xmlns:a="http://schemas.openxmlformats.org/drawingml/2006/main">
+            <a:r>
               <a:rPr lang="en" dirty="0">
                 <a:latin typeface="Segoe UI" panose="020B0502040204020203" pitchFamily="34" charset="0"/>
                 <a:ea typeface="Calibri" panose="020F0502020204030204" pitchFamily="34" charset="0"/>
@@ -3710,7 +3672,7 @@
               </a:rPr>
               <a:t>, replace </a:t>
             </a:r>
-            <a:r xmlns:a="http://schemas.openxmlformats.org/drawingml/2006/main">
+            <a:r>
               <a:rPr lang="en" b="1" dirty="0" err="1">
                 <a:latin typeface="Segoe UI" panose="020B0502040204020203" pitchFamily="34" charset="0"/>
                 <a:ea typeface="Calibri" panose="020F0502020204030204" pitchFamily="34" charset="0"/>
@@ -3718,7 +3680,7 @@
               </a:rPr>
               <a:t>DataSet</a:t>
             </a:r>
-            <a:r xmlns:a="http://schemas.openxmlformats.org/drawingml/2006/main">
+            <a:r>
               <a:rPr lang="en" b="1" dirty="0">
                 <a:latin typeface="Segoe UI" panose="020B0502040204020203" pitchFamily="34" charset="0"/>
                 <a:ea typeface="Calibri" panose="020F0502020204030204" pitchFamily="34" charset="0"/>
@@ -3726,7 +3688,7 @@
               </a:rPr>
               <a:t> </a:t>
             </a:r>
-            <a:r xmlns:a="http://schemas.openxmlformats.org/drawingml/2006/main">
+            <a:r>
               <a:rPr lang="en" dirty="0" err="1">
                 <a:latin typeface="Segoe UI" panose="020B0502040204020203" pitchFamily="34" charset="0"/>
                 <a:ea typeface="Calibri" panose="020F0502020204030204" pitchFamily="34" charset="0"/>
@@ -3734,7 +3696,7 @@
               </a:rPr>
               <a:t>during </a:t>
             </a:r>
-            <a:r xmlns:a="http://schemas.openxmlformats.org/drawingml/2006/main">
+            <a:r>
               <a:rPr lang="en" dirty="0">
                 <a:latin typeface="Segoe UI" panose="020B0502040204020203" pitchFamily="34" charset="0"/>
                 <a:ea typeface="Calibri" panose="020F0502020204030204" pitchFamily="34" charset="0"/>
@@ -3742,7 +3704,7 @@
               </a:rPr>
               <a:t>publication</a:t>
             </a:r>
-            <a:endParaRPr xmlns:a="http://schemas.openxmlformats.org/drawingml/2006/main" lang="en-US" dirty="0">
+            <a:endParaRPr lang="en-US" dirty="0">
               <a:latin typeface="Calibri" panose="020F0502020204030204" pitchFamily="34" charset="0"/>
               <a:ea typeface="Calibri" panose="020F0502020204030204" pitchFamily="34" charset="0"/>
               <a:cs typeface="Times New Roman" panose="02020603050405020304" pitchFamily="18" charset="0"/>
@@ -3844,14 +3806,14 @@
           </a:bodyPr>
           <a:lstStyle/>
           <a:p>
-            <a:r xmlns:a="http://schemas.openxmlformats.org/drawingml/2006/main">
+            <a:r>
               <a:rPr lang="en" sz="2400" dirty="0" smtClean="0">
                 <a:latin typeface="Segoe UI" panose="020B0502040204020203" pitchFamily="34" charset="0"/>
                 <a:cs typeface="Segoe UI" panose="020B0502040204020203" pitchFamily="34" charset="0"/>
               </a:rPr>
               <a:t>Configuring the Row Level Security</a:t>
             </a:r>
-            <a:endParaRPr xmlns:a="http://schemas.openxmlformats.org/drawingml/2006/main" lang="en-US" sz="2400" dirty="0">
+            <a:endParaRPr lang="en-US" sz="2400" dirty="0">
               <a:latin typeface="Segoe UI" panose="020B0502040204020203" pitchFamily="34" charset="0"/>
               <a:cs typeface="Segoe UI" panose="020B0502040204020203" pitchFamily="34" charset="0"/>
             </a:endParaRPr>
@@ -3879,7 +3841,7 @@
           </a:bodyPr>
           <a:lstStyle/>
           <a:p>
-            <a:pPr xmlns:a="http://schemas.openxmlformats.org/drawingml/2006/main">
+            <a:pPr>
               <a:lnSpc>
                 <a:spcPct val="107000"/>
               </a:lnSpc>
@@ -3887,7 +3849,7 @@
                 <a:spcPts val="800"/>
               </a:spcAft>
             </a:pPr>
-            <a:r xmlns:a="http://schemas.openxmlformats.org/drawingml/2006/main">
+            <a:r>
               <a:rPr lang="en" dirty="0">
                 <a:latin typeface="Segoe UI" panose="020B0502040204020203" pitchFamily="34" charset="0"/>
                 <a:ea typeface="Calibri" panose="020F0502020204030204" pitchFamily="34" charset="0"/>
@@ -3895,7 +3857,7 @@
               </a:rPr>
               <a:t>Click the three dots next to the </a:t>
             </a:r>
-            <a:r xmlns:a="http://schemas.openxmlformats.org/drawingml/2006/main">
+            <a:r>
               <a:rPr lang="en" dirty="0" err="1">
                 <a:latin typeface="Segoe UI" panose="020B0502040204020203" pitchFamily="34" charset="0"/>
                 <a:ea typeface="Calibri" panose="020F0502020204030204" pitchFamily="34" charset="0"/>
@@ -3903,7 +3865,7 @@
               </a:rPr>
               <a:t>DataSet </a:t>
             </a:r>
-            <a:r xmlns:a="http://schemas.openxmlformats.org/drawingml/2006/main">
+            <a:r>
               <a:rPr lang="en" dirty="0">
                 <a:latin typeface="Segoe UI" panose="020B0502040204020203" pitchFamily="34" charset="0"/>
                 <a:ea typeface="Calibri" panose="020F0502020204030204" pitchFamily="34" charset="0"/>
@@ -3911,7 +3873,7 @@
               </a:rPr>
               <a:t>item in the workspace under </a:t>
             </a:r>
-            <a:r xmlns:a="http://schemas.openxmlformats.org/drawingml/2006/main">
+            <a:r>
               <a:rPr lang="en" b="1" dirty="0">
                 <a:latin typeface="Segoe UI" panose="020B0502040204020203" pitchFamily="34" charset="0"/>
                 <a:ea typeface="Calibri" panose="020F0502020204030204" pitchFamily="34" charset="0"/>
@@ -3919,7 +3881,7 @@
               </a:rPr>
               <a:t>Power BI </a:t>
             </a:r>
-            <a:r xmlns:a="http://schemas.openxmlformats.org/drawingml/2006/main">
+            <a:r>
               <a:rPr lang="en" b="1" dirty="0" smtClean="0">
                 <a:latin typeface="Segoe UI" panose="020B0502040204020203" pitchFamily="34" charset="0"/>
                 <a:ea typeface="Calibri" panose="020F0502020204030204" pitchFamily="34" charset="0"/>
@@ -3927,7 +3889,7 @@
               </a:rPr>
               <a:t>Services </a:t>
             </a:r>
-            <a:r xmlns:a="http://schemas.openxmlformats.org/drawingml/2006/main">
+            <a:r>
               <a:rPr lang="en" dirty="0" smtClean="0">
                 <a:latin typeface="Segoe UI" panose="020B0502040204020203" pitchFamily="34" charset="0"/>
                 <a:ea typeface="Calibri" panose="020F0502020204030204" pitchFamily="34" charset="0"/>
@@ -3935,7 +3897,7 @@
               </a:rPr>
               <a:t>and </a:t>
             </a:r>
-            <a:r xmlns:a="http://schemas.openxmlformats.org/drawingml/2006/main">
+            <a:r>
               <a:rPr lang="en" dirty="0">
                 <a:latin typeface="Segoe UI" panose="020B0502040204020203" pitchFamily="34" charset="0"/>
                 <a:ea typeface="Calibri" panose="020F0502020204030204" pitchFamily="34" charset="0"/>
@@ -3943,7 +3905,7 @@
               </a:rPr>
               <a:t>select </a:t>
             </a:r>
-            <a:r xmlns:a="http://schemas.openxmlformats.org/drawingml/2006/main">
+            <a:r>
               <a:rPr lang="en" b="1" dirty="0">
                 <a:latin typeface="Segoe UI" panose="020B0502040204020203" pitchFamily="34" charset="0"/>
                 <a:ea typeface="Calibri" panose="020F0502020204030204" pitchFamily="34" charset="0"/>
@@ -3951,7 +3913,7 @@
               </a:rPr>
               <a:t>Security</a:t>
             </a:r>
-            <a:r xmlns:a="http://schemas.openxmlformats.org/drawingml/2006/main">
+            <a:r>
               <a:rPr lang="en" dirty="0">
                 <a:latin typeface="Segoe UI" panose="020B0502040204020203" pitchFamily="34" charset="0"/>
                 <a:ea typeface="Calibri" panose="020F0502020204030204" pitchFamily="34" charset="0"/>
@@ -3959,7 +3921,7 @@
               </a:rPr>
               <a:t> </a:t>
             </a:r>
-            <a:endParaRPr xmlns:a="http://schemas.openxmlformats.org/drawingml/2006/main" lang="en-US" dirty="0">
+            <a:endParaRPr lang="en-US" dirty="0">
               <a:latin typeface="Calibri" panose="020F0502020204030204" pitchFamily="34" charset="0"/>
               <a:ea typeface="Calibri" panose="020F0502020204030204" pitchFamily="34" charset="0"/>
               <a:cs typeface="Times New Roman" panose="02020603050405020304" pitchFamily="18" charset="0"/>
@@ -4116,14 +4078,14 @@
           </a:bodyPr>
           <a:lstStyle/>
           <a:p>
-            <a:r xmlns:a="http://schemas.openxmlformats.org/drawingml/2006/main">
+            <a:r>
               <a:rPr lang="en" sz="2400" dirty="0" smtClean="0">
                 <a:latin typeface="Segoe UI" panose="020B0502040204020203" pitchFamily="34" charset="0"/>
                 <a:cs typeface="Segoe UI" panose="020B0502040204020203" pitchFamily="34" charset="0"/>
               </a:rPr>
               <a:t>Configuring the Row Level Security</a:t>
             </a:r>
-            <a:endParaRPr xmlns:a="http://schemas.openxmlformats.org/drawingml/2006/main" lang="en-US" sz="2400" dirty="0">
+            <a:endParaRPr lang="en-US" sz="2400" dirty="0">
               <a:latin typeface="Segoe UI" panose="020B0502040204020203" pitchFamily="34" charset="0"/>
               <a:cs typeface="Segoe UI" panose="020B0502040204020203" pitchFamily="34" charset="0"/>
             </a:endParaRPr>
@@ -4151,7 +4113,7 @@
           </a:bodyPr>
           <a:lstStyle/>
           <a:p>
-            <a:pPr xmlns:a="http://schemas.openxmlformats.org/drawingml/2006/main" lvl="0">
+            <a:pPr lvl="0">
               <a:lnSpc>
                 <a:spcPct val="107000"/>
               </a:lnSpc>
@@ -4159,7 +4121,7 @@
                 <a:spcPts val="800"/>
               </a:spcAft>
             </a:pPr>
-            <a:r xmlns:a="http://schemas.openxmlformats.org/drawingml/2006/main">
+            <a:r>
               <a:rPr lang="en" dirty="0">
                 <a:latin typeface="Segoe UI" panose="020B0502040204020203" pitchFamily="34" charset="0"/>
                 <a:ea typeface="Calibri" panose="020F0502020204030204" pitchFamily="34" charset="0"/>
@@ -4167,7 +4129,7 @@
               </a:rPr>
               <a:t>Note that in case no RLS configuration is made the interface is</a:t>
             </a:r>
-            <a:endParaRPr xmlns:a="http://schemas.openxmlformats.org/drawingml/2006/main" lang="en-US" dirty="0">
+            <a:endParaRPr lang="en-US" dirty="0">
               <a:latin typeface="Calibri" panose="020F0502020204030204" pitchFamily="34" charset="0"/>
               <a:ea typeface="Calibri" panose="020F0502020204030204" pitchFamily="34" charset="0"/>
               <a:cs typeface="Times New Roman" panose="02020603050405020304" pitchFamily="18" charset="0"/>
@@ -4235,7 +4197,7 @@
           </a:bodyPr>
           <a:lstStyle/>
           <a:p>
-            <a:pPr xmlns:a="http://schemas.openxmlformats.org/drawingml/2006/main">
+            <a:pPr>
               <a:lnSpc>
                 <a:spcPct val="107000"/>
               </a:lnSpc>
@@ -4243,7 +4205,7 @@
                 <a:spcPts val="800"/>
               </a:spcAft>
             </a:pPr>
-            <a:r xmlns:a="http://schemas.openxmlformats.org/drawingml/2006/main">
+            <a:r>
               <a:rPr lang="en" dirty="0">
                 <a:latin typeface="Segoe UI" panose="020B0502040204020203" pitchFamily="34" charset="0"/>
                 <a:ea typeface="Calibri" panose="020F0502020204030204" pitchFamily="34" charset="0"/>
@@ -4251,7 +4213,7 @@
               </a:rPr>
               <a:t>Note that after RLS configuration the interface </a:t>
             </a:r>
-            <a:r xmlns:a="http://schemas.openxmlformats.org/drawingml/2006/main">
+            <a:r>
               <a:rPr lang="en" dirty="0" smtClean="0">
                 <a:latin typeface="Segoe UI" panose="020B0502040204020203" pitchFamily="34" charset="0"/>
                 <a:ea typeface="Calibri" panose="020F0502020204030204" pitchFamily="34" charset="0"/>
@@ -4259,28 +4221,28 @@
               </a:rPr>
               <a:t>changes, </a:t>
             </a:r>
-            <a:r xmlns:a="http://schemas.openxmlformats.org/drawingml/2006/main">
+            <a:r>
               <a:rPr lang="en" dirty="0" smtClean="0">
                 <a:latin typeface="Segoe UI" panose="020B0502040204020203" pitchFamily="34" charset="0"/>
                 <a:cs typeface="Segoe UI" panose="020B0502040204020203" pitchFamily="34" charset="0"/>
               </a:rPr>
               <a:t>map </a:t>
             </a:r>
-            <a:r xmlns:a="http://schemas.openxmlformats.org/drawingml/2006/main">
+            <a:r>
               <a:rPr lang="en" dirty="0">
                 <a:latin typeface="Segoe UI" panose="020B0502040204020203" pitchFamily="34" charset="0"/>
                 <a:cs typeface="Segoe UI" panose="020B0502040204020203" pitchFamily="34" charset="0"/>
               </a:rPr>
               <a:t>the </a:t>
             </a:r>
-            <a:r xmlns:a="http://schemas.openxmlformats.org/drawingml/2006/main">
+            <a:r>
               <a:rPr lang="en" b="1" dirty="0">
                 <a:latin typeface="Segoe UI" panose="020B0502040204020203" pitchFamily="34" charset="0"/>
                 <a:cs typeface="Segoe UI" panose="020B0502040204020203" pitchFamily="34" charset="0"/>
               </a:rPr>
               <a:t>Swiss role </a:t>
             </a:r>
-            <a:r xmlns:a="http://schemas.openxmlformats.org/drawingml/2006/main">
+            <a:r>
               <a:rPr lang="en" dirty="0">
                 <a:latin typeface="Segoe UI" panose="020B0502040204020203" pitchFamily="34" charset="0"/>
                 <a:cs typeface="Segoe UI" panose="020B0502040204020203" pitchFamily="34" charset="0"/>
@@ -4381,14 +4343,14 @@
           </a:bodyPr>
           <a:lstStyle/>
           <a:p>
-            <a:r xmlns:a="http://schemas.openxmlformats.org/drawingml/2006/main">
+            <a:r>
               <a:rPr lang="en" sz="2400" dirty="0" smtClean="0">
                 <a:latin typeface="Segoe UI" panose="020B0502040204020203" pitchFamily="34" charset="0"/>
                 <a:cs typeface="Segoe UI" panose="020B0502040204020203" pitchFamily="34" charset="0"/>
               </a:rPr>
               <a:t>Configuring the Row Level Security</a:t>
             </a:r>
-            <a:endParaRPr xmlns:a="http://schemas.openxmlformats.org/drawingml/2006/main" lang="en-US" sz="2400" dirty="0">
+            <a:endParaRPr lang="en-US" sz="2400" dirty="0">
               <a:latin typeface="Segoe UI" panose="020B0502040204020203" pitchFamily="34" charset="0"/>
               <a:cs typeface="Segoe UI" panose="020B0502040204020203" pitchFamily="34" charset="0"/>
             </a:endParaRPr>
@@ -4416,7 +4378,7 @@
           </a:bodyPr>
           <a:lstStyle/>
           <a:p>
-            <a:pPr xmlns:a="http://schemas.openxmlformats.org/drawingml/2006/main">
+            <a:pPr>
               <a:lnSpc>
                 <a:spcPct val="107000"/>
               </a:lnSpc>
@@ -4424,7 +4386,7 @@
                 <a:spcPts val="800"/>
               </a:spcAft>
             </a:pPr>
-            <a:r xmlns:a="http://schemas.openxmlformats.org/drawingml/2006/main">
+            <a:r>
               <a:rPr lang="en" dirty="0">
                 <a:latin typeface="Segoe UI" panose="020B0502040204020203" pitchFamily="34" charset="0"/>
                 <a:ea typeface="Calibri" panose="020F0502020204030204" pitchFamily="34" charset="0"/>
@@ -4432,7 +4394,7 @@
               </a:rPr>
               <a:t>Share the report with </a:t>
             </a:r>
-            <a:r xmlns:a="http://schemas.openxmlformats.org/drawingml/2006/main">
+            <a:r>
               <a:rPr lang="en" dirty="0" smtClean="0">
                 <a:latin typeface="Segoe UI" panose="020B0502040204020203" pitchFamily="34" charset="0"/>
                 <a:ea typeface="Calibri" panose="020F0502020204030204" pitchFamily="34" charset="0"/>
@@ -4440,34 +4402,34 @@
               </a:rPr>
               <a:t>that user then </a:t>
             </a:r>
-            <a:r xmlns:a="http://schemas.openxmlformats.org/drawingml/2006/main">
+            <a:r>
               <a:rPr lang="en" dirty="0">
                 <a:latin typeface="Segoe UI" panose="020B0502040204020203" pitchFamily="34" charset="0"/>
                 <a:cs typeface="Segoe UI" panose="020B0502040204020203" pitchFamily="34" charset="0"/>
               </a:rPr>
               <a:t>log </a:t>
             </a:r>
-            <a:r xmlns:a="http://schemas.openxmlformats.org/drawingml/2006/main">
+            <a:r>
               <a:rPr lang="en" dirty="0" smtClean="0">
                 <a:latin typeface="Segoe UI" panose="020B0502040204020203" pitchFamily="34" charset="0"/>
                 <a:cs typeface="Segoe UI" panose="020B0502040204020203" pitchFamily="34" charset="0"/>
               </a:rPr>
               <a:t>in </a:t>
             </a:r>
-            <a:r xmlns:a="http://schemas.openxmlformats.org/drawingml/2006/main">
+            <a:r>
               <a:rPr lang="en" dirty="0">
                 <a:latin typeface="Segoe UI" panose="020B0502040204020203" pitchFamily="34" charset="0"/>
                 <a:cs typeface="Segoe UI" panose="020B0502040204020203" pitchFamily="34" charset="0"/>
               </a:rPr>
               <a:t>with the user in question in a browser in private mode to test</a:t>
             </a:r>
-            <a:endParaRPr xmlns:a="http://schemas.openxmlformats.org/drawingml/2006/main" lang="en-US" dirty="0" smtClean="0">
+            <a:endParaRPr lang="en-US" dirty="0" smtClean="0">
               <a:latin typeface="Segoe UI" panose="020B0502040204020203" pitchFamily="34" charset="0"/>
               <a:cs typeface="Segoe UI" panose="020B0502040204020203" pitchFamily="34" charset="0"/>
             </a:endParaRPr>
           </a:p>
           <a:p>
-            <a:pPr xmlns:a="http://schemas.openxmlformats.org/drawingml/2006/main">
+            <a:pPr>
               <a:lnSpc>
                 <a:spcPct val="107000"/>
               </a:lnSpc>
@@ -4475,14 +4437,14 @@
                 <a:spcPts val="800"/>
               </a:spcAft>
             </a:pPr>
-            <a:r xmlns:a="http://schemas.openxmlformats.org/drawingml/2006/main">
+            <a:r>
               <a:rPr lang="en" dirty="0" smtClean="0">
                 <a:latin typeface="Segoe UI" panose="020B0502040204020203" pitchFamily="34" charset="0"/>
                 <a:cs typeface="Segoe UI" panose="020B0502040204020203" pitchFamily="34" charset="0"/>
               </a:rPr>
               <a:t>the </a:t>
             </a:r>
-            <a:r xmlns:a="http://schemas.openxmlformats.org/drawingml/2006/main">
+            <a:r>
               <a:rPr lang="en" dirty="0">
                 <a:latin typeface="Segoe UI" panose="020B0502040204020203" pitchFamily="34" charset="0"/>
                 <a:cs typeface="Segoe UI" panose="020B0502040204020203" pitchFamily="34" charset="0"/>
@@ -4645,7 +4607,7 @@
           </a:bodyPr>
           <a:lstStyle/>
           <a:p>
-            <a:r xmlns:a="http://schemas.openxmlformats.org/drawingml/2006/main">
+            <a:r>
               <a:rPr lang="en" sz="9600" b="1" dirty="0" smtClean="0">
                 <a:solidFill>
                   <a:srgbClr val="7030A0"/>
@@ -4656,7 +4618,7 @@
               </a:rPr>
               <a:t>Thank you</a:t>
             </a:r>
-            <a:endParaRPr xmlns:a="http://schemas.openxmlformats.org/drawingml/2006/main" lang="en-US" sz="9600" b="1" dirty="0">
+            <a:endParaRPr lang="en-US" sz="9600" b="1" dirty="0">
               <a:solidFill>
                 <a:srgbClr val="7030A0"/>
               </a:solidFill>
@@ -4689,7 +4651,7 @@
           </a:bodyPr>
           <a:lstStyle/>
           <a:p>
-            <a:r xmlns:a="http://schemas.openxmlformats.org/drawingml/2006/main">
+            <a:r>
               <a:rPr lang="en" sz="9600" b="1" dirty="0" smtClean="0">
                 <a:solidFill>
                   <a:schemeClr val="bg1"/>
@@ -4700,7 +4662,7 @@
               </a:rPr>
               <a:t>Thank you</a:t>
             </a:r>
-            <a:endParaRPr xmlns:a="http://schemas.openxmlformats.org/drawingml/2006/main" lang="en-US" sz="9600" b="1" dirty="0">
+            <a:endParaRPr lang="en-US" sz="9600" b="1" dirty="0">
               <a:solidFill>
                 <a:schemeClr val="bg1"/>
               </a:solidFill>
@@ -4763,14 +4725,14 @@
           </a:bodyPr>
           <a:lstStyle/>
           <a:p>
-            <a:r xmlns:a="http://schemas.openxmlformats.org/drawingml/2006/main">
+            <a:r>
               <a:rPr lang="en" sz="2400" dirty="0" smtClean="0">
                 <a:latin typeface="Segoe UI" panose="020B0502040204020203" pitchFamily="34" charset="0"/>
                 <a:cs typeface="Segoe UI" panose="020B0502040204020203" pitchFamily="34" charset="0"/>
               </a:rPr>
               <a:t>Configuring the Row Level Security</a:t>
             </a:r>
-            <a:endParaRPr xmlns:a="http://schemas.openxmlformats.org/drawingml/2006/main" lang="en-US" sz="2400" dirty="0">
+            <a:endParaRPr lang="en-US" sz="2400" dirty="0">
               <a:latin typeface="Segoe UI" panose="020B0502040204020203" pitchFamily="34" charset="0"/>
               <a:cs typeface="Segoe UI" panose="020B0502040204020203" pitchFamily="34" charset="0"/>
             </a:endParaRPr>
@@ -4798,7 +4760,7 @@
           </a:bodyPr>
           <a:lstStyle/>
           <a:p>
-            <a:pPr xmlns:a="http://schemas.openxmlformats.org/drawingml/2006/main">
+            <a:pPr>
               <a:lnSpc>
                 <a:spcPct val="107000"/>
               </a:lnSpc>
@@ -4809,7 +4771,7 @@
                 <a:spcPts val="0"/>
               </a:spcAft>
             </a:pPr>
-            <a:r xmlns:a="http://schemas.openxmlformats.org/drawingml/2006/main">
+            <a:r>
               <a:rPr lang="en" b="1" kern="0" dirty="0" smtClean="0">
                 <a:latin typeface="Segoe UI" panose="020B0502040204020203" pitchFamily="34" charset="0"/>
                 <a:ea typeface="Times New Roman" panose="02020603050405020304" pitchFamily="18" charset="0"/>
@@ -4817,7 +4779,7 @@
               </a:rPr>
               <a:t>Note: </a:t>
             </a:r>
-            <a:r xmlns:a="http://schemas.openxmlformats.org/drawingml/2006/main">
+            <a:r>
               <a:rPr lang="en" kern="0" dirty="0" smtClean="0">
                 <a:latin typeface="Segoe UI" panose="020B0502040204020203" pitchFamily="34" charset="0"/>
                 <a:ea typeface="Times New Roman" panose="02020603050405020304" pitchFamily="18" charset="0"/>
@@ -4825,7 +4787,7 @@
               </a:rPr>
               <a:t>This lab requires a </a:t>
             </a:r>
-            <a:r xmlns:a="http://schemas.openxmlformats.org/drawingml/2006/main">
+            <a:r>
               <a:rPr lang="en" b="1" kern="0" dirty="0" smtClean="0">
                 <a:latin typeface="Segoe UI" panose="020B0502040204020203" pitchFamily="34" charset="0"/>
                 <a:ea typeface="Times New Roman" panose="02020603050405020304" pitchFamily="18" charset="0"/>
@@ -4833,7 +4795,7 @@
               </a:rPr>
               <a:t>Power BI Services account </a:t>
             </a:r>
-            <a:r xmlns:a="http://schemas.openxmlformats.org/drawingml/2006/main">
+            <a:r>
               <a:rPr lang="en" u="sng" kern="0" dirty="0" smtClean="0">
                 <a:latin typeface="Segoe UI" panose="020B0502040204020203" pitchFamily="34" charset="0"/>
                 <a:ea typeface="Times New Roman" panose="02020603050405020304" pitchFamily="18" charset="0"/>
@@ -4841,7 +4803,7 @@
               </a:rPr>
               <a:t>with administrator privileges </a:t>
             </a:r>
-            <a:r xmlns:a="http://schemas.openxmlformats.org/drawingml/2006/main">
+            <a:r>
               <a:rPr lang="en" kern="0" dirty="0" smtClean="0">
                 <a:latin typeface="Segoe UI" panose="020B0502040204020203" pitchFamily="34" charset="0"/>
                 <a:ea typeface="Times New Roman" panose="02020603050405020304" pitchFamily="18" charset="0"/>
@@ -4849,7 +4811,7 @@
               </a:rPr>
               <a:t>and the file </a:t>
             </a:r>
-            <a:r xmlns:a="http://schemas.openxmlformats.org/drawingml/2006/main">
+            <a:r>
               <a:rPr lang="en" b="1" kern="0" dirty="0" smtClean="0">
                 <a:latin typeface="Segoe UI" panose="020B0502040204020203" pitchFamily="34" charset="0"/>
                 <a:ea typeface="Times New Roman" panose="02020603050405020304" pitchFamily="18" charset="0"/>
@@ -4857,7 +4819,7 @@
               </a:rPr>
               <a:t>VenteParPaysEu.xlsx </a:t>
             </a:r>
-            <a:r xmlns:a="http://schemas.openxmlformats.org/drawingml/2006/main">
+            <a:r>
               <a:rPr lang="en" kern="0" dirty="0" smtClean="0">
                 <a:latin typeface="Segoe UI" panose="020B0502040204020203" pitchFamily="34" charset="0"/>
                 <a:ea typeface="Times New Roman" panose="02020603050405020304" pitchFamily="18" charset="0"/>
@@ -4865,7 +4827,7 @@
               </a:rPr>
               <a:t>in the </a:t>
             </a:r>
-            <a:r xmlns:a="http://schemas.openxmlformats.org/drawingml/2006/main">
+            <a:r>
               <a:rPr lang="en" b="1" kern="0" dirty="0" smtClean="0">
                 <a:latin typeface="Segoe UI" panose="020B0502040204020203" pitchFamily="34" charset="0"/>
                 <a:ea typeface="Times New Roman" panose="02020603050405020304" pitchFamily="18" charset="0"/>
@@ -4873,7 +4835,7 @@
               </a:rPr>
               <a:t>Excel Files </a:t>
             </a:r>
-            <a:r xmlns:a="http://schemas.openxmlformats.org/drawingml/2006/main">
+            <a:r>
               <a:rPr lang="en" kern="0" dirty="0" smtClean="0">
                 <a:latin typeface="Segoe UI" panose="020B0502040204020203" pitchFamily="34" charset="0"/>
                 <a:ea typeface="Times New Roman" panose="02020603050405020304" pitchFamily="18" charset="0"/>
@@ -4881,7 +4843,7 @@
               </a:rPr>
               <a:t>Folder</a:t>
             </a:r>
-            <a:endParaRPr xmlns:a="http://schemas.openxmlformats.org/drawingml/2006/main" lang="en-US" sz="2800" b="1" kern="0" dirty="0">
+            <a:endParaRPr lang="en-US" sz="2800" b="1" kern="0" dirty="0">
               <a:effectLst/>
               <a:latin typeface="Segoe UI" panose="020B0502040204020203" pitchFamily="34" charset="0"/>
               <a:ea typeface="Times New Roman" panose="02020603050405020304" pitchFamily="18" charset="0"/>
@@ -4911,7 +4873,7 @@
           </a:bodyPr>
           <a:lstStyle/>
           <a:p>
-            <a:pPr xmlns:a="http://schemas.openxmlformats.org/drawingml/2006/main" lvl="0">
+            <a:pPr lvl="0">
               <a:lnSpc>
                 <a:spcPct val="107000"/>
               </a:lnSpc>
@@ -4919,7 +4881,7 @@
                 <a:spcPts val="800"/>
               </a:spcAft>
             </a:pPr>
-            <a:r xmlns:a="http://schemas.openxmlformats.org/drawingml/2006/main">
+            <a:r>
               <a:rPr lang="en" dirty="0" smtClean="0">
                 <a:latin typeface="Segoe UI" panose="020B0502040204020203" pitchFamily="34" charset="0"/>
                 <a:ea typeface="Calibri" panose="020F0502020204030204" pitchFamily="34" charset="0"/>
@@ -4927,7 +4889,7 @@
               </a:rPr>
               <a:t>Start by loading the </a:t>
             </a:r>
-            <a:r xmlns:a="http://schemas.openxmlformats.org/drawingml/2006/main">
+            <a:r>
               <a:rPr lang="en" b="1" dirty="0" err="1" smtClean="0">
                 <a:latin typeface="Segoe UI" panose="020B0502040204020203" pitchFamily="34" charset="0"/>
                 <a:ea typeface="Calibri" panose="020F0502020204030204" pitchFamily="34" charset="0"/>
@@ -4935,7 +4897,7 @@
               </a:rPr>
               <a:t>Sales </a:t>
             </a:r>
-            <a:r xmlns:a="http://schemas.openxmlformats.org/drawingml/2006/main">
+            <a:r>
               <a:rPr lang="en" dirty="0" smtClean="0">
                 <a:latin typeface="Segoe UI" panose="020B0502040204020203" pitchFamily="34" charset="0"/>
                 <a:ea typeface="Calibri" panose="020F0502020204030204" pitchFamily="34" charset="0"/>
@@ -4943,7 +4905,7 @@
               </a:rPr>
               <a:t>table</a:t>
             </a:r>
-            <a:endParaRPr xmlns:a="http://schemas.openxmlformats.org/drawingml/2006/main" lang="en-US" dirty="0">
+            <a:endParaRPr lang="en-US" dirty="0">
               <a:latin typeface="Calibri" panose="020F0502020204030204" pitchFamily="34" charset="0"/>
               <a:ea typeface="Calibri" panose="020F0502020204030204" pitchFamily="34" charset="0"/>
               <a:cs typeface="Times New Roman" panose="02020603050405020304" pitchFamily="18" charset="0"/>
@@ -5037,14 +4999,14 @@
           </a:bodyPr>
           <a:lstStyle/>
           <a:p>
-            <a:r xmlns:a="http://schemas.openxmlformats.org/drawingml/2006/main">
+            <a:r>
               <a:rPr lang="en" sz="2400" dirty="0" smtClean="0">
                 <a:latin typeface="Segoe UI" panose="020B0502040204020203" pitchFamily="34" charset="0"/>
                 <a:cs typeface="Segoe UI" panose="020B0502040204020203" pitchFamily="34" charset="0"/>
               </a:rPr>
               <a:t>Configuring the Row Level Security</a:t>
             </a:r>
-            <a:endParaRPr xmlns:a="http://schemas.openxmlformats.org/drawingml/2006/main" lang="en-US" sz="2400" dirty="0">
+            <a:endParaRPr lang="en-US" sz="2400" dirty="0">
               <a:latin typeface="Segoe UI" panose="020B0502040204020203" pitchFamily="34" charset="0"/>
               <a:cs typeface="Segoe UI" panose="020B0502040204020203" pitchFamily="34" charset="0"/>
             </a:endParaRPr>
@@ -5072,7 +5034,7 @@
           </a:bodyPr>
           <a:lstStyle/>
           <a:p>
-            <a:pPr xmlns:a="http://schemas.openxmlformats.org/drawingml/2006/main" lvl="0">
+            <a:pPr lvl="0">
               <a:lnSpc>
                 <a:spcPct val="107000"/>
               </a:lnSpc>
@@ -5080,7 +5042,7 @@
                 <a:spcPts val="800"/>
               </a:spcAft>
             </a:pPr>
-            <a:r xmlns:a="http://schemas.openxmlformats.org/drawingml/2006/main">
+            <a:r>
               <a:rPr lang="en" dirty="0" smtClean="0">
                 <a:latin typeface="Segoe UI" panose="020B0502040204020203" pitchFamily="34" charset="0"/>
                 <a:ea typeface="Calibri" panose="020F0502020204030204" pitchFamily="34" charset="0"/>
@@ -5088,7 +5050,7 @@
               </a:rPr>
               <a:t>Add visuals at the report level and create simple report</a:t>
             </a:r>
-            <a:endParaRPr xmlns:a="http://schemas.openxmlformats.org/drawingml/2006/main" lang="en-US" dirty="0">
+            <a:endParaRPr lang="en-US" dirty="0">
               <a:latin typeface="Calibri" panose="020F0502020204030204" pitchFamily="34" charset="0"/>
               <a:ea typeface="Calibri" panose="020F0502020204030204" pitchFamily="34" charset="0"/>
               <a:cs typeface="Times New Roman" panose="02020603050405020304" pitchFamily="18" charset="0"/>
@@ -5226,14 +5188,14 @@
           </a:bodyPr>
           <a:lstStyle/>
           <a:p>
-            <a:r xmlns:a="http://schemas.openxmlformats.org/drawingml/2006/main">
+            <a:r>
               <a:rPr lang="en" sz="2400" dirty="0" smtClean="0">
                 <a:latin typeface="Segoe UI" panose="020B0502040204020203" pitchFamily="34" charset="0"/>
                 <a:cs typeface="Segoe UI" panose="020B0502040204020203" pitchFamily="34" charset="0"/>
               </a:rPr>
               <a:t>Configuring the Row Level Security</a:t>
             </a:r>
-            <a:endParaRPr xmlns:a="http://schemas.openxmlformats.org/drawingml/2006/main" lang="en-US" sz="2400" dirty="0">
+            <a:endParaRPr lang="en-US" sz="2400" dirty="0">
               <a:latin typeface="Segoe UI" panose="020B0502040204020203" pitchFamily="34" charset="0"/>
               <a:cs typeface="Segoe UI" panose="020B0502040204020203" pitchFamily="34" charset="0"/>
             </a:endParaRPr>
@@ -5449,7 +5411,7 @@
           </a:bodyPr>
           <a:lstStyle/>
           <a:p>
-            <a:pPr xmlns:a="http://schemas.openxmlformats.org/drawingml/2006/main" marL="0" marR="0" lvl="0" indent="0" algn="l" defTabSz="914400" rtl="0" eaLnBrk="0" fontAlgn="base" latinLnBrk="0" hangingPunct="0">
+            <a:pPr marL="0" marR="0" lvl="0" indent="0" algn="l" defTabSz="914400" rtl="0" eaLnBrk="0" fontAlgn="base" latinLnBrk="0" hangingPunct="0">
               <a:lnSpc>
                 <a:spcPct val="100000"/>
               </a:lnSpc>
@@ -5465,7 +5427,7 @@
               <a:buNone/>
               <a:tabLst/>
             </a:pPr>
-            <a:r xmlns:a="http://schemas.openxmlformats.org/drawingml/2006/main">
+            <a:r>
               <a:rPr kumimoji="0" lang="en" altLang="en-US" b="0" i="0" u="none" strike="noStrike" cap="none" normalizeH="0" baseline="0" dirty="0" err="1" smtClean="0">
                 <a:ln>
                   <a:noFill/>
@@ -5480,7 +5442,7 @@
               </a:rPr>
               <a:t>Publish </a:t>
             </a:r>
-            <a:r xmlns:a="http://schemas.openxmlformats.org/drawingml/2006/main">
+            <a:r>
               <a:rPr kumimoji="0" lang="en" altLang="en-US" b="0" i="0" u="none" strike="noStrike" cap="none" normalizeH="0" baseline="0" dirty="0" smtClean="0">
                 <a:ln>
                   <a:noFill/>
@@ -5495,7 +5457,7 @@
               </a:rPr>
               <a:t>the report to Power BI Service by </a:t>
             </a:r>
-            <a:r xmlns:a="http://schemas.openxmlformats.org/drawingml/2006/main">
+            <a:r>
               <a:rPr kumimoji="0" lang="en" altLang="en-US" b="0" i="0" u="none" strike="noStrike" cap="none" normalizeH="0" baseline="0" dirty="0" err="1" smtClean="0">
                 <a:ln>
                   <a:noFill/>
@@ -5510,7 +5472,7 @@
               </a:rPr>
               <a:t>clicking</a:t>
             </a:r>
-            <a:r xmlns:a="http://schemas.openxmlformats.org/drawingml/2006/main">
+            <a:r>
               <a:rPr kumimoji="0" lang="en" altLang="en-US" b="0" i="0" u="none" strike="noStrike" cap="none" normalizeH="0" baseline="0" dirty="0" smtClean="0">
                 <a:ln>
                   <a:noFill/>
@@ -5525,7 +5487,7 @@
               </a:rPr>
               <a:t> </a:t>
             </a:r>
-            <a:r xmlns:a="http://schemas.openxmlformats.org/drawingml/2006/main">
+            <a:r>
               <a:rPr kumimoji="0" lang="en" altLang="en-US" b="1" i="0" u="none" strike="noStrike" cap="none" normalizeH="0" baseline="0" dirty="0" err="1" smtClean="0">
                 <a:ln>
                   <a:noFill/>
@@ -5540,7 +5502,7 @@
               </a:rPr>
               <a:t>Publish</a:t>
             </a:r>
-            <a:r xmlns:a="http://schemas.openxmlformats.org/drawingml/2006/main">
+            <a:r>
               <a:rPr kumimoji="0" lang="en" altLang="en-US" b="1" i="0" u="none" strike="noStrike" cap="none" normalizeH="0" baseline="0" dirty="0" smtClean="0">
                 <a:ln>
                   <a:noFill/>
@@ -5555,7 +5517,7 @@
               </a:rPr>
               <a:t> </a:t>
             </a:r>
-            <a:r xmlns:a="http://schemas.openxmlformats.org/drawingml/2006/main">
+            <a:r>
               <a:rPr kumimoji="0" lang="en" altLang="en-US" b="0" i="0" u="none" strike="noStrike" cap="none" normalizeH="0" baseline="0" dirty="0" smtClean="0">
                 <a:ln>
                   <a:noFill/>
@@ -5570,7 +5532,7 @@
               </a:rPr>
               <a:t>at the top right</a:t>
             </a:r>
-            <a:endParaRPr xmlns:a="http://schemas.openxmlformats.org/drawingml/2006/main" kumimoji="0" lang="fr-FR" altLang="en-US" b="0" i="0" u="none" strike="noStrike" cap="none" normalizeH="0" baseline="0" dirty="0" smtClean="0">
+            <a:endParaRPr kumimoji="0" lang="fr-FR" altLang="en-US" b="0" i="0" u="none" strike="noStrike" cap="none" normalizeH="0" baseline="0" dirty="0" smtClean="0">
               <a:ln>
                 <a:noFill/>
               </a:ln>
@@ -5643,7 +5605,7 @@
           </a:bodyPr>
           <a:lstStyle/>
           <a:p>
-            <a:pPr xmlns:a="http://schemas.openxmlformats.org/drawingml/2006/main" marL="0" marR="0" lvl="0" indent="0" algn="l" defTabSz="914400" rtl="0" eaLnBrk="0" fontAlgn="base" latinLnBrk="0" hangingPunct="0">
+            <a:pPr marL="0" marR="0" lvl="0" indent="0" algn="l" defTabSz="914400" rtl="0" eaLnBrk="0" fontAlgn="base" latinLnBrk="0" hangingPunct="0">
               <a:lnSpc>
                 <a:spcPct val="100000"/>
               </a:lnSpc>
@@ -5659,7 +5621,7 @@
               <a:buNone/>
               <a:tabLst/>
             </a:pPr>
-            <a:r xmlns:a="http://schemas.openxmlformats.org/drawingml/2006/main">
+            <a:r>
               <a:rPr kumimoji="0" lang="en" altLang="en-US" b="0" i="0" u="none" strike="noStrike" cap="none" normalizeH="0" baseline="0" dirty="0" err="1" smtClean="0">
                 <a:ln>
                   <a:noFill/>
@@ -5674,7 +5636,7 @@
               </a:rPr>
               <a:t>Publish </a:t>
             </a:r>
-            <a:r xmlns:a="http://schemas.openxmlformats.org/drawingml/2006/main">
+            <a:r>
               <a:rPr kumimoji="0" lang="en" altLang="en-US" b="0" i="0" u="none" strike="noStrike" cap="none" normalizeH="0" baseline="0" dirty="0" smtClean="0">
                 <a:ln>
                   <a:noFill/>
@@ -5689,7 +5651,7 @@
               </a:rPr>
               <a:t>the report to Power BI Service </a:t>
             </a:r>
-            <a:r xmlns:a="http://schemas.openxmlformats.org/drawingml/2006/main">
+            <a:r>
               <a:rPr kumimoji="0" lang="en" altLang="en-US" b="0" i="0" u="none" strike="noStrike" cap="none" normalizeH="0" dirty="0" smtClean="0">
                 <a:ln>
                   <a:noFill/>
@@ -5704,7 +5666,7 @@
               </a:rPr>
               <a:t>to one of the reports</a:t>
             </a:r>
-            <a:endParaRPr xmlns:a="http://schemas.openxmlformats.org/drawingml/2006/main" kumimoji="0" lang="fr-FR" altLang="en-US" b="0" i="0" u="none" strike="noStrike" cap="none" normalizeH="0" baseline="0" dirty="0" smtClean="0">
+            <a:endParaRPr kumimoji="0" lang="fr-FR" altLang="en-US" b="0" i="0" u="none" strike="noStrike" cap="none" normalizeH="0" baseline="0" dirty="0" smtClean="0">
               <a:ln>
                 <a:noFill/>
               </a:ln>
@@ -5804,14 +5766,14 @@
           </a:bodyPr>
           <a:lstStyle/>
           <a:p>
-            <a:r xmlns:a="http://schemas.openxmlformats.org/drawingml/2006/main">
+            <a:r>
               <a:rPr lang="en" sz="2400" dirty="0" smtClean="0">
                 <a:latin typeface="Segoe UI" panose="020B0502040204020203" pitchFamily="34" charset="0"/>
                 <a:cs typeface="Segoe UI" panose="020B0502040204020203" pitchFamily="34" charset="0"/>
               </a:rPr>
               <a:t>Configuring the Row Level Security</a:t>
             </a:r>
-            <a:endParaRPr xmlns:a="http://schemas.openxmlformats.org/drawingml/2006/main" lang="en-US" sz="2400" dirty="0">
+            <a:endParaRPr lang="en-US" sz="2400" dirty="0">
               <a:latin typeface="Segoe UI" panose="020B0502040204020203" pitchFamily="34" charset="0"/>
               <a:cs typeface="Segoe UI" panose="020B0502040204020203" pitchFamily="34" charset="0"/>
             </a:endParaRPr>
@@ -5927,7 +5889,7 @@
           </a:bodyPr>
           <a:lstStyle/>
           <a:p>
-            <a:pPr xmlns:a="http://schemas.openxmlformats.org/drawingml/2006/main">
+            <a:pPr>
               <a:lnSpc>
                 <a:spcPct val="107000"/>
               </a:lnSpc>
@@ -5935,7 +5897,7 @@
                 <a:spcPts val="800"/>
               </a:spcAft>
             </a:pPr>
-            <a:r xmlns:a="http://schemas.openxmlformats.org/drawingml/2006/main">
+            <a:r>
               <a:rPr lang="en" dirty="0" err="1" smtClean="0">
                 <a:latin typeface="Segoe UI" panose="020B0502040204020203" pitchFamily="34" charset="0"/>
                 <a:ea typeface="Calibri" panose="020F0502020204030204" pitchFamily="34" charset="0"/>
@@ -5943,7 +5905,7 @@
               </a:rPr>
               <a:t>Verify</a:t>
             </a:r>
-            <a:r xmlns:a="http://schemas.openxmlformats.org/drawingml/2006/main">
+            <a:r>
               <a:rPr lang="en" dirty="0" smtClean="0">
                 <a:latin typeface="Segoe UI" panose="020B0502040204020203" pitchFamily="34" charset="0"/>
                 <a:ea typeface="Calibri" panose="020F0502020204030204" pitchFamily="34" charset="0"/>
@@ -5951,7 +5913,7 @@
               </a:rPr>
               <a:t> </a:t>
             </a:r>
-            <a:r xmlns:a="http://schemas.openxmlformats.org/drawingml/2006/main">
+            <a:r>
               <a:rPr lang="en" dirty="0" err="1">
                 <a:latin typeface="Segoe UI" panose="020B0502040204020203" pitchFamily="34" charset="0"/>
                 <a:ea typeface="Calibri" panose="020F0502020204030204" pitchFamily="34" charset="0"/>
@@ -5959,7 +5921,7 @@
               </a:rPr>
               <a:t>that </a:t>
             </a:r>
-            <a:r xmlns:a="http://schemas.openxmlformats.org/drawingml/2006/main">
+            <a:r>
               <a:rPr lang="en" dirty="0">
                 <a:latin typeface="Segoe UI" panose="020B0502040204020203" pitchFamily="34" charset="0"/>
                 <a:ea typeface="Calibri" panose="020F0502020204030204" pitchFamily="34" charset="0"/>
@@ -5967,7 +5929,7 @@
               </a:rPr>
               <a:t>the data </a:t>
             </a:r>
-            <a:r xmlns:a="http://schemas.openxmlformats.org/drawingml/2006/main">
+            <a:r>
               <a:rPr lang="en" dirty="0" err="1">
                 <a:latin typeface="Segoe UI" panose="020B0502040204020203" pitchFamily="34" charset="0"/>
                 <a:ea typeface="Calibri" panose="020F0502020204030204" pitchFamily="34" charset="0"/>
@@ -5975,7 +5937,7 @@
               </a:rPr>
               <a:t>is</a:t>
             </a:r>
-            <a:r xmlns:a="http://schemas.openxmlformats.org/drawingml/2006/main">
+            <a:r>
               <a:rPr lang="en" dirty="0">
                 <a:latin typeface="Segoe UI" panose="020B0502040204020203" pitchFamily="34" charset="0"/>
                 <a:ea typeface="Calibri" panose="020F0502020204030204" pitchFamily="34" charset="0"/>
@@ -5983,7 +5945,7 @@
               </a:rPr>
               <a:t> </a:t>
             </a:r>
-            <a:r xmlns:a="http://schemas.openxmlformats.org/drawingml/2006/main">
+            <a:r>
               <a:rPr lang="en" dirty="0" err="1">
                 <a:latin typeface="Segoe UI" panose="020B0502040204020203" pitchFamily="34" charset="0"/>
                 <a:ea typeface="Calibri" panose="020F0502020204030204" pitchFamily="34" charset="0"/>
@@ -5991,7 +5953,7 @@
               </a:rPr>
               <a:t>fully</a:t>
             </a:r>
-            <a:r xmlns:a="http://schemas.openxmlformats.org/drawingml/2006/main">
+            <a:r>
               <a:rPr lang="en" dirty="0">
                 <a:latin typeface="Segoe UI" panose="020B0502040204020203" pitchFamily="34" charset="0"/>
                 <a:ea typeface="Calibri" panose="020F0502020204030204" pitchFamily="34" charset="0"/>
@@ -5999,7 +5961,7 @@
               </a:rPr>
               <a:t> </a:t>
             </a:r>
-            <a:r xmlns:a="http://schemas.openxmlformats.org/drawingml/2006/main">
+            <a:r>
               <a:rPr lang="en" dirty="0" err="1">
                 <a:latin typeface="Segoe UI" panose="020B0502040204020203" pitchFamily="34" charset="0"/>
                 <a:ea typeface="Calibri" panose="020F0502020204030204" pitchFamily="34" charset="0"/>
@@ -6007,7 +5969,7 @@
               </a:rPr>
               <a:t>visualized</a:t>
             </a:r>
-            <a:r xmlns:a="http://schemas.openxmlformats.org/drawingml/2006/main">
+            <a:r>
               <a:rPr lang="en" dirty="0">
                 <a:latin typeface="Segoe UI" panose="020B0502040204020203" pitchFamily="34" charset="0"/>
                 <a:ea typeface="Calibri" panose="020F0502020204030204" pitchFamily="34" charset="0"/>
@@ -6015,7 +5977,7 @@
               </a:rPr>
               <a:t> </a:t>
             </a:r>
-            <a:r xmlns:a="http://schemas.openxmlformats.org/drawingml/2006/main">
+            <a:r>
               <a:rPr lang="en" dirty="0" err="1">
                 <a:latin typeface="Segoe UI" panose="020B0502040204020203" pitchFamily="34" charset="0"/>
                 <a:ea typeface="Calibri" panose="020F0502020204030204" pitchFamily="34" charset="0"/>
@@ -6023,7 +5985,7 @@
               </a:rPr>
               <a:t>without</a:t>
             </a:r>
-            <a:r xmlns:a="http://schemas.openxmlformats.org/drawingml/2006/main">
+            <a:r>
               <a:rPr lang="en" dirty="0">
                 <a:latin typeface="Segoe UI" panose="020B0502040204020203" pitchFamily="34" charset="0"/>
                 <a:ea typeface="Calibri" panose="020F0502020204030204" pitchFamily="34" charset="0"/>
@@ -6031,7 +5993,7 @@
               </a:rPr>
               <a:t> </a:t>
             </a:r>
-            <a:r xmlns:a="http://schemas.openxmlformats.org/drawingml/2006/main">
+            <a:r>
               <a:rPr lang="en" dirty="0" smtClean="0">
                 <a:latin typeface="Segoe UI" panose="020B0502040204020203" pitchFamily="34" charset="0"/>
                 <a:ea typeface="Calibri" panose="020F0502020204030204" pitchFamily="34" charset="0"/>
@@ -6039,7 +6001,7 @@
               </a:rPr>
               <a:t>exception </a:t>
             </a:r>
-            <a:r xmlns:a="http://schemas.openxmlformats.org/drawingml/2006/main">
+            <a:r>
               <a:rPr lang="en" dirty="0" smtClean="0">
                 <a:latin typeface="Calibri" panose="020F0502020204030204" pitchFamily="34" charset="0"/>
                 <a:ea typeface="Calibri" panose="020F0502020204030204" pitchFamily="34" charset="0"/>
@@ -6047,7 +6009,7 @@
               </a:rPr>
               <a:t>at </a:t>
             </a:r>
-            <a:r xmlns:a="http://schemas.openxmlformats.org/drawingml/2006/main">
+            <a:r>
               <a:rPr lang="en" b="1" dirty="0" smtClean="0">
                 <a:latin typeface="Segoe UI" panose="020B0502040204020203" pitchFamily="34" charset="0"/>
                 <a:ea typeface="Calibri" panose="020F0502020204030204" pitchFamily="34" charset="0"/>
@@ -6055,7 +6017,7 @@
               </a:rPr>
               <a:t>Power </a:t>
             </a:r>
-            <a:r xmlns:a="http://schemas.openxmlformats.org/drawingml/2006/main">
+            <a:r>
               <a:rPr lang="en" b="1" dirty="0">
                 <a:latin typeface="Segoe UI" panose="020B0502040204020203" pitchFamily="34" charset="0"/>
                 <a:ea typeface="Calibri" panose="020F0502020204030204" pitchFamily="34" charset="0"/>
@@ -6063,7 +6025,7 @@
               </a:rPr>
               <a:t>BI Service </a:t>
             </a:r>
-            <a:r xmlns:a="http://schemas.openxmlformats.org/drawingml/2006/main">
+            <a:r>
               <a:rPr lang="en" dirty="0" err="1" smtClean="0">
                 <a:latin typeface="Segoe UI" panose="020B0502040204020203" pitchFamily="34" charset="0"/>
                 <a:ea typeface="Calibri" panose="020F0502020204030204" pitchFamily="34" charset="0"/>
@@ -6071,7 +6033,7 @@
               </a:rPr>
               <a:t>level</a:t>
             </a:r>
-            <a:r xmlns:a="http://schemas.openxmlformats.org/drawingml/2006/main">
+            <a:r>
               <a:rPr lang="en" dirty="0" smtClean="0">
                 <a:latin typeface="Segoe UI" panose="020B0502040204020203" pitchFamily="34" charset="0"/>
                 <a:ea typeface="Calibri" panose="020F0502020204030204" pitchFamily="34" charset="0"/>
@@ -6079,7 +6041,7 @@
               </a:rPr>
               <a:t> </a:t>
             </a:r>
-            <a:r xmlns:a="http://schemas.openxmlformats.org/drawingml/2006/main">
+            <a:r>
               <a:rPr lang="en" dirty="0" err="1" smtClean="0">
                 <a:latin typeface="Segoe UI" panose="020B0502040204020203" pitchFamily="34" charset="0"/>
                 <a:ea typeface="Calibri" panose="020F0502020204030204" pitchFamily="34" charset="0"/>
@@ -6087,7 +6049,7 @@
               </a:rPr>
               <a:t>by clicking</a:t>
             </a:r>
-            <a:r xmlns:a="http://schemas.openxmlformats.org/drawingml/2006/main">
+            <a:r>
               <a:rPr lang="en" dirty="0" smtClean="0">
                 <a:latin typeface="Segoe UI" panose="020B0502040204020203" pitchFamily="34" charset="0"/>
                 <a:ea typeface="Calibri" panose="020F0502020204030204" pitchFamily="34" charset="0"/>
@@ -6095,7 +6057,7 @@
               </a:rPr>
               <a:t> </a:t>
             </a:r>
-            <a:r xmlns:a="http://schemas.openxmlformats.org/drawingml/2006/main">
+            <a:r>
               <a:rPr lang="en" b="1" dirty="0" smtClean="0">
                 <a:latin typeface="Segoe UI" panose="020B0502040204020203" pitchFamily="34" charset="0"/>
                 <a:ea typeface="Calibri" panose="020F0502020204030204" pitchFamily="34" charset="0"/>
@@ -6103,7 +6065,7 @@
               </a:rPr>
               <a:t>Sales</a:t>
             </a:r>
-            <a:r xmlns:a="http://schemas.openxmlformats.org/drawingml/2006/main">
+            <a:r>
               <a:rPr lang="en" dirty="0" smtClean="0">
                 <a:latin typeface="Segoe UI" panose="020B0502040204020203" pitchFamily="34" charset="0"/>
                 <a:ea typeface="Calibri" panose="020F0502020204030204" pitchFamily="34" charset="0"/>
@@ -6111,7 +6073,7 @@
               </a:rPr>
               <a:t> </a:t>
             </a:r>
-            <a:r xmlns:a="http://schemas.openxmlformats.org/drawingml/2006/main">
+            <a:r>
               <a:rPr lang="en" dirty="0" err="1" smtClean="0">
                 <a:latin typeface="Segoe UI" panose="020B0502040204020203" pitchFamily="34" charset="0"/>
                 <a:ea typeface="Calibri" panose="020F0502020204030204" pitchFamily="34" charset="0"/>
@@ -6119,7 +6081,7 @@
               </a:rPr>
               <a:t>link</a:t>
             </a:r>
-            <a:endParaRPr xmlns:a="http://schemas.openxmlformats.org/drawingml/2006/main" lang="en-US" dirty="0">
+            <a:endParaRPr lang="en-US" dirty="0">
               <a:latin typeface="Calibri" panose="020F0502020204030204" pitchFamily="34" charset="0"/>
               <a:ea typeface="Calibri" panose="020F0502020204030204" pitchFamily="34" charset="0"/>
               <a:cs typeface="Times New Roman" panose="02020603050405020304" pitchFamily="18" charset="0"/>
@@ -6251,14 +6213,14 @@
           </a:bodyPr>
           <a:lstStyle/>
           <a:p>
-            <a:r xmlns:a="http://schemas.openxmlformats.org/drawingml/2006/main">
+            <a:r>
               <a:rPr lang="en" sz="2400" dirty="0" smtClean="0">
                 <a:latin typeface="Segoe UI" panose="020B0502040204020203" pitchFamily="34" charset="0"/>
                 <a:cs typeface="Segoe UI" panose="020B0502040204020203" pitchFamily="34" charset="0"/>
               </a:rPr>
               <a:t>Configuring the Row Level Security</a:t>
             </a:r>
-            <a:endParaRPr xmlns:a="http://schemas.openxmlformats.org/drawingml/2006/main" lang="en-US" sz="2400" dirty="0">
+            <a:endParaRPr lang="en-US" sz="2400" dirty="0">
               <a:latin typeface="Segoe UI" panose="020B0502040204020203" pitchFamily="34" charset="0"/>
               <a:cs typeface="Segoe UI" panose="020B0502040204020203" pitchFamily="34" charset="0"/>
             </a:endParaRPr>
@@ -6374,7 +6336,7 @@
           </a:bodyPr>
           <a:lstStyle/>
           <a:p>
-            <a:pPr xmlns:a="http://schemas.openxmlformats.org/drawingml/2006/main" lvl="0">
+            <a:pPr lvl="0">
               <a:lnSpc>
                 <a:spcPct val="107000"/>
               </a:lnSpc>
@@ -6382,7 +6344,7 @@
                 <a:spcPts val="800"/>
               </a:spcAft>
             </a:pPr>
-            <a:r xmlns:a="http://schemas.openxmlformats.org/drawingml/2006/main">
+            <a:r>
               <a:rPr lang="en" dirty="0">
                 <a:latin typeface="Segoe UI" panose="020B0502040204020203" pitchFamily="34" charset="0"/>
                 <a:ea typeface="Calibri" panose="020F0502020204030204" pitchFamily="34" charset="0"/>
@@ -6390,7 +6352,7 @@
               </a:rPr>
               <a:t>Go back to </a:t>
             </a:r>
-            <a:r xmlns:a="http://schemas.openxmlformats.org/drawingml/2006/main">
+            <a:r>
               <a:rPr lang="en" b="1" dirty="0">
                 <a:latin typeface="Segoe UI" panose="020B0502040204020203" pitchFamily="34" charset="0"/>
                 <a:ea typeface="Calibri" panose="020F0502020204030204" pitchFamily="34" charset="0"/>
@@ -6398,7 +6360,7 @@
               </a:rPr>
               <a:t>Power BI Desktop </a:t>
             </a:r>
-            <a:r xmlns:a="http://schemas.openxmlformats.org/drawingml/2006/main">
+            <a:r>
               <a:rPr lang="en" dirty="0">
                 <a:latin typeface="Segoe UI" panose="020B0502040204020203" pitchFamily="34" charset="0"/>
                 <a:ea typeface="Calibri" panose="020F0502020204030204" pitchFamily="34" charset="0"/>
@@ -6406,7 +6368,7 @@
               </a:rPr>
               <a:t>and click </a:t>
             </a:r>
-            <a:r xmlns:a="http://schemas.openxmlformats.org/drawingml/2006/main">
+            <a:r>
               <a:rPr lang="en" b="1" dirty="0" err="1">
                 <a:latin typeface="Segoe UI" panose="020B0502040204020203" pitchFamily="34" charset="0"/>
                 <a:ea typeface="Calibri" panose="020F0502020204030204" pitchFamily="34" charset="0"/>
@@ -6414,7 +6376,7 @@
               </a:rPr>
               <a:t>View </a:t>
             </a:r>
-            <a:r xmlns:a="http://schemas.openxmlformats.org/drawingml/2006/main">
+            <a:r>
               <a:rPr lang="en" b="1" dirty="0">
                 <a:latin typeface="Segoe UI" panose="020B0502040204020203" pitchFamily="34" charset="0"/>
                 <a:ea typeface="Calibri" panose="020F0502020204030204" pitchFamily="34" charset="0"/>
@@ -6422,7 +6384,7 @@
               </a:rPr>
               <a:t>as </a:t>
             </a:r>
-            <a:r xmlns:a="http://schemas.openxmlformats.org/drawingml/2006/main">
+            <a:r>
               <a:rPr lang="en" b="1" dirty="0" err="1">
                 <a:latin typeface="Segoe UI" panose="020B0502040204020203" pitchFamily="34" charset="0"/>
                 <a:ea typeface="Calibri" panose="020F0502020204030204" pitchFamily="34" charset="0"/>
@@ -6430,7 +6392,7 @@
               </a:rPr>
               <a:t>Roles</a:t>
             </a:r>
-            <a:r xmlns:a="http://schemas.openxmlformats.org/drawingml/2006/main">
+            <a:r>
               <a:rPr lang="en" b="1" dirty="0">
                 <a:latin typeface="Segoe UI" panose="020B0502040204020203" pitchFamily="34" charset="0"/>
                 <a:ea typeface="Calibri" panose="020F0502020204030204" pitchFamily="34" charset="0"/>
@@ -6438,7 +6400,7 @@
               </a:rPr>
               <a:t> </a:t>
             </a:r>
-            <a:r xmlns:a="http://schemas.openxmlformats.org/drawingml/2006/main">
+            <a:r>
               <a:rPr lang="en" dirty="0">
                 <a:latin typeface="Segoe UI" panose="020B0502040204020203" pitchFamily="34" charset="0"/>
                 <a:ea typeface="Calibri" panose="020F0502020204030204" pitchFamily="34" charset="0"/>
@@ -6446,7 +6408,7 @@
               </a:rPr>
               <a:t>on the </a:t>
             </a:r>
-            <a:r xmlns:a="http://schemas.openxmlformats.org/drawingml/2006/main">
+            <a:r>
               <a:rPr lang="en" b="1" dirty="0" err="1">
                 <a:latin typeface="Segoe UI" panose="020B0502040204020203" pitchFamily="34" charset="0"/>
                 <a:ea typeface="Calibri" panose="020F0502020204030204" pitchFamily="34" charset="0"/>
@@ -6454,7 +6416,7 @@
               </a:rPr>
               <a:t>Modeling </a:t>
             </a:r>
-            <a:r xmlns:a="http://schemas.openxmlformats.org/drawingml/2006/main">
+            <a:r>
               <a:rPr lang="en" b="1" dirty="0">
                 <a:latin typeface="Segoe UI" panose="020B0502040204020203" pitchFamily="34" charset="0"/>
                 <a:ea typeface="Calibri" panose="020F0502020204030204" pitchFamily="34" charset="0"/>
@@ -6462,7 +6424,7 @@
               </a:rPr>
               <a:t>tab</a:t>
             </a:r>
-            <a:r xmlns:a="http://schemas.openxmlformats.org/drawingml/2006/main">
+            <a:r>
               <a:rPr lang="en" dirty="0">
                 <a:latin typeface="Segoe UI" panose="020B0502040204020203" pitchFamily="34" charset="0"/>
                 <a:ea typeface="Calibri" panose="020F0502020204030204" pitchFamily="34" charset="0"/>
@@ -6470,7 +6432,7 @@
               </a:rPr>
               <a:t> </a:t>
             </a:r>
-            <a:endParaRPr xmlns:a="http://schemas.openxmlformats.org/drawingml/2006/main" lang="en-US" dirty="0">
+            <a:endParaRPr lang="en-US" dirty="0">
               <a:latin typeface="Calibri" panose="020F0502020204030204" pitchFamily="34" charset="0"/>
               <a:ea typeface="Calibri" panose="020F0502020204030204" pitchFamily="34" charset="0"/>
               <a:cs typeface="Times New Roman" panose="02020603050405020304" pitchFamily="18" charset="0"/>
@@ -6630,7 +6592,7 @@
           </a:bodyPr>
           <a:lstStyle/>
           <a:p>
-            <a:pPr xmlns:a="http://schemas.openxmlformats.org/drawingml/2006/main" lvl="0">
+            <a:pPr lvl="0">
               <a:lnSpc>
                 <a:spcPct val="107000"/>
               </a:lnSpc>
@@ -6638,7 +6600,7 @@
                 <a:spcPts val="800"/>
               </a:spcAft>
             </a:pPr>
-            <a:r xmlns:a="http://schemas.openxmlformats.org/drawingml/2006/main">
+            <a:r>
               <a:rPr lang="en" dirty="0" smtClean="0">
                 <a:latin typeface="Segoe UI" panose="020B0502040204020203" pitchFamily="34" charset="0"/>
                 <a:ea typeface="Calibri" panose="020F0502020204030204" pitchFamily="34" charset="0"/>
@@ -6646,7 +6608,7 @@
               </a:rPr>
               <a:t>Check that no roles are configured now</a:t>
             </a:r>
-            <a:endParaRPr xmlns:a="http://schemas.openxmlformats.org/drawingml/2006/main" lang="en-US" dirty="0">
+            <a:endParaRPr lang="en-US" dirty="0">
               <a:latin typeface="Calibri" panose="020F0502020204030204" pitchFamily="34" charset="0"/>
               <a:ea typeface="Calibri" panose="020F0502020204030204" pitchFamily="34" charset="0"/>
               <a:cs typeface="Times New Roman" panose="02020603050405020304" pitchFamily="18" charset="0"/>
@@ -6748,14 +6710,14 @@
           </a:bodyPr>
           <a:lstStyle/>
           <a:p>
-            <a:r xmlns:a="http://schemas.openxmlformats.org/drawingml/2006/main">
+            <a:r>
               <a:rPr lang="en" sz="2400" dirty="0" smtClean="0">
                 <a:latin typeface="Segoe UI" panose="020B0502040204020203" pitchFamily="34" charset="0"/>
                 <a:cs typeface="Segoe UI" panose="020B0502040204020203" pitchFamily="34" charset="0"/>
               </a:rPr>
               <a:t>Configuring the Row Level Security</a:t>
             </a:r>
-            <a:endParaRPr xmlns:a="http://schemas.openxmlformats.org/drawingml/2006/main" lang="en-US" sz="2400" dirty="0">
+            <a:endParaRPr lang="en-US" sz="2400" dirty="0">
               <a:latin typeface="Segoe UI" panose="020B0502040204020203" pitchFamily="34" charset="0"/>
               <a:cs typeface="Segoe UI" panose="020B0502040204020203" pitchFamily="34" charset="0"/>
             </a:endParaRPr>
@@ -6783,7 +6745,7 @@
           </a:bodyPr>
           <a:lstStyle/>
           <a:p>
-            <a:pPr xmlns:a="http://schemas.openxmlformats.org/drawingml/2006/main" lvl="0">
+            <a:pPr lvl="0">
               <a:lnSpc>
                 <a:spcPct val="107000"/>
               </a:lnSpc>
@@ -6791,7 +6753,7 @@
                 <a:spcPts val="800"/>
               </a:spcAft>
             </a:pPr>
-            <a:r xmlns:a="http://schemas.openxmlformats.org/drawingml/2006/main">
+            <a:r>
               <a:rPr lang="en" dirty="0" smtClean="0">
                 <a:latin typeface="Segoe UI" panose="020B0502040204020203" pitchFamily="34" charset="0"/>
                 <a:ea typeface="Calibri" panose="020F0502020204030204" pitchFamily="34" charset="0"/>
@@ -6799,7 +6761,7 @@
               </a:rPr>
               <a:t>Select </a:t>
             </a:r>
-            <a:r xmlns:a="http://schemas.openxmlformats.org/drawingml/2006/main">
+            <a:r>
               <a:rPr lang="en" b="1" dirty="0" smtClean="0">
                 <a:latin typeface="Segoe UI" panose="020B0502040204020203" pitchFamily="34" charset="0"/>
                 <a:ea typeface="Calibri" panose="020F0502020204030204" pitchFamily="34" charset="0"/>
@@ -6807,7 +6769,7 @@
               </a:rPr>
               <a:t>Management roles </a:t>
             </a:r>
-            <a:r xmlns:a="http://schemas.openxmlformats.org/drawingml/2006/main">
+            <a:r>
               <a:rPr lang="en" dirty="0" smtClean="0">
                 <a:latin typeface="Segoe UI" panose="020B0502040204020203" pitchFamily="34" charset="0"/>
                 <a:ea typeface="Calibri" panose="020F0502020204030204" pitchFamily="34" charset="0"/>
@@ -6815,7 +6777,7 @@
               </a:rPr>
               <a:t>under </a:t>
             </a:r>
-            <a:r xmlns:a="http://schemas.openxmlformats.org/drawingml/2006/main">
+            <a:r>
               <a:rPr lang="en" b="1" dirty="0" smtClean="0">
                 <a:latin typeface="Segoe UI" panose="020B0502040204020203" pitchFamily="34" charset="0"/>
                 <a:ea typeface="Calibri" panose="020F0502020204030204" pitchFamily="34" charset="0"/>
@@ -6823,7 +6785,7 @@
               </a:rPr>
               <a:t>Modeling </a:t>
             </a:r>
-            <a:r xmlns:a="http://schemas.openxmlformats.org/drawingml/2006/main">
+            <a:r>
               <a:rPr lang="en" dirty="0" smtClean="0">
                 <a:latin typeface="Segoe UI" panose="020B0502040204020203" pitchFamily="34" charset="0"/>
                 <a:ea typeface="Calibri" panose="020F0502020204030204" pitchFamily="34" charset="0"/>
@@ -6831,7 +6793,7 @@
               </a:rPr>
               <a:t>tab</a:t>
             </a:r>
-            <a:endParaRPr xmlns:a="http://schemas.openxmlformats.org/drawingml/2006/main" lang="en-US" dirty="0">
+            <a:endParaRPr lang="en-US" dirty="0">
               <a:latin typeface="Calibri" panose="020F0502020204030204" pitchFamily="34" charset="0"/>
               <a:ea typeface="Calibri" panose="020F0502020204030204" pitchFamily="34" charset="0"/>
               <a:cs typeface="Times New Roman" panose="02020603050405020304" pitchFamily="18" charset="0"/>
@@ -7020,7 +6982,7 @@
           </a:bodyPr>
           <a:lstStyle/>
           <a:p>
-            <a:pPr xmlns:a="http://schemas.openxmlformats.org/drawingml/2006/main" lvl="0">
+            <a:pPr lvl="0">
               <a:lnSpc>
                 <a:spcPct val="107000"/>
               </a:lnSpc>
@@ -7028,7 +6990,7 @@
                 <a:spcPts val="800"/>
               </a:spcAft>
             </a:pPr>
-            <a:r xmlns:a="http://schemas.openxmlformats.org/drawingml/2006/main">
+            <a:r>
               <a:rPr lang="en" dirty="0" smtClean="0">
                 <a:latin typeface="Segoe UI" panose="020B0502040204020203" pitchFamily="34" charset="0"/>
                 <a:ea typeface="Calibri" panose="020F0502020204030204" pitchFamily="34" charset="0"/>
@@ -7036,7 +6998,7 @@
               </a:rPr>
               <a:t>Configure a </a:t>
             </a:r>
-            <a:r xmlns:a="http://schemas.openxmlformats.org/drawingml/2006/main">
+            <a:r>
               <a:rPr lang="en" b="1" dirty="0" smtClean="0">
                 <a:latin typeface="Segoe UI" panose="020B0502040204020203" pitchFamily="34" charset="0"/>
                 <a:ea typeface="Calibri" panose="020F0502020204030204" pitchFamily="34" charset="0"/>
@@ -7044,7 +7006,7 @@
               </a:rPr>
               <a:t>Swiss role </a:t>
             </a:r>
-            <a:r xmlns:a="http://schemas.openxmlformats.org/drawingml/2006/main">
+            <a:r>
               <a:rPr lang="en" dirty="0" smtClean="0">
                 <a:latin typeface="Segoe UI" panose="020B0502040204020203" pitchFamily="34" charset="0"/>
                 <a:ea typeface="Calibri" panose="020F0502020204030204" pitchFamily="34" charset="0"/>
@@ -7052,7 +7014,7 @@
               </a:rPr>
               <a:t>on the table to see only data related to the </a:t>
             </a:r>
-            <a:r xmlns:a="http://schemas.openxmlformats.org/drawingml/2006/main">
+            <a:r>
               <a:rPr lang="en" b="1" dirty="0" err="1" smtClean="0">
                 <a:latin typeface="Segoe UI" panose="020B0502040204020203" pitchFamily="34" charset="0"/>
                 <a:ea typeface="Calibri" panose="020F0502020204030204" pitchFamily="34" charset="0"/>
@@ -7060,7 +7022,7 @@
               </a:rPr>
               <a:t>Swiss </a:t>
             </a:r>
-            <a:r xmlns:a="http://schemas.openxmlformats.org/drawingml/2006/main">
+            <a:r>
               <a:rPr lang="en" dirty="0" smtClean="0">
                 <a:latin typeface="Segoe UI" panose="020B0502040204020203" pitchFamily="34" charset="0"/>
                 <a:ea typeface="Calibri" panose="020F0502020204030204" pitchFamily="34" charset="0"/>
@@ -7068,7 +7030,7 @@
               </a:rPr>
               <a:t>country</a:t>
             </a:r>
-            <a:endParaRPr xmlns:a="http://schemas.openxmlformats.org/drawingml/2006/main" lang="en-US" dirty="0">
+            <a:endParaRPr lang="en-US" dirty="0">
               <a:latin typeface="Calibri" panose="020F0502020204030204" pitchFamily="34" charset="0"/>
               <a:ea typeface="Calibri" panose="020F0502020204030204" pitchFamily="34" charset="0"/>
               <a:cs typeface="Times New Roman" panose="02020603050405020304" pitchFamily="18" charset="0"/>
@@ -7117,12 +7079,12 @@
           <a:bodyPr rtlCol="0" anchor="ctr"/>
           <a:lstStyle/>
           <a:p>
-            <a:pPr xmlns:a="http://schemas.openxmlformats.org/drawingml/2006/main" algn="ctr"/>
-            <a:r xmlns:a="http://schemas.openxmlformats.org/drawingml/2006/main">
+            <a:pPr algn="ctr"/>
+            <a:r>
               <a:rPr lang="en" b="1" dirty="0" smtClean="0"/>
               <a:t>1</a:t>
             </a:r>
-            <a:endParaRPr xmlns:a="http://schemas.openxmlformats.org/drawingml/2006/main" lang="en-US" b="1" dirty="0"/>
+            <a:endParaRPr lang="en-US" b="1" dirty="0"/>
           </a:p>
         </p:txBody>
       </p:sp>
@@ -7167,12 +7129,12 @@
           <a:bodyPr rtlCol="0" anchor="ctr"/>
           <a:lstStyle/>
           <a:p>
-            <a:pPr xmlns:a="http://schemas.openxmlformats.org/drawingml/2006/main" algn="ctr"/>
-            <a:r xmlns:a="http://schemas.openxmlformats.org/drawingml/2006/main">
+            <a:pPr algn="ctr"/>
+            <a:r>
               <a:rPr lang="en" b="1" dirty="0" smtClean="0"/>
               <a:t>2</a:t>
             </a:r>
-            <a:endParaRPr xmlns:a="http://schemas.openxmlformats.org/drawingml/2006/main" lang="en-US" b="1" dirty="0"/>
+            <a:endParaRPr lang="en-US" b="1" dirty="0"/>
           </a:p>
         </p:txBody>
       </p:sp>
@@ -7217,12 +7179,12 @@
           <a:bodyPr rtlCol="0" anchor="ctr"/>
           <a:lstStyle/>
           <a:p>
-            <a:pPr xmlns:a="http://schemas.openxmlformats.org/drawingml/2006/main" algn="ctr"/>
-            <a:r xmlns:a="http://schemas.openxmlformats.org/drawingml/2006/main">
+            <a:pPr algn="ctr"/>
+            <a:r>
               <a:rPr lang="en" b="1" dirty="0" smtClean="0"/>
               <a:t>3</a:t>
             </a:r>
-            <a:endParaRPr xmlns:a="http://schemas.openxmlformats.org/drawingml/2006/main" lang="en-US" b="1" dirty="0"/>
+            <a:endParaRPr lang="en-US" b="1" dirty="0"/>
           </a:p>
         </p:txBody>
       </p:sp>
@@ -7278,14 +7240,14 @@
           </a:bodyPr>
           <a:lstStyle/>
           <a:p>
-            <a:r xmlns:a="http://schemas.openxmlformats.org/drawingml/2006/main">
+            <a:r>
               <a:rPr lang="en" sz="2400" dirty="0" smtClean="0">
                 <a:latin typeface="Segoe UI" panose="020B0502040204020203" pitchFamily="34" charset="0"/>
                 <a:cs typeface="Segoe UI" panose="020B0502040204020203" pitchFamily="34" charset="0"/>
               </a:rPr>
               <a:t>Configuring the Row Level Security</a:t>
             </a:r>
-            <a:endParaRPr xmlns:a="http://schemas.openxmlformats.org/drawingml/2006/main" lang="en-US" sz="2400" dirty="0">
+            <a:endParaRPr lang="en-US" sz="2400" dirty="0">
               <a:latin typeface="Segoe UI" panose="020B0502040204020203" pitchFamily="34" charset="0"/>
               <a:cs typeface="Segoe UI" panose="020B0502040204020203" pitchFamily="34" charset="0"/>
             </a:endParaRPr>
@@ -7313,7 +7275,7 @@
           </a:bodyPr>
           <a:lstStyle/>
           <a:p>
-            <a:pPr xmlns:a="http://schemas.openxmlformats.org/drawingml/2006/main" lvl="0">
+            <a:pPr lvl="0">
               <a:lnSpc>
                 <a:spcPct val="107000"/>
               </a:lnSpc>
@@ -7321,7 +7283,7 @@
                 <a:spcPts val="800"/>
               </a:spcAft>
             </a:pPr>
-            <a:r xmlns:a="http://schemas.openxmlformats.org/drawingml/2006/main">
+            <a:r>
               <a:rPr lang="en" dirty="0" smtClean="0">
                 <a:latin typeface="Segoe UI" panose="020B0502040204020203" pitchFamily="34" charset="0"/>
                 <a:ea typeface="Calibri" panose="020F0502020204030204" pitchFamily="34" charset="0"/>
@@ -7329,7 +7291,7 @@
               </a:rPr>
               <a:t>Return to menu </a:t>
             </a:r>
-            <a:r xmlns:a="http://schemas.openxmlformats.org/drawingml/2006/main">
+            <a:r>
               <a:rPr lang="en" b="1" dirty="0" smtClean="0">
                 <a:latin typeface="Segoe UI" panose="020B0502040204020203" pitchFamily="34" charset="0"/>
                 <a:ea typeface="Calibri" panose="020F0502020204030204" pitchFamily="34" charset="0"/>
@@ -7337,7 +7299,7 @@
               </a:rPr>
               <a:t>View as roles </a:t>
             </a:r>
-            <a:r xmlns:a="http://schemas.openxmlformats.org/drawingml/2006/main">
+            <a:r>
               <a:rPr lang="en" dirty="0" smtClean="0">
                 <a:latin typeface="Segoe UI" panose="020B0502040204020203" pitchFamily="34" charset="0"/>
                 <a:ea typeface="Calibri" panose="020F0502020204030204" pitchFamily="34" charset="0"/>
@@ -7345,7 +7307,7 @@
               </a:rPr>
               <a:t>and notice that the new role has just been added, select the new role and then click </a:t>
             </a:r>
-            <a:r xmlns:a="http://schemas.openxmlformats.org/drawingml/2006/main">
+            <a:r>
               <a:rPr lang="en" b="1" dirty="0" smtClean="0">
                 <a:latin typeface="Segoe UI" panose="020B0502040204020203" pitchFamily="34" charset="0"/>
                 <a:ea typeface="Calibri" panose="020F0502020204030204" pitchFamily="34" charset="0"/>
@@ -7353,7 +7315,7 @@
               </a:rPr>
               <a:t>OK</a:t>
             </a:r>
-            <a:r xmlns:a="http://schemas.openxmlformats.org/drawingml/2006/main">
+            <a:r>
               <a:rPr lang="en" dirty="0" smtClean="0">
                 <a:latin typeface="Segoe UI" panose="020B0502040204020203" pitchFamily="34" charset="0"/>
                 <a:ea typeface="Calibri" panose="020F0502020204030204" pitchFamily="34" charset="0"/>
@@ -7361,7 +7323,7 @@
               </a:rPr>
               <a:t> </a:t>
             </a:r>
-            <a:endParaRPr xmlns:a="http://schemas.openxmlformats.org/drawingml/2006/main" lang="en-US" dirty="0">
+            <a:endParaRPr lang="en-US" dirty="0">
               <a:latin typeface="Calibri" panose="020F0502020204030204" pitchFamily="34" charset="0"/>
               <a:ea typeface="Calibri" panose="020F0502020204030204" pitchFamily="34" charset="0"/>
               <a:cs typeface="Times New Roman" panose="02020603050405020304" pitchFamily="18" charset="0"/>
@@ -7547,14 +7509,14 @@
           </a:bodyPr>
           <a:lstStyle/>
           <a:p>
-            <a:r xmlns:a="http://schemas.openxmlformats.org/drawingml/2006/main">
+            <a:r>
               <a:rPr lang="en" sz="2400" dirty="0" smtClean="0">
                 <a:latin typeface="Segoe UI" panose="020B0502040204020203" pitchFamily="34" charset="0"/>
                 <a:cs typeface="Segoe UI" panose="020B0502040204020203" pitchFamily="34" charset="0"/>
               </a:rPr>
               <a:t>Configuring the Row Level Security</a:t>
             </a:r>
-            <a:endParaRPr xmlns:a="http://schemas.openxmlformats.org/drawingml/2006/main" lang="en-US" sz="2400" dirty="0">
+            <a:endParaRPr lang="en-US" sz="2400" dirty="0">
               <a:latin typeface="Segoe UI" panose="020B0502040204020203" pitchFamily="34" charset="0"/>
               <a:cs typeface="Segoe UI" panose="020B0502040204020203" pitchFamily="34" charset="0"/>
             </a:endParaRPr>
@@ -7582,7 +7544,7 @@
           </a:bodyPr>
           <a:lstStyle/>
           <a:p>
-            <a:pPr xmlns:a="http://schemas.openxmlformats.org/drawingml/2006/main" lvl="0">
+            <a:pPr lvl="0">
               <a:lnSpc>
                 <a:spcPct val="107000"/>
               </a:lnSpc>
@@ -7590,7 +7552,7 @@
                 <a:spcPts val="800"/>
               </a:spcAft>
             </a:pPr>
-            <a:r xmlns:a="http://schemas.openxmlformats.org/drawingml/2006/main">
+            <a:r>
               <a:rPr lang="en" dirty="0" smtClean="0">
                 <a:latin typeface="Segoe UI" panose="020B0502040204020203" pitchFamily="34" charset="0"/>
                 <a:ea typeface="Calibri" panose="020F0502020204030204" pitchFamily="34" charset="0"/>
@@ -7598,7 +7560,7 @@
               </a:rPr>
               <a:t>Note that only data related to </a:t>
             </a:r>
-            <a:r xmlns:a="http://schemas.openxmlformats.org/drawingml/2006/main">
+            <a:r>
               <a:rPr lang="en" dirty="0" err="1" smtClean="0">
                 <a:latin typeface="Segoe UI" panose="020B0502040204020203" pitchFamily="34" charset="0"/>
                 <a:ea typeface="Calibri" panose="020F0502020204030204" pitchFamily="34" charset="0"/>
@@ -7606,7 +7568,7 @@
               </a:rPr>
               <a:t>Swisse </a:t>
             </a:r>
-            <a:r xmlns:a="http://schemas.openxmlformats.org/drawingml/2006/main">
+            <a:r>
               <a:rPr lang="en" dirty="0" smtClean="0">
                 <a:latin typeface="Segoe UI" panose="020B0502040204020203" pitchFamily="34" charset="0"/>
                 <a:ea typeface="Calibri" panose="020F0502020204030204" pitchFamily="34" charset="0"/>
@@ -7614,7 +7576,7 @@
               </a:rPr>
               <a:t>is shown in the report</a:t>
             </a:r>
-            <a:endParaRPr xmlns:a="http://schemas.openxmlformats.org/drawingml/2006/main" lang="en-US" dirty="0">
+            <a:endParaRPr lang="en-US" dirty="0">
               <a:latin typeface="Calibri" panose="020F0502020204030204" pitchFamily="34" charset="0"/>
               <a:ea typeface="Calibri" panose="020F0502020204030204" pitchFamily="34" charset="0"/>
               <a:cs typeface="Times New Roman" panose="02020603050405020304" pitchFamily="18" charset="0"/>
